--- a/temp/中期报告 Rust 0.0.pptx
+++ b/temp/中期报告 Rust 0.0.pptx
@@ -5,7 +5,7 @@
     <p:sldMasterId id="2147483648" r:id="rId1"/>
   </p:sldMasterIdLst>
   <p:notesMasterIdLst>
-    <p:notesMasterId r:id="rId10"/>
+    <p:notesMasterId r:id="rId9"/>
   </p:notesMasterIdLst>
   <p:sldIdLst>
     <p:sldId id="257" r:id="rId2"/>
@@ -13,14 +13,13 @@
     <p:sldId id="1694" r:id="rId4"/>
     <p:sldId id="298" r:id="rId5"/>
     <p:sldId id="284" r:id="rId6"/>
-    <p:sldId id="258" r:id="rId7"/>
-    <p:sldId id="260" r:id="rId8"/>
-    <p:sldId id="259" r:id="rId9"/>
+    <p:sldId id="260" r:id="rId7"/>
+    <p:sldId id="259" r:id="rId8"/>
   </p:sldIdLst>
   <p:sldSz cx="12192000" cy="6858000"/>
   <p:notesSz cx="6858000" cy="9144000"/>
   <p:custDataLst>
-    <p:tags r:id="rId11"/>
+    <p:tags r:id="rId10"/>
   </p:custDataLst>
   <p:defaultTextStyle>
     <a:defPPr>
@@ -501,7 +500,7 @@
             </a:extLst>
           </p:cNvPr>
           <p:cNvSpPr>
-            <a:spLocks noChangeArrowheads="1"/>
+            <a:spLocks noGrp="1" noRot="1" noChangeAspect="1" noChangeArrowheads="1"/>
           </p:cNvSpPr>
           <p:nvPr>
             <p:ph type="sldImg" idx="4294967295"/>
@@ -523,7 +522,7 @@
             </a:extLst>
           </p:cNvPr>
           <p:cNvSpPr>
-            <a:spLocks noChangeArrowheads="1"/>
+            <a:spLocks noGrp="1" noChangeArrowheads="1"/>
           </p:cNvSpPr>
           <p:nvPr>
             <p:ph type="body" idx="4294967295"/>
@@ -2991,7 +2990,860 @@
           <a:bodyPr/>
           <a:lstStyle/>
           <a:p>
-            <a:endParaRPr lang="zh-CN" altLang="en-US"/>
+            <a:r>
+              <a:rPr lang="zh-CN" altLang="en-US" sz="1200" b="0" i="0" kern="1200" dirty="0">
+                <a:solidFill>
+                  <a:schemeClr val="tx1"/>
+                </a:solidFill>
+                <a:effectLst/>
+                <a:latin typeface="+mn-lt"/>
+                <a:ea typeface="+mn-ea"/>
+                <a:cs typeface="+mn-cs"/>
+              </a:rPr>
+              <a:t>创新点：</a:t>
+            </a:r>
+            <a:r>
+              <a:rPr lang="en-US" altLang="zh-CN" sz="1200" b="0" i="0" kern="1200" dirty="0">
+                <a:solidFill>
+                  <a:schemeClr val="tx1"/>
+                </a:solidFill>
+                <a:effectLst/>
+                <a:latin typeface="+mn-lt"/>
+                <a:ea typeface="+mn-ea"/>
+                <a:cs typeface="+mn-cs"/>
+              </a:rPr>
+              <a:t>Rust </a:t>
+            </a:r>
+            <a:r>
+              <a:rPr lang="zh-CN" altLang="en-US" sz="1200" b="0" i="0" kern="1200" dirty="0">
+                <a:solidFill>
+                  <a:schemeClr val="tx1"/>
+                </a:solidFill>
+                <a:effectLst/>
+                <a:latin typeface="+mn-lt"/>
+                <a:ea typeface="+mn-ea"/>
+                <a:cs typeface="+mn-cs"/>
+              </a:rPr>
+              <a:t>和 </a:t>
+            </a:r>
+            <a:r>
+              <a:rPr lang="en-US" altLang="zh-CN" sz="1200" b="0" i="0" kern="1200" dirty="0" err="1">
+                <a:solidFill>
+                  <a:schemeClr val="tx1"/>
+                </a:solidFill>
+                <a:effectLst/>
+                <a:latin typeface="+mn-lt"/>
+                <a:ea typeface="+mn-ea"/>
+                <a:cs typeface="+mn-cs"/>
+              </a:rPr>
+              <a:t>webassembly</a:t>
+            </a:r>
+            <a:r>
+              <a:rPr lang="en-US" altLang="zh-CN" sz="1200" b="0" i="0" kern="1200" dirty="0">
+                <a:solidFill>
+                  <a:schemeClr val="tx1"/>
+                </a:solidFill>
+                <a:effectLst/>
+                <a:latin typeface="+mn-lt"/>
+                <a:ea typeface="+mn-ea"/>
+                <a:cs typeface="+mn-cs"/>
+              </a:rPr>
+              <a:t> </a:t>
+            </a:r>
+            <a:r>
+              <a:rPr lang="zh-CN" altLang="en-US" sz="1200" b="0" i="0" kern="1200" dirty="0">
+                <a:solidFill>
+                  <a:schemeClr val="tx1"/>
+                </a:solidFill>
+                <a:effectLst/>
+                <a:latin typeface="+mn-lt"/>
+                <a:ea typeface="+mn-ea"/>
+                <a:cs typeface="+mn-cs"/>
+              </a:rPr>
+              <a:t>结合</a:t>
+            </a:r>
+            <a:endParaRPr lang="en-US" altLang="zh-CN" sz="1200" b="0" i="0" kern="1200" dirty="0">
+              <a:solidFill>
+                <a:schemeClr val="tx1"/>
+              </a:solidFill>
+              <a:effectLst/>
+              <a:latin typeface="+mn-lt"/>
+              <a:ea typeface="+mn-ea"/>
+              <a:cs typeface="+mn-cs"/>
+            </a:endParaRPr>
+          </a:p>
+          <a:p>
+            <a:r>
+              <a:rPr lang="zh-CN" altLang="en-US" sz="1200" b="0" i="0" kern="1200" dirty="0">
+                <a:solidFill>
+                  <a:schemeClr val="tx1"/>
+                </a:solidFill>
+                <a:effectLst/>
+                <a:latin typeface="+mn-lt"/>
+                <a:ea typeface="+mn-ea"/>
+                <a:cs typeface="+mn-cs"/>
+              </a:rPr>
+              <a:t>在开发 </a:t>
+            </a:r>
+            <a:r>
+              <a:rPr lang="en-US" altLang="zh-CN" sz="1200" b="0" i="0" kern="1200" dirty="0" err="1">
+                <a:solidFill>
+                  <a:schemeClr val="tx1"/>
+                </a:solidFill>
+                <a:effectLst/>
+                <a:latin typeface="+mn-lt"/>
+                <a:ea typeface="+mn-ea"/>
+                <a:cs typeface="+mn-cs"/>
+              </a:rPr>
+              <a:t>WebAssembly</a:t>
+            </a:r>
+            <a:r>
+              <a:rPr lang="en-US" altLang="zh-CN" sz="1200" b="0" i="0" kern="1200" dirty="0">
+                <a:solidFill>
+                  <a:schemeClr val="tx1"/>
+                </a:solidFill>
+                <a:effectLst/>
+                <a:latin typeface="+mn-lt"/>
+                <a:ea typeface="+mn-ea"/>
+                <a:cs typeface="+mn-cs"/>
+              </a:rPr>
+              <a:t> </a:t>
+            </a:r>
+            <a:r>
+              <a:rPr lang="zh-CN" altLang="en-US" sz="1200" b="0" i="0" kern="1200" dirty="0">
+                <a:solidFill>
+                  <a:schemeClr val="tx1"/>
+                </a:solidFill>
+                <a:effectLst/>
+                <a:latin typeface="+mn-lt"/>
+                <a:ea typeface="+mn-ea"/>
+                <a:cs typeface="+mn-cs"/>
+              </a:rPr>
+              <a:t>时，相比于 </a:t>
+            </a:r>
+            <a:r>
+              <a:rPr lang="en-US" altLang="zh-CN" sz="1200" b="0" i="0" kern="1200" dirty="0" err="1">
+                <a:solidFill>
+                  <a:schemeClr val="tx1"/>
+                </a:solidFill>
+                <a:effectLst/>
+                <a:latin typeface="+mn-lt"/>
+                <a:ea typeface="+mn-ea"/>
+                <a:cs typeface="+mn-cs"/>
+              </a:rPr>
+              <a:t>AssemblyScript</a:t>
+            </a:r>
+            <a:r>
+              <a:rPr lang="zh-CN" altLang="en-US" sz="1200" b="0" i="0" kern="1200" dirty="0">
+                <a:solidFill>
+                  <a:schemeClr val="tx1"/>
+                </a:solidFill>
+                <a:effectLst/>
+                <a:latin typeface="+mn-lt"/>
+                <a:ea typeface="+mn-ea"/>
+                <a:cs typeface="+mn-cs"/>
+              </a:rPr>
+              <a:t>、</a:t>
+            </a:r>
+            <a:r>
+              <a:rPr lang="en-US" altLang="zh-CN" sz="1200" b="0" i="0" kern="1200" dirty="0">
+                <a:solidFill>
+                  <a:schemeClr val="tx1"/>
+                </a:solidFill>
+                <a:effectLst/>
+                <a:latin typeface="+mn-lt"/>
+                <a:ea typeface="+mn-ea"/>
+                <a:cs typeface="+mn-cs"/>
+              </a:rPr>
+              <a:t>C++</a:t>
+            </a:r>
+            <a:r>
+              <a:rPr lang="zh-CN" altLang="en-US" sz="1200" b="0" i="0" kern="1200" dirty="0">
+                <a:solidFill>
+                  <a:schemeClr val="tx1"/>
+                </a:solidFill>
+                <a:effectLst/>
+                <a:latin typeface="+mn-lt"/>
+                <a:ea typeface="+mn-ea"/>
+                <a:cs typeface="+mn-cs"/>
+              </a:rPr>
+              <a:t>、</a:t>
+            </a:r>
+            <a:r>
+              <a:rPr lang="en-US" altLang="zh-CN" sz="1200" b="0" i="0" kern="1200" dirty="0">
+                <a:solidFill>
+                  <a:schemeClr val="tx1"/>
+                </a:solidFill>
+                <a:effectLst/>
+                <a:latin typeface="+mn-lt"/>
+                <a:ea typeface="+mn-ea"/>
+                <a:cs typeface="+mn-cs"/>
+              </a:rPr>
+              <a:t>JavaScript</a:t>
+            </a:r>
+            <a:r>
+              <a:rPr lang="zh-CN" altLang="en-US" sz="1200" b="0" i="0" kern="1200" dirty="0">
+                <a:solidFill>
+                  <a:schemeClr val="tx1"/>
+                </a:solidFill>
+                <a:effectLst/>
+                <a:latin typeface="+mn-lt"/>
+                <a:ea typeface="+mn-ea"/>
+                <a:cs typeface="+mn-cs"/>
+              </a:rPr>
+              <a:t>，使用 </a:t>
+            </a:r>
+            <a:r>
+              <a:rPr lang="en-US" altLang="zh-CN" sz="1200" b="0" i="0" kern="1200" dirty="0">
+                <a:solidFill>
+                  <a:schemeClr val="tx1"/>
+                </a:solidFill>
+                <a:effectLst/>
+                <a:latin typeface="+mn-lt"/>
+                <a:ea typeface="+mn-ea"/>
+                <a:cs typeface="+mn-cs"/>
+              </a:rPr>
+              <a:t>Rust </a:t>
+            </a:r>
+            <a:r>
+              <a:rPr lang="zh-CN" altLang="en-US" sz="1200" b="0" i="0" kern="1200" dirty="0">
+                <a:solidFill>
+                  <a:schemeClr val="tx1"/>
+                </a:solidFill>
+                <a:effectLst/>
+                <a:latin typeface="+mn-lt"/>
+                <a:ea typeface="+mn-ea"/>
+                <a:cs typeface="+mn-cs"/>
+              </a:rPr>
+              <a:t>开发在</a:t>
+            </a:r>
+            <a:r>
+              <a:rPr lang="zh-CN" altLang="en-US" sz="1200" b="1" i="0" kern="1200" dirty="0">
+                <a:solidFill>
+                  <a:schemeClr val="tx1"/>
+                </a:solidFill>
+                <a:effectLst/>
+                <a:latin typeface="+mn-lt"/>
+                <a:ea typeface="+mn-ea"/>
+                <a:cs typeface="+mn-cs"/>
+              </a:rPr>
+              <a:t>开发效率</a:t>
+            </a:r>
+            <a:r>
+              <a:rPr lang="zh-CN" altLang="en-US" sz="1200" b="0" i="0" kern="1200" dirty="0">
+                <a:solidFill>
+                  <a:schemeClr val="tx1"/>
+                </a:solidFill>
+                <a:effectLst/>
+                <a:latin typeface="+mn-lt"/>
+                <a:ea typeface="+mn-ea"/>
+                <a:cs typeface="+mn-cs"/>
+              </a:rPr>
+              <a:t>和便捷性、包体积大小等方面有很大优势。</a:t>
+            </a:r>
+          </a:p>
+          <a:p>
+            <a:r>
+              <a:rPr lang="zh-CN" altLang="en-US" sz="1200" b="0" i="0" kern="1200" dirty="0">
+                <a:solidFill>
+                  <a:schemeClr val="tx1"/>
+                </a:solidFill>
+                <a:effectLst/>
+                <a:latin typeface="+mn-lt"/>
+                <a:ea typeface="+mn-ea"/>
+                <a:cs typeface="+mn-cs"/>
+              </a:rPr>
+              <a:t>用 </a:t>
+            </a:r>
+            <a:r>
+              <a:rPr lang="en-US" altLang="zh-CN" sz="1200" b="0" i="0" kern="1200" dirty="0">
+                <a:solidFill>
+                  <a:schemeClr val="tx1"/>
+                </a:solidFill>
+                <a:effectLst/>
+                <a:latin typeface="+mn-lt"/>
+                <a:ea typeface="+mn-ea"/>
+                <a:cs typeface="+mn-cs"/>
+              </a:rPr>
+              <a:t>Rust </a:t>
+            </a:r>
+            <a:r>
+              <a:rPr lang="zh-CN" altLang="en-US" sz="1200" b="0" i="0" kern="1200" dirty="0">
+                <a:solidFill>
+                  <a:schemeClr val="tx1"/>
+                </a:solidFill>
+                <a:effectLst/>
+                <a:latin typeface="+mn-lt"/>
+                <a:ea typeface="+mn-ea"/>
+                <a:cs typeface="+mn-cs"/>
+              </a:rPr>
+              <a:t>开发 </a:t>
+            </a:r>
+            <a:r>
+              <a:rPr lang="en-US" altLang="zh-CN" sz="1200" b="0" i="0" kern="1200" dirty="0" err="1">
+                <a:solidFill>
+                  <a:schemeClr val="tx1"/>
+                </a:solidFill>
+                <a:effectLst/>
+                <a:latin typeface="+mn-lt"/>
+                <a:ea typeface="+mn-ea"/>
+                <a:cs typeface="+mn-cs"/>
+              </a:rPr>
+              <a:t>WebAssembly</a:t>
+            </a:r>
+            <a:r>
+              <a:rPr lang="en-US" altLang="zh-CN" sz="1200" b="0" i="0" kern="1200" dirty="0">
+                <a:solidFill>
+                  <a:schemeClr val="tx1"/>
+                </a:solidFill>
+                <a:effectLst/>
+                <a:latin typeface="+mn-lt"/>
+                <a:ea typeface="+mn-ea"/>
+                <a:cs typeface="+mn-cs"/>
+              </a:rPr>
+              <a:t> </a:t>
+            </a:r>
+            <a:r>
+              <a:rPr lang="zh-CN" altLang="en-US" sz="1200" b="0" i="0" kern="1200" dirty="0">
+                <a:solidFill>
+                  <a:schemeClr val="tx1"/>
+                </a:solidFill>
+                <a:effectLst/>
+                <a:latin typeface="+mn-lt"/>
+                <a:ea typeface="+mn-ea"/>
+                <a:cs typeface="+mn-cs"/>
+              </a:rPr>
+              <a:t>的</a:t>
+            </a:r>
+            <a:r>
+              <a:rPr lang="zh-CN" altLang="en-US" sz="1200" b="1" i="0" kern="1200" dirty="0">
+                <a:solidFill>
+                  <a:schemeClr val="tx1"/>
+                </a:solidFill>
+                <a:effectLst/>
+                <a:latin typeface="+mn-lt"/>
+                <a:ea typeface="+mn-ea"/>
+                <a:cs typeface="+mn-cs"/>
+              </a:rPr>
+              <a:t>官方周边文档</a:t>
+            </a:r>
+            <a:r>
+              <a:rPr lang="zh-CN" altLang="en-US" sz="1200" b="0" i="0" kern="1200" dirty="0">
+                <a:solidFill>
+                  <a:schemeClr val="tx1"/>
+                </a:solidFill>
+                <a:effectLst/>
+                <a:latin typeface="+mn-lt"/>
+                <a:ea typeface="+mn-ea"/>
+                <a:cs typeface="+mn-cs"/>
+              </a:rPr>
+              <a:t>已经比较全面。</a:t>
+            </a:r>
+          </a:p>
+          <a:p>
+            <a:r>
+              <a:rPr lang="en-US" altLang="zh-CN" sz="1200" b="0" i="0" kern="1200" dirty="0">
+                <a:solidFill>
+                  <a:schemeClr val="tx1"/>
+                </a:solidFill>
+                <a:effectLst/>
+                <a:latin typeface="+mn-lt"/>
+                <a:ea typeface="+mn-ea"/>
+                <a:cs typeface="+mn-cs"/>
+              </a:rPr>
+              <a:t>Rust + </a:t>
+            </a:r>
+            <a:r>
+              <a:rPr lang="en-US" altLang="zh-CN" sz="1200" b="0" i="0" kern="1200" dirty="0" err="1">
+                <a:solidFill>
+                  <a:schemeClr val="tx1"/>
+                </a:solidFill>
+                <a:effectLst/>
+                <a:latin typeface="+mn-lt"/>
+                <a:ea typeface="+mn-ea"/>
+                <a:cs typeface="+mn-cs"/>
+              </a:rPr>
+              <a:t>WebAssembly</a:t>
+            </a:r>
+            <a:r>
+              <a:rPr lang="en-US" altLang="zh-CN" sz="1200" b="0" i="0" kern="1200" dirty="0">
+                <a:solidFill>
+                  <a:schemeClr val="tx1"/>
+                </a:solidFill>
+                <a:effectLst/>
+                <a:latin typeface="+mn-lt"/>
+                <a:ea typeface="+mn-ea"/>
+                <a:cs typeface="+mn-cs"/>
+              </a:rPr>
+              <a:t> </a:t>
+            </a:r>
+            <a:r>
+              <a:rPr lang="zh-CN" altLang="en-US" sz="1200" b="0" i="0" kern="1200" dirty="0">
+                <a:solidFill>
+                  <a:schemeClr val="tx1"/>
+                </a:solidFill>
+                <a:effectLst/>
+                <a:latin typeface="+mn-lt"/>
+                <a:ea typeface="+mn-ea"/>
+                <a:cs typeface="+mn-cs"/>
+              </a:rPr>
+              <a:t>的能力：</a:t>
+            </a:r>
+            <a:r>
+              <a:rPr lang="zh-CN" altLang="en-US" sz="1200" b="1" i="0" kern="1200" dirty="0">
+                <a:solidFill>
+                  <a:schemeClr val="tx1"/>
+                </a:solidFill>
+                <a:effectLst/>
+                <a:latin typeface="+mn-lt"/>
+                <a:ea typeface="+mn-ea"/>
+                <a:cs typeface="+mn-cs"/>
+              </a:rPr>
+              <a:t>调用 </a:t>
+            </a:r>
+            <a:r>
+              <a:rPr lang="en-US" altLang="zh-CN" sz="1200" b="1" i="0" kern="1200" dirty="0">
+                <a:solidFill>
+                  <a:schemeClr val="tx1"/>
+                </a:solidFill>
+                <a:effectLst/>
+                <a:latin typeface="+mn-lt"/>
+                <a:ea typeface="+mn-ea"/>
+                <a:cs typeface="+mn-cs"/>
+              </a:rPr>
+              <a:t>JS </a:t>
+            </a:r>
+            <a:r>
+              <a:rPr lang="zh-CN" altLang="en-US" sz="1200" b="1" i="0" kern="1200" dirty="0">
+                <a:solidFill>
+                  <a:schemeClr val="tx1"/>
+                </a:solidFill>
+                <a:effectLst/>
+                <a:latin typeface="+mn-lt"/>
+                <a:ea typeface="+mn-ea"/>
+                <a:cs typeface="+mn-cs"/>
+              </a:rPr>
+              <a:t>库</a:t>
+            </a:r>
+            <a:endParaRPr lang="zh-CN" altLang="en-US" sz="1200" b="0" i="0" kern="1200" dirty="0">
+              <a:solidFill>
+                <a:schemeClr val="tx1"/>
+              </a:solidFill>
+              <a:effectLst/>
+              <a:latin typeface="+mn-lt"/>
+              <a:ea typeface="+mn-ea"/>
+              <a:cs typeface="+mn-cs"/>
+            </a:endParaRPr>
+          </a:p>
+          <a:p>
+            <a:pPr lvl="1"/>
+            <a:r>
+              <a:rPr lang="zh-CN" altLang="en-US" sz="1200" b="0" i="0" kern="1200" dirty="0">
+                <a:solidFill>
+                  <a:schemeClr val="tx1"/>
+                </a:solidFill>
+                <a:effectLst/>
+                <a:latin typeface="+mn-lt"/>
+                <a:ea typeface="+mn-ea"/>
+                <a:cs typeface="+mn-cs"/>
+              </a:rPr>
+              <a:t>可以使用 </a:t>
+            </a:r>
+            <a:r>
+              <a:rPr lang="en-US" altLang="zh-CN" sz="1200" b="0" i="0" kern="1200" dirty="0">
+                <a:solidFill>
+                  <a:schemeClr val="tx1"/>
+                </a:solidFill>
+                <a:effectLst/>
+                <a:latin typeface="+mn-lt"/>
+                <a:ea typeface="+mn-ea"/>
+                <a:cs typeface="+mn-cs"/>
+              </a:rPr>
+              <a:t>Rust std</a:t>
+            </a:r>
+            <a:r>
+              <a:rPr lang="zh-CN" altLang="en-US" sz="1200" b="0" i="0" kern="1200" dirty="0">
+                <a:solidFill>
+                  <a:schemeClr val="tx1"/>
+                </a:solidFill>
+                <a:effectLst/>
+                <a:latin typeface="+mn-lt"/>
+                <a:ea typeface="+mn-ea"/>
+                <a:cs typeface="+mn-cs"/>
+              </a:rPr>
+              <a:t>以使用 </a:t>
+            </a:r>
+            <a:r>
+              <a:rPr lang="en-US" altLang="zh-CN" sz="1200" b="0" i="0" kern="1200" dirty="0">
+                <a:solidFill>
+                  <a:schemeClr val="tx1"/>
+                </a:solidFill>
+                <a:effectLst/>
+                <a:latin typeface="+mn-lt"/>
+                <a:ea typeface="+mn-ea"/>
+                <a:cs typeface="+mn-cs"/>
+              </a:rPr>
+              <a:t>Rust </a:t>
+            </a:r>
+            <a:r>
+              <a:rPr lang="zh-CN" altLang="en-US" sz="1200" b="0" i="0" kern="1200" dirty="0">
+                <a:solidFill>
+                  <a:schemeClr val="tx1"/>
+                </a:solidFill>
+                <a:effectLst/>
+                <a:latin typeface="+mn-lt"/>
+                <a:ea typeface="+mn-ea"/>
+                <a:cs typeface="+mn-cs"/>
+              </a:rPr>
+              <a:t>的大多数第三方库。</a:t>
+            </a:r>
+          </a:p>
+          <a:p>
+            <a:pPr lvl="1"/>
+            <a:r>
+              <a:rPr lang="zh-CN" altLang="en-US" sz="1200" b="0" i="0" kern="1200" dirty="0">
+                <a:solidFill>
+                  <a:schemeClr val="tx1"/>
+                </a:solidFill>
+                <a:effectLst/>
+                <a:latin typeface="+mn-lt"/>
+                <a:ea typeface="+mn-ea"/>
+                <a:cs typeface="+mn-cs"/>
+              </a:rPr>
+              <a:t>可以调用几乎任何 </a:t>
+            </a:r>
+            <a:r>
+              <a:rPr lang="en-US" altLang="zh-CN" sz="1200" b="0" i="0" kern="1200" dirty="0">
+                <a:solidFill>
+                  <a:schemeClr val="tx1"/>
+                </a:solidFill>
+                <a:effectLst/>
+                <a:latin typeface="+mn-lt"/>
+                <a:ea typeface="+mn-ea"/>
+                <a:cs typeface="+mn-cs"/>
+              </a:rPr>
+              <a:t>JS </a:t>
+            </a:r>
+            <a:r>
+              <a:rPr lang="zh-CN" altLang="en-US" sz="1200" b="0" i="0" kern="1200" dirty="0">
+                <a:solidFill>
+                  <a:schemeClr val="tx1"/>
+                </a:solidFill>
+                <a:effectLst/>
+                <a:latin typeface="+mn-lt"/>
+                <a:ea typeface="+mn-ea"/>
+                <a:cs typeface="+mn-cs"/>
+              </a:rPr>
+              <a:t>侧声明的方法，也可以暴露方法给 </a:t>
+            </a:r>
+            <a:r>
+              <a:rPr lang="en-US" altLang="zh-CN" sz="1200" b="0" i="0" kern="1200" dirty="0">
+                <a:solidFill>
+                  <a:schemeClr val="tx1"/>
+                </a:solidFill>
+                <a:effectLst/>
+                <a:latin typeface="+mn-lt"/>
+                <a:ea typeface="+mn-ea"/>
+                <a:cs typeface="+mn-cs"/>
+              </a:rPr>
+              <a:t>JS </a:t>
+            </a:r>
+            <a:r>
+              <a:rPr lang="zh-CN" altLang="en-US" sz="1200" b="0" i="0" kern="1200" dirty="0">
+                <a:solidFill>
+                  <a:schemeClr val="tx1"/>
+                </a:solidFill>
+                <a:effectLst/>
+                <a:latin typeface="+mn-lt"/>
+                <a:ea typeface="+mn-ea"/>
+                <a:cs typeface="+mn-cs"/>
+              </a:rPr>
+              <a:t>调用。</a:t>
+            </a:r>
+          </a:p>
+          <a:p>
+            <a:pPr lvl="1"/>
+            <a:r>
+              <a:rPr lang="zh-CN" altLang="en-US" sz="1200" b="0" i="0" kern="1200" dirty="0">
+                <a:solidFill>
+                  <a:schemeClr val="tx1"/>
+                </a:solidFill>
+                <a:effectLst/>
+                <a:latin typeface="+mn-lt"/>
+                <a:ea typeface="+mn-ea"/>
+                <a:cs typeface="+mn-cs"/>
+              </a:rPr>
+              <a:t>可以和 </a:t>
+            </a:r>
+            <a:r>
+              <a:rPr lang="en-US" altLang="zh-CN" sz="1200" b="0" i="0" kern="1200" dirty="0">
+                <a:solidFill>
+                  <a:schemeClr val="tx1"/>
+                </a:solidFill>
+                <a:effectLst/>
+                <a:latin typeface="+mn-lt"/>
+                <a:ea typeface="+mn-ea"/>
+                <a:cs typeface="+mn-cs"/>
+              </a:rPr>
+              <a:t>JS </a:t>
+            </a:r>
+            <a:r>
+              <a:rPr lang="zh-CN" altLang="en-US" sz="1200" b="0" i="0" kern="1200" dirty="0">
+                <a:solidFill>
+                  <a:schemeClr val="tx1"/>
+                </a:solidFill>
+                <a:effectLst/>
+                <a:latin typeface="+mn-lt"/>
+                <a:ea typeface="+mn-ea"/>
+                <a:cs typeface="+mn-cs"/>
+              </a:rPr>
+              <a:t>侧互相”传递“几乎任何的数据类型，包括但不限于数字、字符串、对象、</a:t>
+            </a:r>
+            <a:r>
+              <a:rPr lang="en-US" altLang="zh-CN" sz="1200" b="0" i="0" kern="1200" dirty="0">
+                <a:solidFill>
+                  <a:schemeClr val="tx1"/>
+                </a:solidFill>
+                <a:effectLst/>
+                <a:latin typeface="+mn-lt"/>
+                <a:ea typeface="+mn-ea"/>
+                <a:cs typeface="+mn-cs"/>
+              </a:rPr>
+              <a:t>Dom</a:t>
+            </a:r>
+            <a:r>
+              <a:rPr lang="zh-CN" altLang="en-US" sz="1200" b="0" i="0" kern="1200" dirty="0">
+                <a:solidFill>
+                  <a:schemeClr val="tx1"/>
+                </a:solidFill>
+                <a:effectLst/>
+                <a:latin typeface="+mn-lt"/>
+                <a:ea typeface="+mn-ea"/>
+                <a:cs typeface="+mn-cs"/>
+              </a:rPr>
+              <a:t>对象等。</a:t>
+            </a:r>
+          </a:p>
+          <a:p>
+            <a:pPr lvl="1"/>
+            <a:r>
+              <a:rPr lang="zh-CN" altLang="en-US" sz="1200" b="0" i="0" kern="1200" dirty="0">
+                <a:solidFill>
+                  <a:schemeClr val="tx1"/>
+                </a:solidFill>
+                <a:effectLst/>
+                <a:latin typeface="+mn-lt"/>
+                <a:ea typeface="+mn-ea"/>
+                <a:cs typeface="+mn-cs"/>
+              </a:rPr>
+              <a:t>可以直接在 </a:t>
+            </a:r>
+            <a:r>
+              <a:rPr lang="en-US" altLang="zh-CN" sz="1200" b="0" i="0" kern="1200" dirty="0">
+                <a:solidFill>
+                  <a:schemeClr val="tx1"/>
+                </a:solidFill>
+                <a:effectLst/>
+                <a:latin typeface="+mn-lt"/>
+                <a:ea typeface="+mn-ea"/>
+                <a:cs typeface="+mn-cs"/>
+              </a:rPr>
+              <a:t>Rust </a:t>
+            </a:r>
+            <a:r>
+              <a:rPr lang="zh-CN" altLang="en-US" sz="1200" b="0" i="0" kern="1200" dirty="0">
+                <a:solidFill>
+                  <a:schemeClr val="tx1"/>
+                </a:solidFill>
+                <a:effectLst/>
+                <a:latin typeface="+mn-lt"/>
+                <a:ea typeface="+mn-ea"/>
+                <a:cs typeface="+mn-cs"/>
+              </a:rPr>
+              <a:t>侧“操作”</a:t>
+            </a:r>
+            <a:r>
+              <a:rPr lang="en-US" altLang="zh-CN" sz="1200" b="0" i="0" kern="1200" dirty="0">
+                <a:solidFill>
+                  <a:schemeClr val="tx1"/>
+                </a:solidFill>
+                <a:effectLst/>
+                <a:latin typeface="+mn-lt"/>
+                <a:ea typeface="+mn-ea"/>
+                <a:cs typeface="+mn-cs"/>
+              </a:rPr>
+              <a:t>Dom</a:t>
+            </a:r>
+            <a:r>
+              <a:rPr lang="zh-CN" altLang="en-US" sz="1200" b="0" i="0" kern="1200" dirty="0">
+                <a:solidFill>
+                  <a:schemeClr val="tx1"/>
+                </a:solidFill>
+                <a:effectLst/>
+                <a:latin typeface="+mn-lt"/>
+                <a:ea typeface="+mn-ea"/>
+                <a:cs typeface="+mn-cs"/>
+              </a:rPr>
+              <a:t>。</a:t>
+            </a:r>
+          </a:p>
+          <a:p>
+            <a:r>
+              <a:rPr lang="zh-CN" altLang="en-US" sz="1200" b="0" i="0" kern="1200" dirty="0">
+                <a:solidFill>
+                  <a:schemeClr val="tx1"/>
+                </a:solidFill>
+                <a:effectLst/>
+                <a:latin typeface="+mn-lt"/>
+                <a:ea typeface="+mn-ea"/>
+                <a:cs typeface="+mn-cs"/>
+              </a:rPr>
+              <a:t>很多语言（</a:t>
+            </a:r>
+            <a:r>
+              <a:rPr lang="en-US" altLang="zh-CN" sz="1200" b="0" i="0" kern="1200" dirty="0">
+                <a:solidFill>
+                  <a:schemeClr val="tx1"/>
+                </a:solidFill>
+                <a:effectLst/>
+                <a:latin typeface="+mn-lt"/>
+                <a:ea typeface="+mn-ea"/>
+                <a:cs typeface="+mn-cs"/>
+              </a:rPr>
+              <a:t>C</a:t>
+            </a:r>
+            <a:r>
+              <a:rPr lang="zh-CN" altLang="en-US" sz="1200" b="0" i="0" kern="1200" dirty="0">
+                <a:solidFill>
+                  <a:schemeClr val="tx1"/>
+                </a:solidFill>
+                <a:effectLst/>
+                <a:latin typeface="+mn-lt"/>
+                <a:ea typeface="+mn-ea"/>
+                <a:cs typeface="+mn-cs"/>
+              </a:rPr>
+              <a:t>、</a:t>
+            </a:r>
+            <a:r>
+              <a:rPr lang="en-US" altLang="zh-CN" sz="1200" b="0" i="0" kern="1200" dirty="0">
+                <a:solidFill>
+                  <a:schemeClr val="tx1"/>
+                </a:solidFill>
+                <a:effectLst/>
+                <a:latin typeface="+mn-lt"/>
+                <a:ea typeface="+mn-ea"/>
+                <a:cs typeface="+mn-cs"/>
+              </a:rPr>
+              <a:t>C ++ </a:t>
+            </a:r>
+            <a:r>
+              <a:rPr lang="zh-CN" altLang="en-US" sz="1200" b="0" i="0" kern="1200" dirty="0">
+                <a:solidFill>
+                  <a:schemeClr val="tx1"/>
+                </a:solidFill>
+                <a:effectLst/>
+                <a:latin typeface="+mn-lt"/>
+                <a:ea typeface="+mn-ea"/>
+                <a:cs typeface="+mn-cs"/>
+              </a:rPr>
+              <a:t>和 </a:t>
+            </a:r>
+            <a:r>
+              <a:rPr lang="en-US" altLang="zh-CN" sz="1200" b="0" i="0" kern="1200" dirty="0">
+                <a:solidFill>
+                  <a:schemeClr val="tx1"/>
+                </a:solidFill>
+                <a:effectLst/>
+                <a:latin typeface="+mn-lt"/>
+                <a:ea typeface="+mn-ea"/>
+                <a:cs typeface="+mn-cs"/>
+              </a:rPr>
+              <a:t>Rust</a:t>
+            </a:r>
+            <a:r>
+              <a:rPr lang="zh-CN" altLang="en-US" sz="1200" b="0" i="0" kern="1200" dirty="0">
+                <a:solidFill>
+                  <a:schemeClr val="tx1"/>
+                </a:solidFill>
+                <a:effectLst/>
+                <a:latin typeface="+mn-lt"/>
+                <a:ea typeface="+mn-ea"/>
+                <a:cs typeface="+mn-cs"/>
+              </a:rPr>
+              <a:t>）都可以在 </a:t>
+            </a:r>
+            <a:r>
+              <a:rPr lang="en-US" altLang="zh-CN" sz="1200" b="0" i="0" kern="1200" dirty="0">
+                <a:solidFill>
+                  <a:schemeClr val="tx1"/>
+                </a:solidFill>
+                <a:effectLst/>
+                <a:latin typeface="+mn-lt"/>
+                <a:ea typeface="+mn-ea"/>
+                <a:cs typeface="+mn-cs"/>
+              </a:rPr>
+              <a:t>Web </a:t>
+            </a:r>
+            <a:r>
+              <a:rPr lang="zh-CN" altLang="en-US" sz="1200" b="0" i="0" kern="1200" dirty="0">
+                <a:solidFill>
+                  <a:schemeClr val="tx1"/>
+                </a:solidFill>
+                <a:effectLst/>
+                <a:latin typeface="+mn-lt"/>
+                <a:ea typeface="+mn-ea"/>
+                <a:cs typeface="+mn-cs"/>
+              </a:rPr>
+              <a:t>上共享内存线程，但只有 </a:t>
+            </a:r>
+            <a:r>
+              <a:rPr lang="en-US" altLang="zh-CN" sz="1200" b="0" i="0" kern="1200" dirty="0">
+                <a:solidFill>
+                  <a:schemeClr val="tx1"/>
+                </a:solidFill>
+                <a:effectLst/>
+                <a:latin typeface="+mn-lt"/>
+                <a:ea typeface="+mn-ea"/>
+                <a:cs typeface="+mn-cs"/>
+              </a:rPr>
+              <a:t>Rust </a:t>
+            </a:r>
+            <a:r>
+              <a:rPr lang="zh-CN" altLang="en-US" sz="1200" b="0" i="0" kern="1200" dirty="0">
+                <a:solidFill>
+                  <a:schemeClr val="tx1"/>
+                </a:solidFill>
+                <a:effectLst/>
+                <a:latin typeface="+mn-lt"/>
+                <a:ea typeface="+mn-ea"/>
+                <a:cs typeface="+mn-cs"/>
+              </a:rPr>
+              <a:t>可以安全地执行该操作。</a:t>
+            </a:r>
+            <a:r>
+              <a:rPr lang="zh-CN" altLang="en-US" sz="1200" b="1" i="0" kern="1200" dirty="0">
+                <a:solidFill>
+                  <a:schemeClr val="tx1"/>
+                </a:solidFill>
+                <a:effectLst/>
+                <a:latin typeface="+mn-lt"/>
+                <a:ea typeface="+mn-ea"/>
+                <a:cs typeface="+mn-cs"/>
+              </a:rPr>
+              <a:t>安全共享内存线程</a:t>
+            </a:r>
+            <a:endParaRPr lang="zh-CN" altLang="en-US" sz="1200" b="0" i="0" kern="1200" dirty="0">
+              <a:solidFill>
+                <a:schemeClr val="tx1"/>
+              </a:solidFill>
+              <a:effectLst/>
+              <a:latin typeface="+mn-lt"/>
+              <a:ea typeface="+mn-ea"/>
+              <a:cs typeface="+mn-cs"/>
+            </a:endParaRPr>
+          </a:p>
+          <a:p>
+            <a:endParaRPr lang="zh-CN" altLang="en-US" dirty="0"/>
           </a:p>
         </p:txBody>
       </p:sp>
@@ -3024,162 +3876,6 @@
         <p14:creationId xmlns:p14="http://schemas.microsoft.com/office/powerpoint/2010/main" val="3489652387"/>
       </p:ext>
     </p:extLst>
-  </p:cSld>
-  <p:clrMapOvr>
-    <a:masterClrMapping/>
-  </p:clrMapOvr>
-</p:notes>
-</file>
-
-<file path=ppt/notesSlides/notesSlide6.xml><?xml version="1.0" encoding="utf-8"?>
-<p:notes xmlns:a="http://schemas.openxmlformats.org/drawingml/2006/main" xmlns:r="http://schemas.openxmlformats.org/officeDocument/2006/relationships" xmlns:p="http://schemas.openxmlformats.org/presentationml/2006/main">
-  <p:cSld>
-    <p:spTree>
-      <p:nvGrpSpPr>
-        <p:cNvPr id="1" name=""/>
-        <p:cNvGrpSpPr/>
-        <p:nvPr/>
-      </p:nvGrpSpPr>
-      <p:grpSpPr>
-        <a:xfrm>
-          <a:off x="0" y="0"/>
-          <a:ext cx="0" cy="0"/>
-          <a:chOff x="0" y="0"/>
-          <a:chExt cx="0" cy="0"/>
-        </a:xfrm>
-      </p:grpSpPr>
-      <p:sp>
-        <p:nvSpPr>
-          <p:cNvPr id="21505" name="幻灯片图像占位符 1">
-            <a:extLst>
-              <a:ext uri="{FF2B5EF4-FFF2-40B4-BE49-F238E27FC236}">
-                <a16:creationId xmlns:a16="http://schemas.microsoft.com/office/drawing/2014/main" id="{B4DC4012-ADB6-4D51-BB9A-EE7824A83F6F}"/>
-              </a:ext>
-            </a:extLst>
-          </p:cNvPr>
-          <p:cNvSpPr>
-            <a:spLocks noChangeArrowheads="1"/>
-          </p:cNvSpPr>
-          <p:nvPr>
-            <p:ph type="sldImg" idx="4294967295"/>
-          </p:nvPr>
-        </p:nvSpPr>
-        <p:spPr>
-          <a:ln>
-            <a:miter lim="800000"/>
-          </a:ln>
-        </p:spPr>
-      </p:sp>
-      <p:sp>
-        <p:nvSpPr>
-          <p:cNvPr id="21506" name="文本占位符 2">
-            <a:extLst>
-              <a:ext uri="{FF2B5EF4-FFF2-40B4-BE49-F238E27FC236}">
-                <a16:creationId xmlns:a16="http://schemas.microsoft.com/office/drawing/2014/main" id="{DC257D55-74CF-4381-966D-58505B0C5AD5}"/>
-              </a:ext>
-            </a:extLst>
-          </p:cNvPr>
-          <p:cNvSpPr>
-            <a:spLocks noChangeArrowheads="1"/>
-          </p:cNvSpPr>
-          <p:nvPr>
-            <p:ph type="body" idx="4294967295"/>
-          </p:nvPr>
-        </p:nvSpPr>
-        <p:spPr/>
-        <p:txBody>
-          <a:bodyPr/>
-          <a:lstStyle/>
-          <a:p>
-            <a:r>
-              <a:rPr lang="zh-CN" altLang="en-US"/>
-              <a:t>- 低资源占用</a:t>
-            </a:r>
-          </a:p>
-          <a:p>
-            <a:endParaRPr lang="zh-CN" altLang="en-US"/>
-          </a:p>
-          <a:p>
-            <a:r>
-              <a:rPr lang="zh-CN" altLang="en-US"/>
-              <a:t>  控制资源使用，将内存与 CPU 占用降到最低。大多数运行条件下，一个Rust 程序比 Java 消耗的内存会少上一个数量级。</a:t>
-            </a:r>
-          </a:p>
-          <a:p>
-            <a:endParaRPr lang="zh-CN" altLang="en-US"/>
-          </a:p>
-          <a:p>
-            <a:r>
-              <a:rPr lang="zh-CN" altLang="en-US"/>
-              <a:t>- 安全可靠</a:t>
-            </a:r>
-          </a:p>
-          <a:p>
-            <a:endParaRPr lang="zh-CN" altLang="en-US"/>
-          </a:p>
-          <a:p>
-            <a:r>
-              <a:rPr lang="zh-CN" altLang="en-US"/>
-              <a:t>  Rust 的强大类型检查可防止多种级别的 Bug，确保开发者可随时明确状态是共享还是可变。在部署之前通过捕捉故障点来获得帮助。</a:t>
-            </a:r>
-          </a:p>
-          <a:p>
-            <a:endParaRPr lang="zh-CN" altLang="en-US"/>
-          </a:p>
-          <a:p>
-            <a:r>
-              <a:rPr lang="zh-CN" altLang="en-US"/>
-              <a:t>- 生命周期及所有权规则</a:t>
-            </a:r>
-          </a:p>
-          <a:p>
-            <a:endParaRPr lang="zh-CN" altLang="en-US"/>
-          </a:p>
-          <a:p>
-            <a:r>
-              <a:rPr lang="zh-CN" altLang="en-US"/>
-              <a:t>  Rust的生命周期及所有权规则，使得其可在没有垃圾回收器的情况下获取对象，使更少出错。</a:t>
-            </a:r>
-          </a:p>
-          <a:p>
-            <a:endParaRPr lang="zh-CN" altLang="en-US"/>
-          </a:p>
-          <a:p>
-            <a:r>
-              <a:rPr lang="zh-CN" altLang="en-US"/>
-              <a:t>- 优秀的鲁棒性</a:t>
-            </a:r>
-          </a:p>
-          <a:p>
-            <a:endParaRPr lang="zh-CN" altLang="en-US"/>
-          </a:p>
-          <a:p>
-            <a:r>
-              <a:rPr lang="zh-CN" altLang="en-US"/>
-              <a:t>  Rust 在调试模式下的溢出检查，使得开发人员在测试期间能够发现更多问题，而发布模式下进行封装时不作检查，也提高了发布版本的执行效率。而Java的整型操作没有溢出检查。Rust 各种高要求的检查，与默认时的引用不变性，造就了 Rust 出色的鲁棒性。</a:t>
-            </a:r>
-          </a:p>
-          <a:p>
-            <a:endParaRPr lang="zh-CN" altLang="en-US"/>
-          </a:p>
-          <a:p>
-            <a:r>
-              <a:rPr lang="zh-CN" altLang="en-US"/>
-              <a:t>- 错误处理</a:t>
-            </a:r>
-          </a:p>
-          <a:p>
-            <a:endParaRPr lang="zh-CN" altLang="en-US"/>
-          </a:p>
-          <a:p>
-            <a:r>
-              <a:rPr lang="zh-CN" altLang="en-US"/>
-              <a:t>  任何一个线程发生 “panics” 时，都会被 Rust 认为是 RuntimeExceptions，Rust 会立即终止线程。并且 Rust 返回的错误信息比 Java 更具体，可以帮助程序员更好的理解错误点，完善代码。</a:t>
-            </a:r>
-          </a:p>
-        </p:txBody>
-      </p:sp>
-    </p:spTree>
   </p:cSld>
   <p:clrMapOvr>
     <a:masterClrMapping/>
@@ -15691,7 +16387,7 @@
           <a:p>
             <a:r>
               <a:rPr lang="zh-CN" altLang="en-US" dirty="0"/>
-              <a:t>项目构思</a:t>
+              <a:t>创新点</a:t>
             </a:r>
           </a:p>
         </p:txBody>
@@ -19226,4315 +19922,6 @@
       </p:grpSpPr>
       <p:sp>
         <p:nvSpPr>
-          <p:cNvPr id="20481" name="标题 1">
-            <a:extLst>
-              <a:ext uri="{FF2B5EF4-FFF2-40B4-BE49-F238E27FC236}">
-                <a16:creationId xmlns:a16="http://schemas.microsoft.com/office/drawing/2014/main" id="{1F852583-1BB7-4CE6-AF09-13A1A5BF3245}"/>
-              </a:ext>
-            </a:extLst>
-          </p:cNvPr>
-          <p:cNvSpPr>
-            <a:spLocks noGrp="1" noChangeArrowheads="1"/>
-          </p:cNvSpPr>
-          <p:nvPr>
-            <p:ph type="title"/>
-          </p:nvPr>
-        </p:nvSpPr>
-        <p:spPr/>
-        <p:txBody>
-          <a:bodyPr/>
-          <a:lstStyle/>
-          <a:p>
-            <a:r>
-              <a:rPr lang="zh-CN" altLang="en-US"/>
-              <a:t>创新点（</a:t>
-            </a:r>
-            <a:r>
-              <a:rPr lang="en-US" altLang="zh-CN"/>
-              <a:t>Rust</a:t>
-            </a:r>
-            <a:r>
-              <a:rPr lang="zh-CN" altLang="en-US"/>
-              <a:t>）</a:t>
-            </a:r>
-          </a:p>
-        </p:txBody>
-      </p:sp>
-      <p:sp>
-        <p:nvSpPr>
-          <p:cNvPr id="20482" name="页脚占位符 2">
-            <a:extLst>
-              <a:ext uri="{FF2B5EF4-FFF2-40B4-BE49-F238E27FC236}">
-                <a16:creationId xmlns:a16="http://schemas.microsoft.com/office/drawing/2014/main" id="{D413EB53-2433-4DCE-947C-A161BD8986B3}"/>
-              </a:ext>
-            </a:extLst>
-          </p:cNvPr>
-          <p:cNvSpPr>
-            <a:spLocks noGrp="1" noChangeArrowheads="1"/>
-          </p:cNvSpPr>
-          <p:nvPr>
-            <p:ph type="ftr" sz="quarter" idx="11"/>
-          </p:nvPr>
-        </p:nvSpPr>
-        <p:spPr bwMode="auto">
-          <a:noFill/>
-          <a:extLst>
-            <a:ext uri="{909E8E84-426E-40DD-AFC4-6F175D3DCCD1}">
-              <a14:hiddenFill xmlns:a14="http://schemas.microsoft.com/office/drawing/2010/main">
-                <a:solidFill>
-                  <a:srgbClr val="FFFFFF"/>
-                </a:solidFill>
-              </a14:hiddenFill>
-            </a:ext>
-            <a:ext uri="{91240B29-F687-4F45-9708-019B960494DF}">
-              <a14:hiddenLine xmlns:a14="http://schemas.microsoft.com/office/drawing/2010/main" w="9525">
-                <a:solidFill>
-                  <a:srgbClr val="000000"/>
-                </a:solidFill>
-                <a:miter lim="800000"/>
-                <a:headEnd/>
-                <a:tailEnd/>
-              </a14:hiddenLine>
-            </a:ext>
-          </a:extLst>
-        </p:spPr>
-        <p:txBody>
-          <a:bodyPr wrap="square" numCol="1" anchorCtr="0" compatLnSpc="1">
-            <a:prstTxWarp prst="textNoShape">
-              <a:avLst/>
-            </a:prstTxWarp>
-          </a:bodyPr>
-          <a:lstStyle/>
-          <a:p>
-            <a:r>
-              <a:rPr lang="en-US" altLang="zh-CN">
-                <a:solidFill>
-                  <a:srgbClr val="808080"/>
-                </a:solidFill>
-                <a:ea typeface="微软雅黑" panose="020B0503020204020204" pitchFamily="34" charset="-122"/>
-              </a:rPr>
-              <a:t>www.islide.cc</a:t>
-            </a:r>
-            <a:endParaRPr lang="zh-CN" altLang="en-US">
-              <a:solidFill>
-                <a:srgbClr val="808080"/>
-              </a:solidFill>
-            </a:endParaRPr>
-          </a:p>
-        </p:txBody>
-      </p:sp>
-      <p:sp>
-        <p:nvSpPr>
-          <p:cNvPr id="20483" name="灯片编号占位符 3">
-            <a:extLst>
-              <a:ext uri="{FF2B5EF4-FFF2-40B4-BE49-F238E27FC236}">
-                <a16:creationId xmlns:a16="http://schemas.microsoft.com/office/drawing/2014/main" id="{6D9D563E-B083-4147-9B11-C6E68D6F5047}"/>
-              </a:ext>
-            </a:extLst>
-          </p:cNvPr>
-          <p:cNvSpPr>
-            <a:spLocks noGrp="1" noChangeArrowheads="1"/>
-          </p:cNvSpPr>
-          <p:nvPr>
-            <p:ph type="sldNum" sz="quarter" idx="12"/>
-          </p:nvPr>
-        </p:nvSpPr>
-        <p:spPr bwMode="auto">
-          <a:noFill/>
-          <a:extLst>
-            <a:ext uri="{909E8E84-426E-40DD-AFC4-6F175D3DCCD1}">
-              <a14:hiddenFill xmlns:a14="http://schemas.microsoft.com/office/drawing/2010/main">
-                <a:solidFill>
-                  <a:srgbClr val="FFFFFF"/>
-                </a:solidFill>
-              </a14:hiddenFill>
-            </a:ext>
-            <a:ext uri="{91240B29-F687-4F45-9708-019B960494DF}">
-              <a14:hiddenLine xmlns:a14="http://schemas.microsoft.com/office/drawing/2010/main" w="9525">
-                <a:solidFill>
-                  <a:srgbClr val="000000"/>
-                </a:solidFill>
-                <a:miter lim="800000"/>
-                <a:headEnd/>
-                <a:tailEnd/>
-              </a14:hiddenLine>
-            </a:ext>
-          </a:extLst>
-        </p:spPr>
-        <p:txBody>
-          <a:bodyPr/>
-          <a:lstStyle/>
-          <a:p>
-            <a:fld id="{CE275AC0-CDD8-4B80-8DF2-E522820EEECB}" type="slidenum">
-              <a:rPr lang="zh-CN" altLang="en-US"/>
-              <a:pPr/>
-              <a:t>6</a:t>
-            </a:fld>
-            <a:endParaRPr lang="zh-CN" altLang="en-US"/>
-          </a:p>
-        </p:txBody>
-      </p:sp>
-      <p:grpSp>
-        <p:nvGrpSpPr>
-          <p:cNvPr id="20484" name="iṣlíḑè">
-            <a:extLst>
-              <a:ext uri="{FF2B5EF4-FFF2-40B4-BE49-F238E27FC236}">
-                <a16:creationId xmlns:a16="http://schemas.microsoft.com/office/drawing/2014/main" id="{0307988C-F413-4E6F-9ED9-BF9C31853CAB}"/>
-              </a:ext>
-            </a:extLst>
-          </p:cNvPr>
-          <p:cNvGrpSpPr>
-            <a:grpSpLocks/>
-          </p:cNvGrpSpPr>
-          <p:nvPr/>
-        </p:nvGrpSpPr>
-        <p:grpSpPr bwMode="auto">
-          <a:xfrm>
-            <a:off x="122238" y="2251075"/>
-            <a:ext cx="3357562" cy="1485900"/>
-            <a:chOff x="0" y="0"/>
-            <a:chExt cx="4231" cy="1872"/>
-          </a:xfrm>
-        </p:grpSpPr>
-        <p:sp>
-          <p:nvSpPr>
-            <p:cNvPr id="20485" name="îṥliḍe">
-              <a:extLst>
-                <a:ext uri="{FF2B5EF4-FFF2-40B4-BE49-F238E27FC236}">
-                  <a16:creationId xmlns:a16="http://schemas.microsoft.com/office/drawing/2014/main" id="{3AC09B47-4BAE-4407-A05F-33BABD66B37D}"/>
-                </a:ext>
-              </a:extLst>
-            </p:cNvPr>
-            <p:cNvSpPr>
-              <a:spLocks noChangeArrowheads="1"/>
-            </p:cNvSpPr>
-            <p:nvPr/>
-          </p:nvSpPr>
-          <p:spPr bwMode="auto">
-            <a:xfrm>
-              <a:off x="347" y="683"/>
-              <a:ext cx="840" cy="841"/>
-            </a:xfrm>
-            <a:prstGeom prst="ellipse">
-              <a:avLst/>
-            </a:prstGeom>
-            <a:solidFill>
-              <a:srgbClr val="E6E6E6"/>
-            </a:solidFill>
-            <a:ln w="25400">
-              <a:solidFill>
-                <a:schemeClr val="tx1">
-                  <a:alpha val="0"/>
-                </a:schemeClr>
-              </a:solidFill>
-              <a:miter lim="800000"/>
-              <a:headEnd/>
-              <a:tailEnd/>
-            </a:ln>
-          </p:spPr>
-          <p:txBody>
-            <a:bodyPr anchor="ctr"/>
-            <a:lstStyle/>
-            <a:p>
-              <a:pPr algn="ctr"/>
-              <a:endParaRPr lang="zh-CN" altLang="zh-CN"/>
-            </a:p>
-          </p:txBody>
-        </p:sp>
-        <p:sp>
-          <p:nvSpPr>
-            <p:cNvPr id="20486" name="išḻïḓè">
-              <a:extLst>
-                <a:ext uri="{FF2B5EF4-FFF2-40B4-BE49-F238E27FC236}">
-                  <a16:creationId xmlns:a16="http://schemas.microsoft.com/office/drawing/2014/main" id="{6A373E1B-72DC-41BC-9E86-DCC418F1A319}"/>
-                </a:ext>
-              </a:extLst>
-            </p:cNvPr>
-            <p:cNvSpPr>
-              <a:spLocks noChangeArrowheads="1"/>
-            </p:cNvSpPr>
-            <p:nvPr/>
-          </p:nvSpPr>
-          <p:spPr bwMode="auto">
-            <a:xfrm>
-              <a:off x="0" y="1023"/>
-              <a:ext cx="686" cy="688"/>
-            </a:xfrm>
-            <a:prstGeom prst="ellipse">
-              <a:avLst/>
-            </a:prstGeom>
-            <a:solidFill>
-              <a:srgbClr val="E6E6E6"/>
-            </a:solidFill>
-            <a:ln w="25400">
-              <a:solidFill>
-                <a:schemeClr val="tx1">
-                  <a:alpha val="0"/>
-                </a:schemeClr>
-              </a:solidFill>
-              <a:miter lim="800000"/>
-              <a:headEnd/>
-              <a:tailEnd/>
-            </a:ln>
-          </p:spPr>
-          <p:txBody>
-            <a:bodyPr anchor="ctr"/>
-            <a:lstStyle/>
-            <a:p>
-              <a:pPr algn="ctr"/>
-              <a:endParaRPr lang="zh-CN" altLang="zh-CN"/>
-            </a:p>
-          </p:txBody>
-        </p:sp>
-        <p:sp>
-          <p:nvSpPr>
-            <p:cNvPr id="20487" name="ïš1íḍè">
-              <a:extLst>
-                <a:ext uri="{FF2B5EF4-FFF2-40B4-BE49-F238E27FC236}">
-                  <a16:creationId xmlns:a16="http://schemas.microsoft.com/office/drawing/2014/main" id="{FBAFA299-723F-47C2-B959-1523484BC7C5}"/>
-                </a:ext>
-              </a:extLst>
-            </p:cNvPr>
-            <p:cNvSpPr>
-              <a:spLocks noChangeArrowheads="1"/>
-            </p:cNvSpPr>
-            <p:nvPr/>
-          </p:nvSpPr>
-          <p:spPr bwMode="auto">
-            <a:xfrm>
-              <a:off x="1877" y="0"/>
-              <a:ext cx="1630" cy="1632"/>
-            </a:xfrm>
-            <a:prstGeom prst="ellipse">
-              <a:avLst/>
-            </a:prstGeom>
-            <a:solidFill>
-              <a:srgbClr val="E6E6E6"/>
-            </a:solidFill>
-            <a:ln w="25400">
-              <a:solidFill>
-                <a:schemeClr val="tx1">
-                  <a:alpha val="0"/>
-                </a:schemeClr>
-              </a:solidFill>
-              <a:miter lim="800000"/>
-              <a:headEnd/>
-              <a:tailEnd/>
-            </a:ln>
-          </p:spPr>
-          <p:txBody>
-            <a:bodyPr anchor="ctr"/>
-            <a:lstStyle/>
-            <a:p>
-              <a:pPr algn="ctr"/>
-              <a:endParaRPr lang="zh-CN" altLang="zh-CN"/>
-            </a:p>
-          </p:txBody>
-        </p:sp>
-        <p:sp>
-          <p:nvSpPr>
-            <p:cNvPr id="20488" name="îṣļíḍe">
-              <a:extLst>
-                <a:ext uri="{FF2B5EF4-FFF2-40B4-BE49-F238E27FC236}">
-                  <a16:creationId xmlns:a16="http://schemas.microsoft.com/office/drawing/2014/main" id="{9BD97DDC-2621-4293-91F0-A58D0EA9668B}"/>
-                </a:ext>
-              </a:extLst>
-            </p:cNvPr>
-            <p:cNvSpPr>
-              <a:spLocks noChangeArrowheads="1"/>
-            </p:cNvSpPr>
-            <p:nvPr/>
-          </p:nvSpPr>
-          <p:spPr bwMode="auto">
-            <a:xfrm>
-              <a:off x="1199" y="501"/>
-              <a:ext cx="1117" cy="932"/>
-            </a:xfrm>
-            <a:prstGeom prst="ellipse">
-              <a:avLst/>
-            </a:prstGeom>
-            <a:solidFill>
-              <a:srgbClr val="FFFEFE"/>
-            </a:solidFill>
-            <a:ln w="25400">
-              <a:solidFill>
-                <a:schemeClr val="tx1">
-                  <a:alpha val="0"/>
-                </a:schemeClr>
-              </a:solidFill>
-              <a:miter lim="800000"/>
-              <a:headEnd/>
-              <a:tailEnd/>
-            </a:ln>
-          </p:spPr>
-          <p:txBody>
-            <a:bodyPr anchor="ctr"/>
-            <a:lstStyle/>
-            <a:p>
-              <a:pPr algn="ctr"/>
-              <a:endParaRPr lang="zh-CN" altLang="zh-CN"/>
-            </a:p>
-          </p:txBody>
-        </p:sp>
-        <p:sp>
-          <p:nvSpPr>
-            <p:cNvPr id="20489" name="íşļiďê">
-              <a:extLst>
-                <a:ext uri="{FF2B5EF4-FFF2-40B4-BE49-F238E27FC236}">
-                  <a16:creationId xmlns:a16="http://schemas.microsoft.com/office/drawing/2014/main" id="{954A5570-713F-4C0C-91F3-23574781D328}"/>
-                </a:ext>
-              </a:extLst>
-            </p:cNvPr>
-            <p:cNvSpPr>
-              <a:spLocks noChangeArrowheads="1"/>
-            </p:cNvSpPr>
-            <p:nvPr/>
-          </p:nvSpPr>
-          <p:spPr bwMode="auto">
-            <a:xfrm>
-              <a:off x="860" y="1031"/>
-              <a:ext cx="1009" cy="841"/>
-            </a:xfrm>
-            <a:prstGeom prst="ellipse">
-              <a:avLst/>
-            </a:prstGeom>
-            <a:solidFill>
-              <a:srgbClr val="FFFEFE"/>
-            </a:solidFill>
-            <a:ln w="25400">
-              <a:solidFill>
-                <a:schemeClr val="tx1">
-                  <a:alpha val="0"/>
-                </a:schemeClr>
-              </a:solidFill>
-              <a:miter lim="800000"/>
-              <a:headEnd/>
-              <a:tailEnd/>
-            </a:ln>
-          </p:spPr>
-          <p:txBody>
-            <a:bodyPr anchor="ctr"/>
-            <a:lstStyle/>
-            <a:p>
-              <a:pPr algn="ctr"/>
-              <a:endParaRPr lang="zh-CN" altLang="zh-CN"/>
-            </a:p>
-          </p:txBody>
-        </p:sp>
-        <p:sp>
-          <p:nvSpPr>
-            <p:cNvPr id="20490" name="îṡḷîḍe">
-              <a:extLst>
-                <a:ext uri="{FF2B5EF4-FFF2-40B4-BE49-F238E27FC236}">
-                  <a16:creationId xmlns:a16="http://schemas.microsoft.com/office/drawing/2014/main" id="{07330B40-D04E-43C7-BDA0-CE31AF13707B}"/>
-                </a:ext>
-              </a:extLst>
-            </p:cNvPr>
-            <p:cNvSpPr>
-              <a:spLocks noChangeArrowheads="1"/>
-            </p:cNvSpPr>
-            <p:nvPr/>
-          </p:nvSpPr>
-          <p:spPr bwMode="auto">
-            <a:xfrm>
-              <a:off x="1245" y="563"/>
-              <a:ext cx="1116" cy="1119"/>
-            </a:xfrm>
-            <a:prstGeom prst="ellipse">
-              <a:avLst/>
-            </a:prstGeom>
-            <a:solidFill>
-              <a:srgbClr val="E6E6E6"/>
-            </a:solidFill>
-            <a:ln w="25400">
-              <a:solidFill>
-                <a:schemeClr val="tx1">
-                  <a:alpha val="0"/>
-                </a:schemeClr>
-              </a:solidFill>
-              <a:miter lim="800000"/>
-              <a:headEnd/>
-              <a:tailEnd/>
-            </a:ln>
-          </p:spPr>
-          <p:txBody>
-            <a:bodyPr anchor="ctr"/>
-            <a:lstStyle/>
-            <a:p>
-              <a:pPr algn="ctr"/>
-              <a:endParaRPr lang="zh-CN" altLang="zh-CN"/>
-            </a:p>
-          </p:txBody>
-        </p:sp>
-        <p:sp>
-          <p:nvSpPr>
-            <p:cNvPr id="20491" name="îṥliḓé">
-              <a:extLst>
-                <a:ext uri="{FF2B5EF4-FFF2-40B4-BE49-F238E27FC236}">
-                  <a16:creationId xmlns:a16="http://schemas.microsoft.com/office/drawing/2014/main" id="{B434C08B-31AE-46EB-99C0-913D10638D6D}"/>
-                </a:ext>
-              </a:extLst>
-            </p:cNvPr>
-            <p:cNvSpPr>
-              <a:spLocks noChangeArrowheads="1"/>
-            </p:cNvSpPr>
-            <p:nvPr/>
-          </p:nvSpPr>
-          <p:spPr bwMode="auto">
-            <a:xfrm>
-              <a:off x="864" y="1127"/>
-              <a:ext cx="687" cy="687"/>
-            </a:xfrm>
-            <a:prstGeom prst="ellipse">
-              <a:avLst/>
-            </a:prstGeom>
-            <a:solidFill>
-              <a:srgbClr val="E6E6E6"/>
-            </a:solidFill>
-            <a:ln w="25400">
-              <a:solidFill>
-                <a:schemeClr val="tx1">
-                  <a:alpha val="0"/>
-                </a:schemeClr>
-              </a:solidFill>
-              <a:miter lim="800000"/>
-              <a:headEnd/>
-              <a:tailEnd/>
-            </a:ln>
-          </p:spPr>
-          <p:txBody>
-            <a:bodyPr anchor="ctr"/>
-            <a:lstStyle/>
-            <a:p>
-              <a:pPr algn="ctr"/>
-              <a:endParaRPr lang="zh-CN" altLang="zh-CN"/>
-            </a:p>
-          </p:txBody>
-        </p:sp>
-        <p:sp>
-          <p:nvSpPr>
-            <p:cNvPr id="20492" name="îslïḓé">
-              <a:extLst>
-                <a:ext uri="{FF2B5EF4-FFF2-40B4-BE49-F238E27FC236}">
-                  <a16:creationId xmlns:a16="http://schemas.microsoft.com/office/drawing/2014/main" id="{4E6F0BBD-9FAD-4629-A240-320C29BE7E8D}"/>
-                </a:ext>
-              </a:extLst>
-            </p:cNvPr>
-            <p:cNvSpPr>
-              <a:spLocks noChangeArrowheads="1"/>
-            </p:cNvSpPr>
-            <p:nvPr/>
-          </p:nvSpPr>
-          <p:spPr bwMode="auto">
-            <a:xfrm>
-              <a:off x="2920" y="265"/>
-              <a:ext cx="1311" cy="1094"/>
-            </a:xfrm>
-            <a:prstGeom prst="ellipse">
-              <a:avLst/>
-            </a:prstGeom>
-            <a:solidFill>
-              <a:srgbClr val="FFFEFE"/>
-            </a:solidFill>
-            <a:ln w="25400">
-              <a:solidFill>
-                <a:schemeClr val="tx1">
-                  <a:alpha val="0"/>
-                </a:schemeClr>
-              </a:solidFill>
-              <a:miter lim="800000"/>
-              <a:headEnd/>
-              <a:tailEnd/>
-            </a:ln>
-          </p:spPr>
-          <p:txBody>
-            <a:bodyPr anchor="ctr"/>
-            <a:lstStyle/>
-            <a:p>
-              <a:pPr algn="ctr"/>
-              <a:endParaRPr lang="zh-CN" altLang="zh-CN"/>
-            </a:p>
-          </p:txBody>
-        </p:sp>
-        <p:sp>
-          <p:nvSpPr>
-            <p:cNvPr id="20493" name="ïṡļíde">
-              <a:extLst>
-                <a:ext uri="{FF2B5EF4-FFF2-40B4-BE49-F238E27FC236}">
-                  <a16:creationId xmlns:a16="http://schemas.microsoft.com/office/drawing/2014/main" id="{5AFA0337-75CE-493A-A9E4-7A198EB81153}"/>
-                </a:ext>
-              </a:extLst>
-            </p:cNvPr>
-            <p:cNvSpPr>
-              <a:spLocks noChangeArrowheads="1"/>
-            </p:cNvSpPr>
-            <p:nvPr/>
-          </p:nvSpPr>
-          <p:spPr bwMode="auto">
-            <a:xfrm>
-              <a:off x="2721" y="364"/>
-              <a:ext cx="1415" cy="1417"/>
-            </a:xfrm>
-            <a:prstGeom prst="ellipse">
-              <a:avLst/>
-            </a:prstGeom>
-            <a:solidFill>
-              <a:srgbClr val="E6E6E6"/>
-            </a:solidFill>
-            <a:ln w="25400">
-              <a:solidFill>
-                <a:schemeClr val="tx1">
-                  <a:alpha val="0"/>
-                </a:schemeClr>
-              </a:solidFill>
-              <a:miter lim="800000"/>
-              <a:headEnd/>
-              <a:tailEnd/>
-            </a:ln>
-          </p:spPr>
-          <p:txBody>
-            <a:bodyPr anchor="ctr"/>
-            <a:lstStyle/>
-            <a:p>
-              <a:pPr algn="ctr"/>
-              <a:endParaRPr lang="zh-CN" altLang="zh-CN"/>
-            </a:p>
-          </p:txBody>
-        </p:sp>
-      </p:grpSp>
-      <p:sp>
-        <p:nvSpPr>
-          <p:cNvPr id="20494" name="ïṡ1iḑè">
-            <a:extLst>
-              <a:ext uri="{FF2B5EF4-FFF2-40B4-BE49-F238E27FC236}">
-                <a16:creationId xmlns:a16="http://schemas.microsoft.com/office/drawing/2014/main" id="{39A64F95-2A09-4A55-9A50-B2F5F93E205F}"/>
-              </a:ext>
-            </a:extLst>
-          </p:cNvPr>
-          <p:cNvSpPr>
-            <a:spLocks noChangeArrowheads="1"/>
-          </p:cNvSpPr>
-          <p:nvPr/>
-        </p:nvSpPr>
-        <p:spPr bwMode="auto">
-          <a:xfrm>
-            <a:off x="5365750" y="2035175"/>
-            <a:ext cx="4008438" cy="3581400"/>
-          </a:xfrm>
-          <a:custGeom>
-            <a:avLst/>
-            <a:gdLst>
-              <a:gd name="T0" fmla="*/ 21600 w 21600"/>
-              <a:gd name="T1" fmla="*/ 0 h 21600"/>
-              <a:gd name="T2" fmla="*/ 6911 w 21600"/>
-              <a:gd name="T3" fmla="*/ 21600 h 21600"/>
-              <a:gd name="T4" fmla="*/ 0 w 21600"/>
-              <a:gd name="T5" fmla="*/ 7462 h 21600"/>
-              <a:gd name="T6" fmla="*/ 21600 w 21600"/>
-              <a:gd name="T7" fmla="*/ 0 h 21600"/>
-              <a:gd name="T8" fmla="*/ 21600 w 21600"/>
-              <a:gd name="T9" fmla="*/ 0 h 21600"/>
-            </a:gdLst>
-            <a:ahLst/>
-            <a:cxnLst>
-              <a:cxn ang="0">
-                <a:pos x="T0" y="T1"/>
-              </a:cxn>
-              <a:cxn ang="0">
-                <a:pos x="T2" y="T3"/>
-              </a:cxn>
-              <a:cxn ang="0">
-                <a:pos x="T4" y="T5"/>
-              </a:cxn>
-              <a:cxn ang="0">
-                <a:pos x="T6" y="T7"/>
-              </a:cxn>
-              <a:cxn ang="0">
-                <a:pos x="T8" y="T9"/>
-              </a:cxn>
-            </a:cxnLst>
-            <a:rect l="0" t="0" r="r" b="b"/>
-            <a:pathLst>
-              <a:path w="21600" h="21600">
-                <a:moveTo>
-                  <a:pt x="21600" y="0"/>
-                </a:moveTo>
-                <a:lnTo>
-                  <a:pt x="6911" y="21600"/>
-                </a:lnTo>
-                <a:lnTo>
-                  <a:pt x="0" y="7462"/>
-                </a:lnTo>
-                <a:lnTo>
-                  <a:pt x="21600" y="0"/>
-                </a:lnTo>
-                <a:close/>
-                <a:moveTo>
-                  <a:pt x="21600" y="0"/>
-                </a:moveTo>
-              </a:path>
-            </a:pathLst>
-          </a:custGeom>
-          <a:gradFill rotWithShape="0">
-            <a:gsLst>
-              <a:gs pos="0">
-                <a:srgbClr val="FFFEFE">
-                  <a:alpha val="0"/>
-                </a:srgbClr>
-              </a:gs>
-              <a:gs pos="100000">
-                <a:srgbClr val="7F7F7F">
-                  <a:alpha val="21999"/>
-                </a:srgbClr>
-              </a:gs>
-            </a:gsLst>
-            <a:lin ang="19440000"/>
-          </a:gradFill>
-          <a:ln w="25400">
-            <a:solidFill>
-              <a:schemeClr val="tx1">
-                <a:alpha val="0"/>
-              </a:schemeClr>
-            </a:solidFill>
-            <a:miter lim="800000"/>
-            <a:headEnd/>
-            <a:tailEnd/>
-          </a:ln>
-        </p:spPr>
-        <p:txBody>
-          <a:bodyPr anchor="ctr"/>
-          <a:lstStyle/>
-          <a:p>
-            <a:pPr algn="ctr"/>
-            <a:endParaRPr lang="zh-CN" altLang="zh-CN"/>
-          </a:p>
-        </p:txBody>
-      </p:sp>
-      <p:sp>
-        <p:nvSpPr>
-          <p:cNvPr id="20495" name="îşḻiḍè">
-            <a:extLst>
-              <a:ext uri="{FF2B5EF4-FFF2-40B4-BE49-F238E27FC236}">
-                <a16:creationId xmlns:a16="http://schemas.microsoft.com/office/drawing/2014/main" id="{71DBD52B-120D-4773-9388-8A938C1ECFC5}"/>
-              </a:ext>
-            </a:extLst>
-          </p:cNvPr>
-          <p:cNvSpPr>
-            <a:spLocks noChangeArrowheads="1"/>
-          </p:cNvSpPr>
-          <p:nvPr/>
-        </p:nvSpPr>
-        <p:spPr bwMode="auto">
-          <a:xfrm>
-            <a:off x="5759450" y="3794125"/>
-            <a:ext cx="4008438" cy="3579813"/>
-          </a:xfrm>
-          <a:custGeom>
-            <a:avLst/>
-            <a:gdLst>
-              <a:gd name="T0" fmla="*/ 21600 w 21600"/>
-              <a:gd name="T1" fmla="*/ 0 h 21600"/>
-              <a:gd name="T2" fmla="*/ 6911 w 21600"/>
-              <a:gd name="T3" fmla="*/ 21600 h 21600"/>
-              <a:gd name="T4" fmla="*/ 0 w 21600"/>
-              <a:gd name="T5" fmla="*/ 7462 h 21600"/>
-              <a:gd name="T6" fmla="*/ 21600 w 21600"/>
-              <a:gd name="T7" fmla="*/ 0 h 21600"/>
-              <a:gd name="T8" fmla="*/ 21600 w 21600"/>
-              <a:gd name="T9" fmla="*/ 0 h 21600"/>
-            </a:gdLst>
-            <a:ahLst/>
-            <a:cxnLst>
-              <a:cxn ang="0">
-                <a:pos x="T0" y="T1"/>
-              </a:cxn>
-              <a:cxn ang="0">
-                <a:pos x="T2" y="T3"/>
-              </a:cxn>
-              <a:cxn ang="0">
-                <a:pos x="T4" y="T5"/>
-              </a:cxn>
-              <a:cxn ang="0">
-                <a:pos x="T6" y="T7"/>
-              </a:cxn>
-              <a:cxn ang="0">
-                <a:pos x="T8" y="T9"/>
-              </a:cxn>
-            </a:cxnLst>
-            <a:rect l="0" t="0" r="r" b="b"/>
-            <a:pathLst>
-              <a:path w="21600" h="21600">
-                <a:moveTo>
-                  <a:pt x="21600" y="0"/>
-                </a:moveTo>
-                <a:lnTo>
-                  <a:pt x="6911" y="21600"/>
-                </a:lnTo>
-                <a:lnTo>
-                  <a:pt x="0" y="7462"/>
-                </a:lnTo>
-                <a:lnTo>
-                  <a:pt x="21600" y="0"/>
-                </a:lnTo>
-                <a:close/>
-                <a:moveTo>
-                  <a:pt x="21600" y="0"/>
-                </a:moveTo>
-              </a:path>
-            </a:pathLst>
-          </a:custGeom>
-          <a:gradFill rotWithShape="0">
-            <a:gsLst>
-              <a:gs pos="0">
-                <a:srgbClr val="FFFEFE">
-                  <a:alpha val="0"/>
-                </a:srgbClr>
-              </a:gs>
-              <a:gs pos="100000">
-                <a:srgbClr val="7F7F7F">
-                  <a:alpha val="21999"/>
-                </a:srgbClr>
-              </a:gs>
-            </a:gsLst>
-            <a:lin ang="19440000"/>
-          </a:gradFill>
-          <a:ln w="25400">
-            <a:solidFill>
-              <a:schemeClr val="tx1">
-                <a:alpha val="0"/>
-              </a:schemeClr>
-            </a:solidFill>
-            <a:miter lim="800000"/>
-            <a:headEnd/>
-            <a:tailEnd/>
-          </a:ln>
-        </p:spPr>
-        <p:txBody>
-          <a:bodyPr anchor="ctr"/>
-          <a:lstStyle/>
-          <a:p>
-            <a:pPr algn="ctr"/>
-            <a:endParaRPr lang="zh-CN" altLang="zh-CN"/>
-          </a:p>
-        </p:txBody>
-      </p:sp>
-      <p:sp>
-        <p:nvSpPr>
-          <p:cNvPr id="20496" name="î$ľïḑê">
-            <a:extLst>
-              <a:ext uri="{FF2B5EF4-FFF2-40B4-BE49-F238E27FC236}">
-                <a16:creationId xmlns:a16="http://schemas.microsoft.com/office/drawing/2014/main" id="{69DD08F9-8C78-4B4A-AF25-DC1AF04CC117}"/>
-              </a:ext>
-            </a:extLst>
-          </p:cNvPr>
-          <p:cNvSpPr>
-            <a:spLocks noChangeArrowheads="1"/>
-          </p:cNvSpPr>
-          <p:nvPr/>
-        </p:nvSpPr>
-        <p:spPr bwMode="auto">
-          <a:xfrm>
-            <a:off x="3587750" y="4454525"/>
-            <a:ext cx="4008438" cy="3579813"/>
-          </a:xfrm>
-          <a:custGeom>
-            <a:avLst/>
-            <a:gdLst>
-              <a:gd name="T0" fmla="*/ 21600 w 21600"/>
-              <a:gd name="T1" fmla="*/ 0 h 21600"/>
-              <a:gd name="T2" fmla="*/ 6911 w 21600"/>
-              <a:gd name="T3" fmla="*/ 21600 h 21600"/>
-              <a:gd name="T4" fmla="*/ 0 w 21600"/>
-              <a:gd name="T5" fmla="*/ 7462 h 21600"/>
-              <a:gd name="T6" fmla="*/ 21600 w 21600"/>
-              <a:gd name="T7" fmla="*/ 0 h 21600"/>
-              <a:gd name="T8" fmla="*/ 21600 w 21600"/>
-              <a:gd name="T9" fmla="*/ 0 h 21600"/>
-            </a:gdLst>
-            <a:ahLst/>
-            <a:cxnLst>
-              <a:cxn ang="0">
-                <a:pos x="T0" y="T1"/>
-              </a:cxn>
-              <a:cxn ang="0">
-                <a:pos x="T2" y="T3"/>
-              </a:cxn>
-              <a:cxn ang="0">
-                <a:pos x="T4" y="T5"/>
-              </a:cxn>
-              <a:cxn ang="0">
-                <a:pos x="T6" y="T7"/>
-              </a:cxn>
-              <a:cxn ang="0">
-                <a:pos x="T8" y="T9"/>
-              </a:cxn>
-            </a:cxnLst>
-            <a:rect l="0" t="0" r="r" b="b"/>
-            <a:pathLst>
-              <a:path w="21600" h="21600">
-                <a:moveTo>
-                  <a:pt x="21600" y="0"/>
-                </a:moveTo>
-                <a:lnTo>
-                  <a:pt x="6911" y="21600"/>
-                </a:lnTo>
-                <a:lnTo>
-                  <a:pt x="0" y="7462"/>
-                </a:lnTo>
-                <a:lnTo>
-                  <a:pt x="21600" y="0"/>
-                </a:lnTo>
-                <a:close/>
-                <a:moveTo>
-                  <a:pt x="21600" y="0"/>
-                </a:moveTo>
-              </a:path>
-            </a:pathLst>
-          </a:custGeom>
-          <a:gradFill rotWithShape="0">
-            <a:gsLst>
-              <a:gs pos="0">
-                <a:srgbClr val="FFFEFE">
-                  <a:alpha val="0"/>
-                </a:srgbClr>
-              </a:gs>
-              <a:gs pos="100000">
-                <a:srgbClr val="7F7F7F">
-                  <a:alpha val="21999"/>
-                </a:srgbClr>
-              </a:gs>
-            </a:gsLst>
-            <a:lin ang="19440000"/>
-          </a:gradFill>
-          <a:ln w="25400">
-            <a:solidFill>
-              <a:schemeClr val="tx1">
-                <a:alpha val="0"/>
-              </a:schemeClr>
-            </a:solidFill>
-            <a:miter lim="800000"/>
-            <a:headEnd/>
-            <a:tailEnd/>
-          </a:ln>
-        </p:spPr>
-        <p:txBody>
-          <a:bodyPr anchor="ctr"/>
-          <a:lstStyle/>
-          <a:p>
-            <a:pPr algn="ctr"/>
-            <a:endParaRPr lang="zh-CN" altLang="zh-CN"/>
-          </a:p>
-        </p:txBody>
-      </p:sp>
-      <p:sp>
-        <p:nvSpPr>
-          <p:cNvPr id="20497" name="íṩḷïḓè">
-            <a:extLst>
-              <a:ext uri="{FF2B5EF4-FFF2-40B4-BE49-F238E27FC236}">
-                <a16:creationId xmlns:a16="http://schemas.microsoft.com/office/drawing/2014/main" id="{C4E391AB-0987-4910-9063-C63988F2B24A}"/>
-              </a:ext>
-            </a:extLst>
-          </p:cNvPr>
-          <p:cNvSpPr>
-            <a:spLocks noChangeArrowheads="1"/>
-          </p:cNvSpPr>
-          <p:nvPr/>
-        </p:nvSpPr>
-        <p:spPr bwMode="auto">
-          <a:xfrm>
-            <a:off x="-952500" y="3849688"/>
-            <a:ext cx="5549900" cy="4959350"/>
-          </a:xfrm>
-          <a:custGeom>
-            <a:avLst/>
-            <a:gdLst>
-              <a:gd name="T0" fmla="*/ 21600 w 21600"/>
-              <a:gd name="T1" fmla="*/ 0 h 21600"/>
-              <a:gd name="T2" fmla="*/ 6911 w 21600"/>
-              <a:gd name="T3" fmla="*/ 21600 h 21600"/>
-              <a:gd name="T4" fmla="*/ 0 w 21600"/>
-              <a:gd name="T5" fmla="*/ 7462 h 21600"/>
-              <a:gd name="T6" fmla="*/ 21600 w 21600"/>
-              <a:gd name="T7" fmla="*/ 0 h 21600"/>
-              <a:gd name="T8" fmla="*/ 21600 w 21600"/>
-              <a:gd name="T9" fmla="*/ 0 h 21600"/>
-            </a:gdLst>
-            <a:ahLst/>
-            <a:cxnLst>
-              <a:cxn ang="0">
-                <a:pos x="T0" y="T1"/>
-              </a:cxn>
-              <a:cxn ang="0">
-                <a:pos x="T2" y="T3"/>
-              </a:cxn>
-              <a:cxn ang="0">
-                <a:pos x="T4" y="T5"/>
-              </a:cxn>
-              <a:cxn ang="0">
-                <a:pos x="T6" y="T7"/>
-              </a:cxn>
-              <a:cxn ang="0">
-                <a:pos x="T8" y="T9"/>
-              </a:cxn>
-            </a:cxnLst>
-            <a:rect l="0" t="0" r="r" b="b"/>
-            <a:pathLst>
-              <a:path w="21600" h="21600">
-                <a:moveTo>
-                  <a:pt x="21600" y="0"/>
-                </a:moveTo>
-                <a:lnTo>
-                  <a:pt x="6911" y="21600"/>
-                </a:lnTo>
-                <a:lnTo>
-                  <a:pt x="0" y="7462"/>
-                </a:lnTo>
-                <a:lnTo>
-                  <a:pt x="21600" y="0"/>
-                </a:lnTo>
-                <a:close/>
-                <a:moveTo>
-                  <a:pt x="21600" y="0"/>
-                </a:moveTo>
-              </a:path>
-            </a:pathLst>
-          </a:custGeom>
-          <a:gradFill rotWithShape="0">
-            <a:gsLst>
-              <a:gs pos="0">
-                <a:srgbClr val="FFFEFE">
-                  <a:alpha val="0"/>
-                </a:srgbClr>
-              </a:gs>
-              <a:gs pos="100000">
-                <a:srgbClr val="7F7F7F">
-                  <a:alpha val="29999"/>
-                </a:srgbClr>
-              </a:gs>
-            </a:gsLst>
-            <a:lin ang="19440000"/>
-          </a:gradFill>
-          <a:ln w="25400">
-            <a:solidFill>
-              <a:schemeClr val="tx1">
-                <a:alpha val="0"/>
-              </a:schemeClr>
-            </a:solidFill>
-            <a:miter lim="800000"/>
-            <a:headEnd/>
-            <a:tailEnd/>
-          </a:ln>
-        </p:spPr>
-        <p:txBody>
-          <a:bodyPr anchor="ctr"/>
-          <a:lstStyle/>
-          <a:p>
-            <a:pPr algn="ctr"/>
-            <a:endParaRPr lang="zh-CN" altLang="zh-CN"/>
-          </a:p>
-        </p:txBody>
-      </p:sp>
-      <p:sp>
-        <p:nvSpPr>
-          <p:cNvPr id="20498" name="ïṣliḋé">
-            <a:extLst>
-              <a:ext uri="{FF2B5EF4-FFF2-40B4-BE49-F238E27FC236}">
-                <a16:creationId xmlns:a16="http://schemas.microsoft.com/office/drawing/2014/main" id="{8AB6AAC9-3D63-470B-A768-330F488E7406}"/>
-              </a:ext>
-            </a:extLst>
-          </p:cNvPr>
-          <p:cNvSpPr>
-            <a:spLocks noChangeArrowheads="1"/>
-          </p:cNvSpPr>
-          <p:nvPr/>
-        </p:nvSpPr>
-        <p:spPr bwMode="auto">
-          <a:xfrm>
-            <a:off x="774700" y="2238375"/>
-            <a:ext cx="5549900" cy="4959350"/>
-          </a:xfrm>
-          <a:custGeom>
-            <a:avLst/>
-            <a:gdLst>
-              <a:gd name="T0" fmla="*/ 21600 w 21600"/>
-              <a:gd name="T1" fmla="*/ 0 h 21600"/>
-              <a:gd name="T2" fmla="*/ 6911 w 21600"/>
-              <a:gd name="T3" fmla="*/ 21600 h 21600"/>
-              <a:gd name="T4" fmla="*/ 0 w 21600"/>
-              <a:gd name="T5" fmla="*/ 7462 h 21600"/>
-              <a:gd name="T6" fmla="*/ 21600 w 21600"/>
-              <a:gd name="T7" fmla="*/ 0 h 21600"/>
-              <a:gd name="T8" fmla="*/ 21600 w 21600"/>
-              <a:gd name="T9" fmla="*/ 0 h 21600"/>
-            </a:gdLst>
-            <a:ahLst/>
-            <a:cxnLst>
-              <a:cxn ang="0">
-                <a:pos x="T0" y="T1"/>
-              </a:cxn>
-              <a:cxn ang="0">
-                <a:pos x="T2" y="T3"/>
-              </a:cxn>
-              <a:cxn ang="0">
-                <a:pos x="T4" y="T5"/>
-              </a:cxn>
-              <a:cxn ang="0">
-                <a:pos x="T6" y="T7"/>
-              </a:cxn>
-              <a:cxn ang="0">
-                <a:pos x="T8" y="T9"/>
-              </a:cxn>
-            </a:cxnLst>
-            <a:rect l="0" t="0" r="r" b="b"/>
-            <a:pathLst>
-              <a:path w="21600" h="21600">
-                <a:moveTo>
-                  <a:pt x="21600" y="0"/>
-                </a:moveTo>
-                <a:lnTo>
-                  <a:pt x="6911" y="21600"/>
-                </a:lnTo>
-                <a:lnTo>
-                  <a:pt x="0" y="7462"/>
-                </a:lnTo>
-                <a:lnTo>
-                  <a:pt x="21600" y="0"/>
-                </a:lnTo>
-                <a:close/>
-                <a:moveTo>
-                  <a:pt x="21600" y="0"/>
-                </a:moveTo>
-              </a:path>
-            </a:pathLst>
-          </a:custGeom>
-          <a:gradFill rotWithShape="0">
-            <a:gsLst>
-              <a:gs pos="0">
-                <a:srgbClr val="FFFEFE">
-                  <a:alpha val="0"/>
-                </a:srgbClr>
-              </a:gs>
-              <a:gs pos="100000">
-                <a:srgbClr val="7F7F7F">
-                  <a:alpha val="21999"/>
-                </a:srgbClr>
-              </a:gs>
-            </a:gsLst>
-            <a:lin ang="19440000"/>
-          </a:gradFill>
-          <a:ln w="25400">
-            <a:solidFill>
-              <a:schemeClr val="tx1">
-                <a:alpha val="0"/>
-              </a:schemeClr>
-            </a:solidFill>
-            <a:miter lim="800000"/>
-            <a:headEnd/>
-            <a:tailEnd/>
-          </a:ln>
-        </p:spPr>
-        <p:txBody>
-          <a:bodyPr anchor="ctr"/>
-          <a:lstStyle/>
-          <a:p>
-            <a:pPr algn="ctr"/>
-            <a:endParaRPr lang="zh-CN" altLang="zh-CN"/>
-          </a:p>
-        </p:txBody>
-      </p:sp>
-      <p:grpSp>
-        <p:nvGrpSpPr>
-          <p:cNvPr id="20499" name="íṡ1ïdè">
-            <a:extLst>
-              <a:ext uri="{FF2B5EF4-FFF2-40B4-BE49-F238E27FC236}">
-                <a16:creationId xmlns:a16="http://schemas.microsoft.com/office/drawing/2014/main" id="{A0E76D20-22C4-402D-8AF1-A275832DEECC}"/>
-              </a:ext>
-            </a:extLst>
-          </p:cNvPr>
-          <p:cNvGrpSpPr>
-            <a:grpSpLocks/>
-          </p:cNvGrpSpPr>
-          <p:nvPr/>
-        </p:nvGrpSpPr>
-        <p:grpSpPr bwMode="auto">
-          <a:xfrm>
-            <a:off x="460375" y="3514725"/>
-            <a:ext cx="4749800" cy="3143250"/>
-            <a:chOff x="0" y="0"/>
-            <a:chExt cx="5983" cy="3960"/>
-          </a:xfrm>
-        </p:grpSpPr>
-        <p:sp>
-          <p:nvSpPr>
-            <p:cNvPr id="20500" name="ísľîḓe">
-              <a:extLst>
-                <a:ext uri="{FF2B5EF4-FFF2-40B4-BE49-F238E27FC236}">
-                  <a16:creationId xmlns:a16="http://schemas.microsoft.com/office/drawing/2014/main" id="{929CBB47-2678-4E86-A950-09CF20B6CB5E}"/>
-                </a:ext>
-              </a:extLst>
-            </p:cNvPr>
-            <p:cNvSpPr>
-              <a:spLocks noChangeArrowheads="1"/>
-            </p:cNvSpPr>
-            <p:nvPr/>
-          </p:nvSpPr>
-          <p:spPr bwMode="auto">
-            <a:xfrm>
-              <a:off x="1890" y="88"/>
-              <a:ext cx="3957" cy="3404"/>
-            </a:xfrm>
-            <a:custGeom>
-              <a:avLst/>
-              <a:gdLst>
-                <a:gd name="T0" fmla="*/ 577 w 21600"/>
-                <a:gd name="T1" fmla="*/ 11364 h 21600"/>
-                <a:gd name="T2" fmla="*/ 0 w 21600"/>
-                <a:gd name="T3" fmla="*/ 21600 h 21600"/>
-                <a:gd name="T4" fmla="*/ 21600 w 21600"/>
-                <a:gd name="T5" fmla="*/ 0 h 21600"/>
-                <a:gd name="T6" fmla="*/ 577 w 21600"/>
-                <a:gd name="T7" fmla="*/ 11364 h 21600"/>
-                <a:gd name="T8" fmla="*/ 577 w 21600"/>
-                <a:gd name="T9" fmla="*/ 11364 h 21600"/>
-              </a:gdLst>
-              <a:ahLst/>
-              <a:cxnLst>
-                <a:cxn ang="0">
-                  <a:pos x="T0" y="T1"/>
-                </a:cxn>
-                <a:cxn ang="0">
-                  <a:pos x="T2" y="T3"/>
-                </a:cxn>
-                <a:cxn ang="0">
-                  <a:pos x="T4" y="T5"/>
-                </a:cxn>
-                <a:cxn ang="0">
-                  <a:pos x="T6" y="T7"/>
-                </a:cxn>
-                <a:cxn ang="0">
-                  <a:pos x="T8" y="T9"/>
-                </a:cxn>
-              </a:cxnLst>
-              <a:rect l="0" t="0" r="r" b="b"/>
-              <a:pathLst>
-                <a:path w="21600" h="21600">
-                  <a:moveTo>
-                    <a:pt x="577" y="11364"/>
-                  </a:moveTo>
-                  <a:lnTo>
-                    <a:pt x="0" y="21600"/>
-                  </a:lnTo>
-                  <a:lnTo>
-                    <a:pt x="21600" y="0"/>
-                  </a:lnTo>
-                  <a:lnTo>
-                    <a:pt x="577" y="11364"/>
-                  </a:lnTo>
-                  <a:close/>
-                  <a:moveTo>
-                    <a:pt x="577" y="11364"/>
-                  </a:moveTo>
-                </a:path>
-              </a:pathLst>
-            </a:custGeom>
-            <a:solidFill>
-              <a:srgbClr val="000712"/>
-            </a:solidFill>
-            <a:ln w="25400">
-              <a:solidFill>
-                <a:schemeClr val="tx1">
-                  <a:alpha val="0"/>
-                </a:schemeClr>
-              </a:solidFill>
-              <a:miter lim="800000"/>
-              <a:headEnd/>
-              <a:tailEnd/>
-            </a:ln>
-          </p:spPr>
-          <p:txBody>
-            <a:bodyPr anchor="ctr"/>
-            <a:lstStyle/>
-            <a:p>
-              <a:pPr algn="ctr"/>
-              <a:endParaRPr lang="zh-CN" altLang="zh-CN"/>
-            </a:p>
-          </p:txBody>
-        </p:sp>
-        <p:sp>
-          <p:nvSpPr>
-            <p:cNvPr id="20501" name="iṣḻïḑê">
-              <a:extLst>
-                <a:ext uri="{FF2B5EF4-FFF2-40B4-BE49-F238E27FC236}">
-                  <a16:creationId xmlns:a16="http://schemas.microsoft.com/office/drawing/2014/main" id="{A9D41F88-E57D-49EC-A5A4-F26C8E0EDAA7}"/>
-                </a:ext>
-              </a:extLst>
-            </p:cNvPr>
-            <p:cNvSpPr>
-              <a:spLocks noChangeArrowheads="1"/>
-            </p:cNvSpPr>
-            <p:nvPr/>
-          </p:nvSpPr>
-          <p:spPr bwMode="auto">
-            <a:xfrm>
-              <a:off x="1862" y="79"/>
-              <a:ext cx="4051" cy="3473"/>
-            </a:xfrm>
-            <a:custGeom>
-              <a:avLst/>
-              <a:gdLst>
-                <a:gd name="T0" fmla="*/ 338 w 21600"/>
-                <a:gd name="T1" fmla="*/ 10512 h 21600"/>
-                <a:gd name="T2" fmla="*/ 0 w 21600"/>
-                <a:gd name="T3" fmla="*/ 21600 h 21600"/>
-                <a:gd name="T4" fmla="*/ 2612 w 21600"/>
-                <a:gd name="T5" fmla="*/ 12113 h 21600"/>
-                <a:gd name="T6" fmla="*/ 21600 w 21600"/>
-                <a:gd name="T7" fmla="*/ 0 h 21600"/>
-                <a:gd name="T8" fmla="*/ 14474 w 21600"/>
-                <a:gd name="T9" fmla="*/ 1859 h 21600"/>
-                <a:gd name="T10" fmla="*/ 338 w 21600"/>
-                <a:gd name="T11" fmla="*/ 10512 h 21600"/>
-                <a:gd name="T12" fmla="*/ 338 w 21600"/>
-                <a:gd name="T13" fmla="*/ 10512 h 21600"/>
-              </a:gdLst>
-              <a:ahLst/>
-              <a:cxnLst>
-                <a:cxn ang="0">
-                  <a:pos x="T0" y="T1"/>
-                </a:cxn>
-                <a:cxn ang="0">
-                  <a:pos x="T2" y="T3"/>
-                </a:cxn>
-                <a:cxn ang="0">
-                  <a:pos x="T4" y="T5"/>
-                </a:cxn>
-                <a:cxn ang="0">
-                  <a:pos x="T6" y="T7"/>
-                </a:cxn>
-                <a:cxn ang="0">
-                  <a:pos x="T8" y="T9"/>
-                </a:cxn>
-                <a:cxn ang="0">
-                  <a:pos x="T10" y="T11"/>
-                </a:cxn>
-                <a:cxn ang="0">
-                  <a:pos x="T12" y="T13"/>
-                </a:cxn>
-              </a:cxnLst>
-              <a:rect l="0" t="0" r="r" b="b"/>
-              <a:pathLst>
-                <a:path w="21600" h="21600">
-                  <a:moveTo>
-                    <a:pt x="338" y="10512"/>
-                  </a:moveTo>
-                  <a:lnTo>
-                    <a:pt x="0" y="21600"/>
-                  </a:lnTo>
-                  <a:lnTo>
-                    <a:pt x="2612" y="12113"/>
-                  </a:lnTo>
-                  <a:lnTo>
-                    <a:pt x="21600" y="0"/>
-                  </a:lnTo>
-                  <a:lnTo>
-                    <a:pt x="14474" y="1859"/>
-                  </a:lnTo>
-                  <a:lnTo>
-                    <a:pt x="338" y="10512"/>
-                  </a:lnTo>
-                  <a:close/>
-                  <a:moveTo>
-                    <a:pt x="338" y="10512"/>
-                  </a:moveTo>
-                </a:path>
-              </a:pathLst>
-            </a:custGeom>
-            <a:solidFill>
-              <a:srgbClr val="010A1A"/>
-            </a:solidFill>
-            <a:ln w="25400">
-              <a:solidFill>
-                <a:schemeClr val="tx1">
-                  <a:alpha val="0"/>
-                </a:schemeClr>
-              </a:solidFill>
-              <a:miter lim="800000"/>
-              <a:headEnd/>
-              <a:tailEnd/>
-            </a:ln>
-          </p:spPr>
-          <p:txBody>
-            <a:bodyPr anchor="ctr"/>
-            <a:lstStyle/>
-            <a:p>
-              <a:pPr algn="ctr"/>
-              <a:endParaRPr lang="zh-CN" altLang="zh-CN"/>
-            </a:p>
-          </p:txBody>
-        </p:sp>
-        <p:sp>
-          <p:nvSpPr>
-            <p:cNvPr id="20502" name="îṩḷïdé">
-              <a:extLst>
-                <a:ext uri="{FF2B5EF4-FFF2-40B4-BE49-F238E27FC236}">
-                  <a16:creationId xmlns:a16="http://schemas.microsoft.com/office/drawing/2014/main" id="{972A4801-88C2-41AE-8E59-DC666F27F349}"/>
-                </a:ext>
-              </a:extLst>
-            </p:cNvPr>
-            <p:cNvSpPr>
-              <a:spLocks noChangeArrowheads="1"/>
-            </p:cNvSpPr>
-            <p:nvPr/>
-          </p:nvSpPr>
-          <p:spPr bwMode="auto">
-            <a:xfrm>
-              <a:off x="0" y="0"/>
-              <a:ext cx="5983" cy="1874"/>
-            </a:xfrm>
-            <a:custGeom>
-              <a:avLst/>
-              <a:gdLst>
-                <a:gd name="T0" fmla="*/ 0 w 21600"/>
-                <a:gd name="T1" fmla="*/ 12991 h 21600"/>
-                <a:gd name="T2" fmla="*/ 6723 w 21600"/>
-                <a:gd name="T3" fmla="*/ 21600 h 21600"/>
-                <a:gd name="T4" fmla="*/ 21600 w 21600"/>
-                <a:gd name="T5" fmla="*/ 0 h 21600"/>
-                <a:gd name="T6" fmla="*/ 0 w 21600"/>
-                <a:gd name="T7" fmla="*/ 12991 h 21600"/>
-                <a:gd name="T8" fmla="*/ 0 w 21600"/>
-                <a:gd name="T9" fmla="*/ 12991 h 21600"/>
-              </a:gdLst>
-              <a:ahLst/>
-              <a:cxnLst>
-                <a:cxn ang="0">
-                  <a:pos x="T0" y="T1"/>
-                </a:cxn>
-                <a:cxn ang="0">
-                  <a:pos x="T2" y="T3"/>
-                </a:cxn>
-                <a:cxn ang="0">
-                  <a:pos x="T4" y="T5"/>
-                </a:cxn>
-                <a:cxn ang="0">
-                  <a:pos x="T6" y="T7"/>
-                </a:cxn>
-                <a:cxn ang="0">
-                  <a:pos x="T8" y="T9"/>
-                </a:cxn>
-              </a:cxnLst>
-              <a:rect l="0" t="0" r="r" b="b"/>
-              <a:pathLst>
-                <a:path w="21600" h="21600">
-                  <a:moveTo>
-                    <a:pt x="0" y="12991"/>
-                  </a:moveTo>
-                  <a:lnTo>
-                    <a:pt x="6723" y="21600"/>
-                  </a:lnTo>
-                  <a:lnTo>
-                    <a:pt x="21600" y="0"/>
-                  </a:lnTo>
-                  <a:lnTo>
-                    <a:pt x="0" y="12991"/>
-                  </a:lnTo>
-                  <a:close/>
-                  <a:moveTo>
-                    <a:pt x="0" y="12991"/>
-                  </a:moveTo>
-                </a:path>
-              </a:pathLst>
-            </a:custGeom>
-            <a:solidFill>
-              <a:schemeClr val="accent1"/>
-            </a:solidFill>
-            <a:ln w="25400">
-              <a:solidFill>
-                <a:schemeClr val="tx1">
-                  <a:alpha val="0"/>
-                </a:schemeClr>
-              </a:solidFill>
-              <a:miter lim="800000"/>
-              <a:headEnd/>
-              <a:tailEnd/>
-            </a:ln>
-          </p:spPr>
-          <p:txBody>
-            <a:bodyPr anchor="ctr"/>
-            <a:lstStyle/>
-            <a:p>
-              <a:pPr algn="ctr"/>
-              <a:endParaRPr lang="zh-CN" altLang="zh-CN"/>
-            </a:p>
-          </p:txBody>
-        </p:sp>
-        <p:sp>
-          <p:nvSpPr>
-            <p:cNvPr id="20503" name="işḷîdé">
-              <a:extLst>
-                <a:ext uri="{FF2B5EF4-FFF2-40B4-BE49-F238E27FC236}">
-                  <a16:creationId xmlns:a16="http://schemas.microsoft.com/office/drawing/2014/main" id="{8EDF2907-B1AB-41EE-A1B1-3FD1EFAC8521}"/>
-                </a:ext>
-              </a:extLst>
-            </p:cNvPr>
-            <p:cNvSpPr>
-              <a:spLocks noChangeArrowheads="1"/>
-            </p:cNvSpPr>
-            <p:nvPr/>
-          </p:nvSpPr>
-          <p:spPr bwMode="auto">
-            <a:xfrm>
-              <a:off x="2341" y="30"/>
-              <a:ext cx="3565" cy="3930"/>
-            </a:xfrm>
-            <a:custGeom>
-              <a:avLst/>
-              <a:gdLst>
-                <a:gd name="T0" fmla="*/ 0 w 21600"/>
-                <a:gd name="T1" fmla="*/ 10747 h 21600"/>
-                <a:gd name="T2" fmla="*/ 21600 w 21600"/>
-                <a:gd name="T3" fmla="*/ 0 h 21600"/>
-                <a:gd name="T4" fmla="*/ 7562 w 21600"/>
-                <a:gd name="T5" fmla="*/ 21600 h 21600"/>
-                <a:gd name="T6" fmla="*/ 0 w 21600"/>
-                <a:gd name="T7" fmla="*/ 10747 h 21600"/>
-                <a:gd name="T8" fmla="*/ 0 w 21600"/>
-                <a:gd name="T9" fmla="*/ 10747 h 21600"/>
-              </a:gdLst>
-              <a:ahLst/>
-              <a:cxnLst>
-                <a:cxn ang="0">
-                  <a:pos x="T0" y="T1"/>
-                </a:cxn>
-                <a:cxn ang="0">
-                  <a:pos x="T2" y="T3"/>
-                </a:cxn>
-                <a:cxn ang="0">
-                  <a:pos x="T4" y="T5"/>
-                </a:cxn>
-                <a:cxn ang="0">
-                  <a:pos x="T6" y="T7"/>
-                </a:cxn>
-                <a:cxn ang="0">
-                  <a:pos x="T8" y="T9"/>
-                </a:cxn>
-              </a:cxnLst>
-              <a:rect l="0" t="0" r="r" b="b"/>
-              <a:pathLst>
-                <a:path w="21600" h="21600">
-                  <a:moveTo>
-                    <a:pt x="0" y="10747"/>
-                  </a:moveTo>
-                  <a:lnTo>
-                    <a:pt x="21600" y="0"/>
-                  </a:lnTo>
-                  <a:lnTo>
-                    <a:pt x="7562" y="21600"/>
-                  </a:lnTo>
-                  <a:lnTo>
-                    <a:pt x="0" y="10747"/>
-                  </a:lnTo>
-                  <a:close/>
-                  <a:moveTo>
-                    <a:pt x="0" y="10747"/>
-                  </a:moveTo>
-                </a:path>
-              </a:pathLst>
-            </a:custGeom>
-            <a:solidFill>
-              <a:schemeClr val="accent1"/>
-            </a:solidFill>
-            <a:ln w="25400">
-              <a:solidFill>
-                <a:schemeClr val="tx1">
-                  <a:alpha val="0"/>
-                </a:schemeClr>
-              </a:solidFill>
-              <a:miter lim="800000"/>
-              <a:headEnd/>
-              <a:tailEnd/>
-            </a:ln>
-          </p:spPr>
-          <p:txBody>
-            <a:bodyPr anchor="ctr"/>
-            <a:lstStyle/>
-            <a:p>
-              <a:pPr algn="ctr"/>
-              <a:endParaRPr lang="zh-CN" altLang="zh-CN"/>
-            </a:p>
-          </p:txBody>
-        </p:sp>
-      </p:grpSp>
-      <p:grpSp>
-        <p:nvGrpSpPr>
-          <p:cNvPr id="20504" name="íṡḻîďê">
-            <a:extLst>
-              <a:ext uri="{FF2B5EF4-FFF2-40B4-BE49-F238E27FC236}">
-                <a16:creationId xmlns:a16="http://schemas.microsoft.com/office/drawing/2014/main" id="{4DEC76C8-6394-4D90-843F-A3CFEABB0069}"/>
-              </a:ext>
-            </a:extLst>
-          </p:cNvPr>
-          <p:cNvGrpSpPr>
-            <a:grpSpLocks/>
-          </p:cNvGrpSpPr>
-          <p:nvPr/>
-        </p:nvGrpSpPr>
-        <p:grpSpPr bwMode="auto">
-          <a:xfrm>
-            <a:off x="5289550" y="4371975"/>
-            <a:ext cx="2451100" cy="1619250"/>
-            <a:chOff x="0" y="0"/>
-            <a:chExt cx="3087" cy="2039"/>
-          </a:xfrm>
-        </p:grpSpPr>
-        <p:sp>
-          <p:nvSpPr>
-            <p:cNvPr id="52" name="íşḷîḋê">
-              <a:extLst>
-                <a:ext uri="{FF2B5EF4-FFF2-40B4-BE49-F238E27FC236}">
-                  <a16:creationId xmlns:a16="http://schemas.microsoft.com/office/drawing/2014/main" id="{ABF0A9AD-0D06-4225-BCB7-FCB26E69298F}"/>
-                </a:ext>
-              </a:extLst>
-            </p:cNvPr>
-            <p:cNvSpPr/>
-            <p:nvPr/>
-          </p:nvSpPr>
-          <p:spPr bwMode="auto">
-            <a:xfrm>
-              <a:off x="976" y="46"/>
-              <a:ext cx="2041" cy="1753"/>
-            </a:xfrm>
-            <a:custGeom>
-              <a:avLst/>
-              <a:gdLst>
-                <a:gd name="T0" fmla="*/ 577 w 21600"/>
-                <a:gd name="T1" fmla="*/ 11364 h 21600"/>
-                <a:gd name="T2" fmla="*/ 0 w 21600"/>
-                <a:gd name="T3" fmla="*/ 21600 h 21600"/>
-                <a:gd name="T4" fmla="*/ 21600 w 21600"/>
-                <a:gd name="T5" fmla="*/ 0 h 21600"/>
-                <a:gd name="T6" fmla="*/ 577 w 21600"/>
-                <a:gd name="T7" fmla="*/ 11364 h 21600"/>
-                <a:gd name="T8" fmla="*/ 577 w 21600"/>
-                <a:gd name="T9" fmla="*/ 11364 h 21600"/>
-              </a:gdLst>
-              <a:ahLst/>
-              <a:cxnLst>
-                <a:cxn ang="0">
-                  <a:pos x="T0" y="T1"/>
-                </a:cxn>
-                <a:cxn ang="0">
-                  <a:pos x="T2" y="T3"/>
-                </a:cxn>
-                <a:cxn ang="0">
-                  <a:pos x="T4" y="T5"/>
-                </a:cxn>
-                <a:cxn ang="0">
-                  <a:pos x="T6" y="T7"/>
-                </a:cxn>
-                <a:cxn ang="0">
-                  <a:pos x="T8" y="T9"/>
-                </a:cxn>
-              </a:cxnLst>
-              <a:rect l="0" t="0" r="r" b="b"/>
-              <a:pathLst>
-                <a:path w="21600" h="21600">
-                  <a:moveTo>
-                    <a:pt x="577" y="11364"/>
-                  </a:moveTo>
-                  <a:lnTo>
-                    <a:pt x="0" y="21600"/>
-                  </a:lnTo>
-                  <a:lnTo>
-                    <a:pt x="21600" y="0"/>
-                  </a:lnTo>
-                  <a:lnTo>
-                    <a:pt x="577" y="11364"/>
-                  </a:lnTo>
-                  <a:close/>
-                  <a:moveTo>
-                    <a:pt x="577" y="11364"/>
-                  </a:moveTo>
-                </a:path>
-              </a:pathLst>
-            </a:custGeom>
-            <a:solidFill>
-              <a:schemeClr val="accent4">
-                <a:lumMod val="50000"/>
-              </a:schemeClr>
-            </a:solidFill>
-            <a:ln w="25400" cap="flat">
-              <a:solidFill>
-                <a:schemeClr val="tx1">
-                  <a:alpha val="0"/>
-                </a:schemeClr>
-              </a:solidFill>
-              <a:prstDash val="solid"/>
-              <a:miter lim="800000"/>
-              <a:headEnd type="none" w="med" len="med"/>
-              <a:tailEnd type="none" w="med" len="med"/>
-            </a:ln>
-          </p:spPr>
-          <p:txBody>
-            <a:bodyPr anchor="ctr"/>
-            <a:lstStyle/>
-            <a:p>
-              <a:pPr algn="ctr"/>
-              <a:endParaRPr noProof="1"/>
-            </a:p>
-          </p:txBody>
-        </p:sp>
-        <p:sp>
-          <p:nvSpPr>
-            <p:cNvPr id="53" name="iṥḷíḓe">
-              <a:extLst>
-                <a:ext uri="{FF2B5EF4-FFF2-40B4-BE49-F238E27FC236}">
-                  <a16:creationId xmlns:a16="http://schemas.microsoft.com/office/drawing/2014/main" id="{839C797C-CE4C-4857-B334-EB92321FDE5E}"/>
-                </a:ext>
-              </a:extLst>
-            </p:cNvPr>
-            <p:cNvSpPr/>
-            <p:nvPr/>
-          </p:nvSpPr>
-          <p:spPr bwMode="auto">
-            <a:xfrm>
-              <a:off x="962" y="40"/>
-              <a:ext cx="2089" cy="1789"/>
-            </a:xfrm>
-            <a:custGeom>
-              <a:avLst/>
-              <a:gdLst>
-                <a:gd name="T0" fmla="*/ 338 w 21600"/>
-                <a:gd name="T1" fmla="*/ 10512 h 21600"/>
-                <a:gd name="T2" fmla="*/ 0 w 21600"/>
-                <a:gd name="T3" fmla="*/ 21600 h 21600"/>
-                <a:gd name="T4" fmla="*/ 2612 w 21600"/>
-                <a:gd name="T5" fmla="*/ 12113 h 21600"/>
-                <a:gd name="T6" fmla="*/ 21600 w 21600"/>
-                <a:gd name="T7" fmla="*/ 0 h 21600"/>
-                <a:gd name="T8" fmla="*/ 14474 w 21600"/>
-                <a:gd name="T9" fmla="*/ 1859 h 21600"/>
-                <a:gd name="T10" fmla="*/ 338 w 21600"/>
-                <a:gd name="T11" fmla="*/ 10512 h 21600"/>
-                <a:gd name="T12" fmla="*/ 338 w 21600"/>
-                <a:gd name="T13" fmla="*/ 10512 h 21600"/>
-              </a:gdLst>
-              <a:ahLst/>
-              <a:cxnLst>
-                <a:cxn ang="0">
-                  <a:pos x="T0" y="T1"/>
-                </a:cxn>
-                <a:cxn ang="0">
-                  <a:pos x="T2" y="T3"/>
-                </a:cxn>
-                <a:cxn ang="0">
-                  <a:pos x="T4" y="T5"/>
-                </a:cxn>
-                <a:cxn ang="0">
-                  <a:pos x="T6" y="T7"/>
-                </a:cxn>
-                <a:cxn ang="0">
-                  <a:pos x="T8" y="T9"/>
-                </a:cxn>
-                <a:cxn ang="0">
-                  <a:pos x="T10" y="T11"/>
-                </a:cxn>
-                <a:cxn ang="0">
-                  <a:pos x="T12" y="T13"/>
-                </a:cxn>
-              </a:cxnLst>
-              <a:rect l="0" t="0" r="r" b="b"/>
-              <a:pathLst>
-                <a:path w="21600" h="21600">
-                  <a:moveTo>
-                    <a:pt x="338" y="10512"/>
-                  </a:moveTo>
-                  <a:lnTo>
-                    <a:pt x="0" y="21600"/>
-                  </a:lnTo>
-                  <a:lnTo>
-                    <a:pt x="2612" y="12113"/>
-                  </a:lnTo>
-                  <a:lnTo>
-                    <a:pt x="21600" y="0"/>
-                  </a:lnTo>
-                  <a:lnTo>
-                    <a:pt x="14474" y="1859"/>
-                  </a:lnTo>
-                  <a:lnTo>
-                    <a:pt x="338" y="10512"/>
-                  </a:lnTo>
-                  <a:close/>
-                  <a:moveTo>
-                    <a:pt x="338" y="10512"/>
-                  </a:moveTo>
-                </a:path>
-              </a:pathLst>
-            </a:custGeom>
-            <a:solidFill>
-              <a:schemeClr val="accent4">
-                <a:lumMod val="75000"/>
-              </a:schemeClr>
-            </a:solidFill>
-            <a:ln w="25400" cap="flat">
-              <a:solidFill>
-                <a:schemeClr val="tx1">
-                  <a:alpha val="0"/>
-                </a:schemeClr>
-              </a:solidFill>
-              <a:prstDash val="solid"/>
-              <a:miter lim="800000"/>
-              <a:headEnd type="none" w="med" len="med"/>
-              <a:tailEnd type="none" w="med" len="med"/>
-            </a:ln>
-          </p:spPr>
-          <p:txBody>
-            <a:bodyPr anchor="ctr"/>
-            <a:lstStyle/>
-            <a:p>
-              <a:pPr algn="ctr"/>
-              <a:endParaRPr noProof="1"/>
-            </a:p>
-          </p:txBody>
-        </p:sp>
-        <p:sp>
-          <p:nvSpPr>
-            <p:cNvPr id="54" name="ïSľiďe">
-              <a:extLst>
-                <a:ext uri="{FF2B5EF4-FFF2-40B4-BE49-F238E27FC236}">
-                  <a16:creationId xmlns:a16="http://schemas.microsoft.com/office/drawing/2014/main" id="{2620640F-F213-4BE9-9527-D44FC359CC7B}"/>
-                </a:ext>
-              </a:extLst>
-            </p:cNvPr>
-            <p:cNvSpPr/>
-            <p:nvPr/>
-          </p:nvSpPr>
-          <p:spPr bwMode="auto">
-            <a:xfrm>
-              <a:off x="0" y="0"/>
-              <a:ext cx="3087" cy="966"/>
-            </a:xfrm>
-            <a:custGeom>
-              <a:avLst/>
-              <a:gdLst>
-                <a:gd name="T0" fmla="*/ 0 w 21600"/>
-                <a:gd name="T1" fmla="*/ 12991 h 21600"/>
-                <a:gd name="T2" fmla="*/ 6723 w 21600"/>
-                <a:gd name="T3" fmla="*/ 21600 h 21600"/>
-                <a:gd name="T4" fmla="*/ 21600 w 21600"/>
-                <a:gd name="T5" fmla="*/ 0 h 21600"/>
-                <a:gd name="T6" fmla="*/ 0 w 21600"/>
-                <a:gd name="T7" fmla="*/ 12991 h 21600"/>
-                <a:gd name="T8" fmla="*/ 0 w 21600"/>
-                <a:gd name="T9" fmla="*/ 12991 h 21600"/>
-              </a:gdLst>
-              <a:ahLst/>
-              <a:cxnLst>
-                <a:cxn ang="0">
-                  <a:pos x="T0" y="T1"/>
-                </a:cxn>
-                <a:cxn ang="0">
-                  <a:pos x="T2" y="T3"/>
-                </a:cxn>
-                <a:cxn ang="0">
-                  <a:pos x="T4" y="T5"/>
-                </a:cxn>
-                <a:cxn ang="0">
-                  <a:pos x="T6" y="T7"/>
-                </a:cxn>
-                <a:cxn ang="0">
-                  <a:pos x="T8" y="T9"/>
-                </a:cxn>
-              </a:cxnLst>
-              <a:rect l="0" t="0" r="r" b="b"/>
-              <a:pathLst>
-                <a:path w="21600" h="21600">
-                  <a:moveTo>
-                    <a:pt x="0" y="12991"/>
-                  </a:moveTo>
-                  <a:lnTo>
-                    <a:pt x="6723" y="21600"/>
-                  </a:lnTo>
-                  <a:lnTo>
-                    <a:pt x="21600" y="0"/>
-                  </a:lnTo>
-                  <a:lnTo>
-                    <a:pt x="0" y="12991"/>
-                  </a:lnTo>
-                  <a:close/>
-                  <a:moveTo>
-                    <a:pt x="0" y="12991"/>
-                  </a:moveTo>
-                </a:path>
-              </a:pathLst>
-            </a:custGeom>
-            <a:solidFill>
-              <a:schemeClr val="accent4"/>
-            </a:solidFill>
-            <a:ln w="25400" cap="flat">
-              <a:solidFill>
-                <a:schemeClr val="tx1">
-                  <a:alpha val="0"/>
-                </a:schemeClr>
-              </a:solidFill>
-              <a:prstDash val="solid"/>
-              <a:miter lim="800000"/>
-              <a:headEnd type="none" w="med" len="med"/>
-              <a:tailEnd type="none" w="med" len="med"/>
-            </a:ln>
-          </p:spPr>
-          <p:txBody>
-            <a:bodyPr anchor="ctr"/>
-            <a:lstStyle/>
-            <a:p>
-              <a:pPr algn="ctr"/>
-              <a:endParaRPr noProof="1"/>
-            </a:p>
-          </p:txBody>
-        </p:sp>
-        <p:sp>
-          <p:nvSpPr>
-            <p:cNvPr id="55" name="ïṩḻïḋe">
-              <a:extLst>
-                <a:ext uri="{FF2B5EF4-FFF2-40B4-BE49-F238E27FC236}">
-                  <a16:creationId xmlns:a16="http://schemas.microsoft.com/office/drawing/2014/main" id="{ADC41E39-C323-46D7-A76C-04DD65F6126D}"/>
-                </a:ext>
-              </a:extLst>
-            </p:cNvPr>
-            <p:cNvSpPr/>
-            <p:nvPr/>
-          </p:nvSpPr>
-          <p:spPr bwMode="auto">
-            <a:xfrm>
-              <a:off x="1208" y="16"/>
-              <a:ext cx="1839" cy="2023"/>
-            </a:xfrm>
-            <a:custGeom>
-              <a:avLst/>
-              <a:gdLst>
-                <a:gd name="T0" fmla="*/ 0 w 21600"/>
-                <a:gd name="T1" fmla="*/ 10747 h 21600"/>
-                <a:gd name="T2" fmla="*/ 21600 w 21600"/>
-                <a:gd name="T3" fmla="*/ 0 h 21600"/>
-                <a:gd name="T4" fmla="*/ 7562 w 21600"/>
-                <a:gd name="T5" fmla="*/ 21600 h 21600"/>
-                <a:gd name="T6" fmla="*/ 0 w 21600"/>
-                <a:gd name="T7" fmla="*/ 10747 h 21600"/>
-                <a:gd name="T8" fmla="*/ 0 w 21600"/>
-                <a:gd name="T9" fmla="*/ 10747 h 21600"/>
-              </a:gdLst>
-              <a:ahLst/>
-              <a:cxnLst>
-                <a:cxn ang="0">
-                  <a:pos x="T0" y="T1"/>
-                </a:cxn>
-                <a:cxn ang="0">
-                  <a:pos x="T2" y="T3"/>
-                </a:cxn>
-                <a:cxn ang="0">
-                  <a:pos x="T4" y="T5"/>
-                </a:cxn>
-                <a:cxn ang="0">
-                  <a:pos x="T6" y="T7"/>
-                </a:cxn>
-                <a:cxn ang="0">
-                  <a:pos x="T8" y="T9"/>
-                </a:cxn>
-              </a:cxnLst>
-              <a:rect l="0" t="0" r="r" b="b"/>
-              <a:pathLst>
-                <a:path w="21600" h="21600">
-                  <a:moveTo>
-                    <a:pt x="0" y="10747"/>
-                  </a:moveTo>
-                  <a:lnTo>
-                    <a:pt x="21600" y="0"/>
-                  </a:lnTo>
-                  <a:lnTo>
-                    <a:pt x="7562" y="21600"/>
-                  </a:lnTo>
-                  <a:lnTo>
-                    <a:pt x="0" y="10747"/>
-                  </a:lnTo>
-                  <a:close/>
-                  <a:moveTo>
-                    <a:pt x="0" y="10747"/>
-                  </a:moveTo>
-                </a:path>
-              </a:pathLst>
-            </a:custGeom>
-            <a:solidFill>
-              <a:schemeClr val="accent4"/>
-            </a:solidFill>
-            <a:ln w="25400" cap="flat">
-              <a:solidFill>
-                <a:schemeClr val="tx1">
-                  <a:alpha val="0"/>
-                </a:schemeClr>
-              </a:solidFill>
-              <a:prstDash val="solid"/>
-              <a:miter lim="800000"/>
-              <a:headEnd type="none" w="med" len="med"/>
-              <a:tailEnd type="none" w="med" len="med"/>
-            </a:ln>
-          </p:spPr>
-          <p:txBody>
-            <a:bodyPr anchor="ctr"/>
-            <a:lstStyle/>
-            <a:p>
-              <a:pPr algn="ctr"/>
-              <a:endParaRPr noProof="1"/>
-            </a:p>
-          </p:txBody>
-        </p:sp>
-      </p:grpSp>
-      <p:grpSp>
-        <p:nvGrpSpPr>
-          <p:cNvPr id="20509" name="íṣḷîḓe">
-            <a:extLst>
-              <a:ext uri="{FF2B5EF4-FFF2-40B4-BE49-F238E27FC236}">
-                <a16:creationId xmlns:a16="http://schemas.microsoft.com/office/drawing/2014/main" id="{91C7C3CC-0C2A-4483-8FF0-4A3905E29241}"/>
-              </a:ext>
-            </a:extLst>
-          </p:cNvPr>
-          <p:cNvGrpSpPr>
-            <a:grpSpLocks/>
-          </p:cNvGrpSpPr>
-          <p:nvPr/>
-        </p:nvGrpSpPr>
-        <p:grpSpPr bwMode="auto">
-          <a:xfrm>
-            <a:off x="4638675" y="1922463"/>
-            <a:ext cx="1676400" cy="1111250"/>
-            <a:chOff x="0" y="0"/>
-            <a:chExt cx="2111" cy="1400"/>
-          </a:xfrm>
-        </p:grpSpPr>
-        <p:sp>
-          <p:nvSpPr>
-            <p:cNvPr id="20510" name="îşļïḓe">
-              <a:extLst>
-                <a:ext uri="{FF2B5EF4-FFF2-40B4-BE49-F238E27FC236}">
-                  <a16:creationId xmlns:a16="http://schemas.microsoft.com/office/drawing/2014/main" id="{41C9A37B-06C7-4EC2-A135-134E0590F0CF}"/>
-                </a:ext>
-              </a:extLst>
-            </p:cNvPr>
-            <p:cNvSpPr>
-              <a:spLocks noChangeArrowheads="1"/>
-            </p:cNvSpPr>
-            <p:nvPr/>
-          </p:nvSpPr>
-          <p:spPr bwMode="auto">
-            <a:xfrm>
-              <a:off x="667" y="31"/>
-              <a:ext cx="1396" cy="1203"/>
-            </a:xfrm>
-            <a:custGeom>
-              <a:avLst/>
-              <a:gdLst>
-                <a:gd name="T0" fmla="*/ 577 w 21600"/>
-                <a:gd name="T1" fmla="*/ 11364 h 21600"/>
-                <a:gd name="T2" fmla="*/ 0 w 21600"/>
-                <a:gd name="T3" fmla="*/ 21600 h 21600"/>
-                <a:gd name="T4" fmla="*/ 21600 w 21600"/>
-                <a:gd name="T5" fmla="*/ 0 h 21600"/>
-                <a:gd name="T6" fmla="*/ 577 w 21600"/>
-                <a:gd name="T7" fmla="*/ 11364 h 21600"/>
-                <a:gd name="T8" fmla="*/ 577 w 21600"/>
-                <a:gd name="T9" fmla="*/ 11364 h 21600"/>
-              </a:gdLst>
-              <a:ahLst/>
-              <a:cxnLst>
-                <a:cxn ang="0">
-                  <a:pos x="T0" y="T1"/>
-                </a:cxn>
-                <a:cxn ang="0">
-                  <a:pos x="T2" y="T3"/>
-                </a:cxn>
-                <a:cxn ang="0">
-                  <a:pos x="T4" y="T5"/>
-                </a:cxn>
-                <a:cxn ang="0">
-                  <a:pos x="T6" y="T7"/>
-                </a:cxn>
-                <a:cxn ang="0">
-                  <a:pos x="T8" y="T9"/>
-                </a:cxn>
-              </a:cxnLst>
-              <a:rect l="0" t="0" r="r" b="b"/>
-              <a:pathLst>
-                <a:path w="21600" h="21600">
-                  <a:moveTo>
-                    <a:pt x="577" y="11364"/>
-                  </a:moveTo>
-                  <a:lnTo>
-                    <a:pt x="0" y="21600"/>
-                  </a:lnTo>
-                  <a:lnTo>
-                    <a:pt x="21600" y="0"/>
-                  </a:lnTo>
-                  <a:lnTo>
-                    <a:pt x="577" y="11364"/>
-                  </a:lnTo>
-                  <a:close/>
-                  <a:moveTo>
-                    <a:pt x="577" y="11364"/>
-                  </a:moveTo>
-                </a:path>
-              </a:pathLst>
-            </a:custGeom>
-            <a:solidFill>
-              <a:srgbClr val="020A16"/>
-            </a:solidFill>
-            <a:ln w="25400">
-              <a:solidFill>
-                <a:schemeClr val="tx1">
-                  <a:alpha val="0"/>
-                </a:schemeClr>
-              </a:solidFill>
-              <a:miter lim="800000"/>
-              <a:headEnd/>
-              <a:tailEnd/>
-            </a:ln>
-          </p:spPr>
-          <p:txBody>
-            <a:bodyPr anchor="ctr"/>
-            <a:lstStyle/>
-            <a:p>
-              <a:pPr algn="ctr"/>
-              <a:endParaRPr lang="zh-CN" altLang="zh-CN"/>
-            </a:p>
-          </p:txBody>
-        </p:sp>
-        <p:sp>
-          <p:nvSpPr>
-            <p:cNvPr id="20511" name="ïŝ1ïḋê">
-              <a:extLst>
-                <a:ext uri="{FF2B5EF4-FFF2-40B4-BE49-F238E27FC236}">
-                  <a16:creationId xmlns:a16="http://schemas.microsoft.com/office/drawing/2014/main" id="{7DEB9235-B5E2-4630-A21C-DB2BCD8E80D4}"/>
-                </a:ext>
-              </a:extLst>
-            </p:cNvPr>
-            <p:cNvSpPr>
-              <a:spLocks noChangeArrowheads="1"/>
-            </p:cNvSpPr>
-            <p:nvPr/>
-          </p:nvSpPr>
-          <p:spPr bwMode="auto">
-            <a:xfrm>
-              <a:off x="657" y="27"/>
-              <a:ext cx="1429" cy="1229"/>
-            </a:xfrm>
-            <a:custGeom>
-              <a:avLst/>
-              <a:gdLst>
-                <a:gd name="T0" fmla="*/ 338 w 21600"/>
-                <a:gd name="T1" fmla="*/ 10512 h 21600"/>
-                <a:gd name="T2" fmla="*/ 0 w 21600"/>
-                <a:gd name="T3" fmla="*/ 21600 h 21600"/>
-                <a:gd name="T4" fmla="*/ 2612 w 21600"/>
-                <a:gd name="T5" fmla="*/ 12113 h 21600"/>
-                <a:gd name="T6" fmla="*/ 21600 w 21600"/>
-                <a:gd name="T7" fmla="*/ 0 h 21600"/>
-                <a:gd name="T8" fmla="*/ 14474 w 21600"/>
-                <a:gd name="T9" fmla="*/ 1859 h 21600"/>
-                <a:gd name="T10" fmla="*/ 338 w 21600"/>
-                <a:gd name="T11" fmla="*/ 10512 h 21600"/>
-                <a:gd name="T12" fmla="*/ 338 w 21600"/>
-                <a:gd name="T13" fmla="*/ 10512 h 21600"/>
-              </a:gdLst>
-              <a:ahLst/>
-              <a:cxnLst>
-                <a:cxn ang="0">
-                  <a:pos x="T0" y="T1"/>
-                </a:cxn>
-                <a:cxn ang="0">
-                  <a:pos x="T2" y="T3"/>
-                </a:cxn>
-                <a:cxn ang="0">
-                  <a:pos x="T4" y="T5"/>
-                </a:cxn>
-                <a:cxn ang="0">
-                  <a:pos x="T6" y="T7"/>
-                </a:cxn>
-                <a:cxn ang="0">
-                  <a:pos x="T8" y="T9"/>
-                </a:cxn>
-                <a:cxn ang="0">
-                  <a:pos x="T10" y="T11"/>
-                </a:cxn>
-                <a:cxn ang="0">
-                  <a:pos x="T12" y="T13"/>
-                </a:cxn>
-              </a:cxnLst>
-              <a:rect l="0" t="0" r="r" b="b"/>
-              <a:pathLst>
-                <a:path w="21600" h="21600">
-                  <a:moveTo>
-                    <a:pt x="338" y="10512"/>
-                  </a:moveTo>
-                  <a:lnTo>
-                    <a:pt x="0" y="21600"/>
-                  </a:lnTo>
-                  <a:lnTo>
-                    <a:pt x="2612" y="12113"/>
-                  </a:lnTo>
-                  <a:lnTo>
-                    <a:pt x="21600" y="0"/>
-                  </a:lnTo>
-                  <a:lnTo>
-                    <a:pt x="14474" y="1859"/>
-                  </a:lnTo>
-                  <a:lnTo>
-                    <a:pt x="338" y="10512"/>
-                  </a:lnTo>
-                  <a:close/>
-                  <a:moveTo>
-                    <a:pt x="338" y="10512"/>
-                  </a:moveTo>
-                </a:path>
-              </a:pathLst>
-            </a:custGeom>
-            <a:solidFill>
-              <a:srgbClr val="040E21"/>
-            </a:solidFill>
-            <a:ln w="25400">
-              <a:solidFill>
-                <a:schemeClr val="tx1">
-                  <a:alpha val="0"/>
-                </a:schemeClr>
-              </a:solidFill>
-              <a:miter lim="800000"/>
-              <a:headEnd/>
-              <a:tailEnd/>
-            </a:ln>
-          </p:spPr>
-          <p:txBody>
-            <a:bodyPr anchor="ctr"/>
-            <a:lstStyle/>
-            <a:p>
-              <a:pPr algn="ctr"/>
-              <a:endParaRPr lang="zh-CN" altLang="zh-CN"/>
-            </a:p>
-          </p:txBody>
-        </p:sp>
-        <p:sp>
-          <p:nvSpPr>
-            <p:cNvPr id="20512" name="íśľïḓe">
-              <a:extLst>
-                <a:ext uri="{FF2B5EF4-FFF2-40B4-BE49-F238E27FC236}">
-                  <a16:creationId xmlns:a16="http://schemas.microsoft.com/office/drawing/2014/main" id="{738DD507-F239-4132-9C9D-A4C8795652FE}"/>
-                </a:ext>
-              </a:extLst>
-            </p:cNvPr>
-            <p:cNvSpPr>
-              <a:spLocks noChangeArrowheads="1"/>
-            </p:cNvSpPr>
-            <p:nvPr/>
-          </p:nvSpPr>
-          <p:spPr bwMode="auto">
-            <a:xfrm>
-              <a:off x="0" y="0"/>
-              <a:ext cx="2111" cy="662"/>
-            </a:xfrm>
-            <a:custGeom>
-              <a:avLst/>
-              <a:gdLst>
-                <a:gd name="T0" fmla="*/ 0 w 21600"/>
-                <a:gd name="T1" fmla="*/ 12991 h 21600"/>
-                <a:gd name="T2" fmla="*/ 6723 w 21600"/>
-                <a:gd name="T3" fmla="*/ 21600 h 21600"/>
-                <a:gd name="T4" fmla="*/ 21600 w 21600"/>
-                <a:gd name="T5" fmla="*/ 0 h 21600"/>
-                <a:gd name="T6" fmla="*/ 0 w 21600"/>
-                <a:gd name="T7" fmla="*/ 12991 h 21600"/>
-                <a:gd name="T8" fmla="*/ 0 w 21600"/>
-                <a:gd name="T9" fmla="*/ 12991 h 21600"/>
-              </a:gdLst>
-              <a:ahLst/>
-              <a:cxnLst>
-                <a:cxn ang="0">
-                  <a:pos x="T0" y="T1"/>
-                </a:cxn>
-                <a:cxn ang="0">
-                  <a:pos x="T2" y="T3"/>
-                </a:cxn>
-                <a:cxn ang="0">
-                  <a:pos x="T4" y="T5"/>
-                </a:cxn>
-                <a:cxn ang="0">
-                  <a:pos x="T6" y="T7"/>
-                </a:cxn>
-                <a:cxn ang="0">
-                  <a:pos x="T8" y="T9"/>
-                </a:cxn>
-              </a:cxnLst>
-              <a:rect l="0" t="0" r="r" b="b"/>
-              <a:pathLst>
-                <a:path w="21600" h="21600">
-                  <a:moveTo>
-                    <a:pt x="0" y="12991"/>
-                  </a:moveTo>
-                  <a:lnTo>
-                    <a:pt x="6723" y="21600"/>
-                  </a:lnTo>
-                  <a:lnTo>
-                    <a:pt x="21600" y="0"/>
-                  </a:lnTo>
-                  <a:lnTo>
-                    <a:pt x="0" y="12991"/>
-                  </a:lnTo>
-                  <a:close/>
-                  <a:moveTo>
-                    <a:pt x="0" y="12991"/>
-                  </a:moveTo>
-                </a:path>
-              </a:pathLst>
-            </a:custGeom>
-            <a:solidFill>
-              <a:schemeClr val="accent2"/>
-            </a:solidFill>
-            <a:ln w="25400">
-              <a:solidFill>
-                <a:schemeClr val="tx1">
-                  <a:alpha val="0"/>
-                </a:schemeClr>
-              </a:solidFill>
-              <a:miter lim="800000"/>
-              <a:headEnd/>
-              <a:tailEnd/>
-            </a:ln>
-          </p:spPr>
-          <p:txBody>
-            <a:bodyPr anchor="ctr"/>
-            <a:lstStyle/>
-            <a:p>
-              <a:pPr algn="ctr"/>
-              <a:endParaRPr lang="zh-CN" altLang="zh-CN"/>
-            </a:p>
-          </p:txBody>
-        </p:sp>
-        <p:sp>
-          <p:nvSpPr>
-            <p:cNvPr id="20513" name="iṡļîďe">
-              <a:extLst>
-                <a:ext uri="{FF2B5EF4-FFF2-40B4-BE49-F238E27FC236}">
-                  <a16:creationId xmlns:a16="http://schemas.microsoft.com/office/drawing/2014/main" id="{01E85502-4B0A-4AC6-87AD-FF1C061B0063}"/>
-                </a:ext>
-              </a:extLst>
-            </p:cNvPr>
-            <p:cNvSpPr>
-              <a:spLocks noChangeArrowheads="1"/>
-            </p:cNvSpPr>
-            <p:nvPr/>
-          </p:nvSpPr>
-          <p:spPr bwMode="auto">
-            <a:xfrm>
-              <a:off x="826" y="10"/>
-              <a:ext cx="1258" cy="1390"/>
-            </a:xfrm>
-            <a:custGeom>
-              <a:avLst/>
-              <a:gdLst>
-                <a:gd name="T0" fmla="*/ 0 w 21600"/>
-                <a:gd name="T1" fmla="*/ 10747 h 21600"/>
-                <a:gd name="T2" fmla="*/ 21600 w 21600"/>
-                <a:gd name="T3" fmla="*/ 0 h 21600"/>
-                <a:gd name="T4" fmla="*/ 7562 w 21600"/>
-                <a:gd name="T5" fmla="*/ 21600 h 21600"/>
-                <a:gd name="T6" fmla="*/ 0 w 21600"/>
-                <a:gd name="T7" fmla="*/ 10747 h 21600"/>
-                <a:gd name="T8" fmla="*/ 0 w 21600"/>
-                <a:gd name="T9" fmla="*/ 10747 h 21600"/>
-              </a:gdLst>
-              <a:ahLst/>
-              <a:cxnLst>
-                <a:cxn ang="0">
-                  <a:pos x="T0" y="T1"/>
-                </a:cxn>
-                <a:cxn ang="0">
-                  <a:pos x="T2" y="T3"/>
-                </a:cxn>
-                <a:cxn ang="0">
-                  <a:pos x="T4" y="T5"/>
-                </a:cxn>
-                <a:cxn ang="0">
-                  <a:pos x="T6" y="T7"/>
-                </a:cxn>
-                <a:cxn ang="0">
-                  <a:pos x="T8" y="T9"/>
-                </a:cxn>
-              </a:cxnLst>
-              <a:rect l="0" t="0" r="r" b="b"/>
-              <a:pathLst>
-                <a:path w="21600" h="21600">
-                  <a:moveTo>
-                    <a:pt x="0" y="10747"/>
-                  </a:moveTo>
-                  <a:lnTo>
-                    <a:pt x="21600" y="0"/>
-                  </a:lnTo>
-                  <a:lnTo>
-                    <a:pt x="7562" y="21600"/>
-                  </a:lnTo>
-                  <a:lnTo>
-                    <a:pt x="0" y="10747"/>
-                  </a:lnTo>
-                  <a:close/>
-                  <a:moveTo>
-                    <a:pt x="0" y="10747"/>
-                  </a:moveTo>
-                </a:path>
-              </a:pathLst>
-            </a:custGeom>
-            <a:solidFill>
-              <a:schemeClr val="accent2"/>
-            </a:solidFill>
-            <a:ln w="25400">
-              <a:solidFill>
-                <a:schemeClr val="tx1">
-                  <a:alpha val="0"/>
-                </a:schemeClr>
-              </a:solidFill>
-              <a:miter lim="800000"/>
-              <a:headEnd/>
-              <a:tailEnd/>
-            </a:ln>
-          </p:spPr>
-          <p:txBody>
-            <a:bodyPr anchor="ctr"/>
-            <a:lstStyle/>
-            <a:p>
-              <a:pPr algn="ctr"/>
-              <a:endParaRPr lang="zh-CN" altLang="zh-CN"/>
-            </a:p>
-          </p:txBody>
-        </p:sp>
-      </p:grpSp>
-      <p:grpSp>
-        <p:nvGrpSpPr>
-          <p:cNvPr id="20514" name="îŝḻíḍe">
-            <a:extLst>
-              <a:ext uri="{FF2B5EF4-FFF2-40B4-BE49-F238E27FC236}">
-                <a16:creationId xmlns:a16="http://schemas.microsoft.com/office/drawing/2014/main" id="{5A0A66BF-097C-4D3F-A884-13BC38E94462}"/>
-              </a:ext>
-            </a:extLst>
-          </p:cNvPr>
-          <p:cNvGrpSpPr>
-            <a:grpSpLocks/>
-          </p:cNvGrpSpPr>
-          <p:nvPr/>
-        </p:nvGrpSpPr>
-        <p:grpSpPr bwMode="auto">
-          <a:xfrm>
-            <a:off x="7886700" y="2003425"/>
-            <a:ext cx="1498600" cy="990600"/>
-            <a:chOff x="0" y="0"/>
-            <a:chExt cx="1888" cy="1248"/>
-          </a:xfrm>
-        </p:grpSpPr>
-        <p:sp>
-          <p:nvSpPr>
-            <p:cNvPr id="44" name="işḻïḓé">
-              <a:extLst>
-                <a:ext uri="{FF2B5EF4-FFF2-40B4-BE49-F238E27FC236}">
-                  <a16:creationId xmlns:a16="http://schemas.microsoft.com/office/drawing/2014/main" id="{E242ACB1-84BA-4E96-AAC8-B5AA739B11AA}"/>
-                </a:ext>
-              </a:extLst>
-            </p:cNvPr>
-            <p:cNvSpPr/>
-            <p:nvPr/>
-          </p:nvSpPr>
-          <p:spPr bwMode="auto">
-            <a:xfrm>
-              <a:off x="596" y="28"/>
-              <a:ext cx="1250" cy="1072"/>
-            </a:xfrm>
-            <a:custGeom>
-              <a:avLst/>
-              <a:gdLst>
-                <a:gd name="T0" fmla="*/ 577 w 21600"/>
-                <a:gd name="T1" fmla="*/ 11364 h 21600"/>
-                <a:gd name="T2" fmla="*/ 0 w 21600"/>
-                <a:gd name="T3" fmla="*/ 21600 h 21600"/>
-                <a:gd name="T4" fmla="*/ 21600 w 21600"/>
-                <a:gd name="T5" fmla="*/ 0 h 21600"/>
-                <a:gd name="T6" fmla="*/ 577 w 21600"/>
-                <a:gd name="T7" fmla="*/ 11364 h 21600"/>
-                <a:gd name="T8" fmla="*/ 577 w 21600"/>
-                <a:gd name="T9" fmla="*/ 11364 h 21600"/>
-              </a:gdLst>
-              <a:ahLst/>
-              <a:cxnLst>
-                <a:cxn ang="0">
-                  <a:pos x="T0" y="T1"/>
-                </a:cxn>
-                <a:cxn ang="0">
-                  <a:pos x="T2" y="T3"/>
-                </a:cxn>
-                <a:cxn ang="0">
-                  <a:pos x="T4" y="T5"/>
-                </a:cxn>
-                <a:cxn ang="0">
-                  <a:pos x="T6" y="T7"/>
-                </a:cxn>
-                <a:cxn ang="0">
-                  <a:pos x="T8" y="T9"/>
-                </a:cxn>
-              </a:cxnLst>
-              <a:rect l="0" t="0" r="r" b="b"/>
-              <a:pathLst>
-                <a:path w="21600" h="21600">
-                  <a:moveTo>
-                    <a:pt x="577" y="11364"/>
-                  </a:moveTo>
-                  <a:lnTo>
-                    <a:pt x="0" y="21600"/>
-                  </a:lnTo>
-                  <a:lnTo>
-                    <a:pt x="21600" y="0"/>
-                  </a:lnTo>
-                  <a:lnTo>
-                    <a:pt x="577" y="11364"/>
-                  </a:lnTo>
-                  <a:close/>
-                  <a:moveTo>
-                    <a:pt x="577" y="11364"/>
-                  </a:moveTo>
-                </a:path>
-              </a:pathLst>
-            </a:custGeom>
-            <a:solidFill>
-              <a:schemeClr val="accent3">
-                <a:lumMod val="50000"/>
-              </a:schemeClr>
-            </a:solidFill>
-            <a:ln w="25400" cap="flat">
-              <a:solidFill>
-                <a:schemeClr val="tx1">
-                  <a:alpha val="0"/>
-                </a:schemeClr>
-              </a:solidFill>
-              <a:prstDash val="solid"/>
-              <a:miter lim="800000"/>
-              <a:headEnd type="none" w="med" len="med"/>
-              <a:tailEnd type="none" w="med" len="med"/>
-            </a:ln>
-          </p:spPr>
-          <p:txBody>
-            <a:bodyPr anchor="ctr"/>
-            <a:lstStyle/>
-            <a:p>
-              <a:pPr algn="ctr"/>
-              <a:endParaRPr noProof="1"/>
-            </a:p>
-          </p:txBody>
-        </p:sp>
-        <p:sp>
-          <p:nvSpPr>
-            <p:cNvPr id="45" name="îṡḷíde">
-              <a:extLst>
-                <a:ext uri="{FF2B5EF4-FFF2-40B4-BE49-F238E27FC236}">
-                  <a16:creationId xmlns:a16="http://schemas.microsoft.com/office/drawing/2014/main" id="{C3DF8ABD-C526-4B84-8CD8-58282825F07A}"/>
-                </a:ext>
-              </a:extLst>
-            </p:cNvPr>
-            <p:cNvSpPr/>
-            <p:nvPr/>
-          </p:nvSpPr>
-          <p:spPr bwMode="auto">
-            <a:xfrm>
-              <a:off x="588" y="24"/>
-              <a:ext cx="1278" cy="1096"/>
-            </a:xfrm>
-            <a:custGeom>
-              <a:avLst/>
-              <a:gdLst>
-                <a:gd name="T0" fmla="*/ 338 w 21600"/>
-                <a:gd name="T1" fmla="*/ 10512 h 21600"/>
-                <a:gd name="T2" fmla="*/ 0 w 21600"/>
-                <a:gd name="T3" fmla="*/ 21600 h 21600"/>
-                <a:gd name="T4" fmla="*/ 2612 w 21600"/>
-                <a:gd name="T5" fmla="*/ 12113 h 21600"/>
-                <a:gd name="T6" fmla="*/ 21600 w 21600"/>
-                <a:gd name="T7" fmla="*/ 0 h 21600"/>
-                <a:gd name="T8" fmla="*/ 14474 w 21600"/>
-                <a:gd name="T9" fmla="*/ 1859 h 21600"/>
-                <a:gd name="T10" fmla="*/ 338 w 21600"/>
-                <a:gd name="T11" fmla="*/ 10512 h 21600"/>
-                <a:gd name="T12" fmla="*/ 338 w 21600"/>
-                <a:gd name="T13" fmla="*/ 10512 h 21600"/>
-              </a:gdLst>
-              <a:ahLst/>
-              <a:cxnLst>
-                <a:cxn ang="0">
-                  <a:pos x="T0" y="T1"/>
-                </a:cxn>
-                <a:cxn ang="0">
-                  <a:pos x="T2" y="T3"/>
-                </a:cxn>
-                <a:cxn ang="0">
-                  <a:pos x="T4" y="T5"/>
-                </a:cxn>
-                <a:cxn ang="0">
-                  <a:pos x="T6" y="T7"/>
-                </a:cxn>
-                <a:cxn ang="0">
-                  <a:pos x="T8" y="T9"/>
-                </a:cxn>
-                <a:cxn ang="0">
-                  <a:pos x="T10" y="T11"/>
-                </a:cxn>
-                <a:cxn ang="0">
-                  <a:pos x="T12" y="T13"/>
-                </a:cxn>
-              </a:cxnLst>
-              <a:rect l="0" t="0" r="r" b="b"/>
-              <a:pathLst>
-                <a:path w="21600" h="21600">
-                  <a:moveTo>
-                    <a:pt x="338" y="10512"/>
-                  </a:moveTo>
-                  <a:lnTo>
-                    <a:pt x="0" y="21600"/>
-                  </a:lnTo>
-                  <a:lnTo>
-                    <a:pt x="2612" y="12113"/>
-                  </a:lnTo>
-                  <a:lnTo>
-                    <a:pt x="21600" y="0"/>
-                  </a:lnTo>
-                  <a:lnTo>
-                    <a:pt x="14474" y="1859"/>
-                  </a:lnTo>
-                  <a:lnTo>
-                    <a:pt x="338" y="10512"/>
-                  </a:lnTo>
-                  <a:close/>
-                  <a:moveTo>
-                    <a:pt x="338" y="10512"/>
-                  </a:moveTo>
-                </a:path>
-              </a:pathLst>
-            </a:custGeom>
-            <a:solidFill>
-              <a:schemeClr val="accent3">
-                <a:lumMod val="75000"/>
-              </a:schemeClr>
-            </a:solidFill>
-            <a:ln w="25400" cap="flat">
-              <a:solidFill>
-                <a:schemeClr val="tx1">
-                  <a:alpha val="0"/>
-                </a:schemeClr>
-              </a:solidFill>
-              <a:prstDash val="solid"/>
-              <a:miter lim="800000"/>
-              <a:headEnd type="none" w="med" len="med"/>
-              <a:tailEnd type="none" w="med" len="med"/>
-            </a:ln>
-          </p:spPr>
-          <p:txBody>
-            <a:bodyPr anchor="ctr"/>
-            <a:lstStyle/>
-            <a:p>
-              <a:pPr algn="ctr"/>
-              <a:endParaRPr noProof="1"/>
-            </a:p>
-          </p:txBody>
-        </p:sp>
-        <p:sp>
-          <p:nvSpPr>
-            <p:cNvPr id="46" name="íśḷîḑe">
-              <a:extLst>
-                <a:ext uri="{FF2B5EF4-FFF2-40B4-BE49-F238E27FC236}">
-                  <a16:creationId xmlns:a16="http://schemas.microsoft.com/office/drawing/2014/main" id="{9758A829-38BD-437B-A6E2-D0847E2DB8B4}"/>
-                </a:ext>
-              </a:extLst>
-            </p:cNvPr>
-            <p:cNvSpPr/>
-            <p:nvPr/>
-          </p:nvSpPr>
-          <p:spPr bwMode="auto">
-            <a:xfrm>
-              <a:off x="0" y="0"/>
-              <a:ext cx="1888" cy="590"/>
-            </a:xfrm>
-            <a:custGeom>
-              <a:avLst/>
-              <a:gdLst>
-                <a:gd name="T0" fmla="*/ 0 w 21600"/>
-                <a:gd name="T1" fmla="*/ 12991 h 21600"/>
-                <a:gd name="T2" fmla="*/ 6723 w 21600"/>
-                <a:gd name="T3" fmla="*/ 21600 h 21600"/>
-                <a:gd name="T4" fmla="*/ 21600 w 21600"/>
-                <a:gd name="T5" fmla="*/ 0 h 21600"/>
-                <a:gd name="T6" fmla="*/ 0 w 21600"/>
-                <a:gd name="T7" fmla="*/ 12991 h 21600"/>
-                <a:gd name="T8" fmla="*/ 0 w 21600"/>
-                <a:gd name="T9" fmla="*/ 12991 h 21600"/>
-              </a:gdLst>
-              <a:ahLst/>
-              <a:cxnLst>
-                <a:cxn ang="0">
-                  <a:pos x="T0" y="T1"/>
-                </a:cxn>
-                <a:cxn ang="0">
-                  <a:pos x="T2" y="T3"/>
-                </a:cxn>
-                <a:cxn ang="0">
-                  <a:pos x="T4" y="T5"/>
-                </a:cxn>
-                <a:cxn ang="0">
-                  <a:pos x="T6" y="T7"/>
-                </a:cxn>
-                <a:cxn ang="0">
-                  <a:pos x="T8" y="T9"/>
-                </a:cxn>
-              </a:cxnLst>
-              <a:rect l="0" t="0" r="r" b="b"/>
-              <a:pathLst>
-                <a:path w="21600" h="21600">
-                  <a:moveTo>
-                    <a:pt x="0" y="12991"/>
-                  </a:moveTo>
-                  <a:lnTo>
-                    <a:pt x="6723" y="21600"/>
-                  </a:lnTo>
-                  <a:lnTo>
-                    <a:pt x="21600" y="0"/>
-                  </a:lnTo>
-                  <a:lnTo>
-                    <a:pt x="0" y="12991"/>
-                  </a:lnTo>
-                  <a:close/>
-                  <a:moveTo>
-                    <a:pt x="0" y="12991"/>
-                  </a:moveTo>
-                </a:path>
-              </a:pathLst>
-            </a:custGeom>
-            <a:solidFill>
-              <a:schemeClr val="accent3"/>
-            </a:solidFill>
-            <a:ln w="25400" cap="flat">
-              <a:solidFill>
-                <a:schemeClr val="tx1">
-                  <a:alpha val="0"/>
-                </a:schemeClr>
-              </a:solidFill>
-              <a:prstDash val="solid"/>
-              <a:miter lim="800000"/>
-              <a:headEnd type="none" w="med" len="med"/>
-              <a:tailEnd type="none" w="med" len="med"/>
-            </a:ln>
-          </p:spPr>
-          <p:txBody>
-            <a:bodyPr anchor="ctr"/>
-            <a:lstStyle/>
-            <a:p>
-              <a:pPr algn="ctr"/>
-              <a:endParaRPr noProof="1"/>
-            </a:p>
-          </p:txBody>
-        </p:sp>
-        <p:sp>
-          <p:nvSpPr>
-            <p:cNvPr id="47" name="isḷîḓé">
-              <a:extLst>
-                <a:ext uri="{FF2B5EF4-FFF2-40B4-BE49-F238E27FC236}">
-                  <a16:creationId xmlns:a16="http://schemas.microsoft.com/office/drawing/2014/main" id="{FD4BBCF6-0DDB-4DAD-8E96-536F49579CA3}"/>
-                </a:ext>
-              </a:extLst>
-            </p:cNvPr>
-            <p:cNvSpPr/>
-            <p:nvPr/>
-          </p:nvSpPr>
-          <p:spPr bwMode="auto">
-            <a:xfrm>
-              <a:off x="738" y="10"/>
-              <a:ext cx="1126" cy="1238"/>
-            </a:xfrm>
-            <a:custGeom>
-              <a:avLst/>
-              <a:gdLst>
-                <a:gd name="T0" fmla="*/ 0 w 21600"/>
-                <a:gd name="T1" fmla="*/ 10747 h 21600"/>
-                <a:gd name="T2" fmla="*/ 21600 w 21600"/>
-                <a:gd name="T3" fmla="*/ 0 h 21600"/>
-                <a:gd name="T4" fmla="*/ 7562 w 21600"/>
-                <a:gd name="T5" fmla="*/ 21600 h 21600"/>
-                <a:gd name="T6" fmla="*/ 0 w 21600"/>
-                <a:gd name="T7" fmla="*/ 10747 h 21600"/>
-                <a:gd name="T8" fmla="*/ 0 w 21600"/>
-                <a:gd name="T9" fmla="*/ 10747 h 21600"/>
-              </a:gdLst>
-              <a:ahLst/>
-              <a:cxnLst>
-                <a:cxn ang="0">
-                  <a:pos x="T0" y="T1"/>
-                </a:cxn>
-                <a:cxn ang="0">
-                  <a:pos x="T2" y="T3"/>
-                </a:cxn>
-                <a:cxn ang="0">
-                  <a:pos x="T4" y="T5"/>
-                </a:cxn>
-                <a:cxn ang="0">
-                  <a:pos x="T6" y="T7"/>
-                </a:cxn>
-                <a:cxn ang="0">
-                  <a:pos x="T8" y="T9"/>
-                </a:cxn>
-              </a:cxnLst>
-              <a:rect l="0" t="0" r="r" b="b"/>
-              <a:pathLst>
-                <a:path w="21600" h="21600">
-                  <a:moveTo>
-                    <a:pt x="0" y="10747"/>
-                  </a:moveTo>
-                  <a:lnTo>
-                    <a:pt x="21600" y="0"/>
-                  </a:lnTo>
-                  <a:lnTo>
-                    <a:pt x="7562" y="21600"/>
-                  </a:lnTo>
-                  <a:lnTo>
-                    <a:pt x="0" y="10747"/>
-                  </a:lnTo>
-                  <a:close/>
-                  <a:moveTo>
-                    <a:pt x="0" y="10747"/>
-                  </a:moveTo>
-                </a:path>
-              </a:pathLst>
-            </a:custGeom>
-            <a:solidFill>
-              <a:schemeClr val="accent3"/>
-            </a:solidFill>
-            <a:ln w="25400" cap="flat">
-              <a:solidFill>
-                <a:schemeClr val="tx1">
-                  <a:alpha val="0"/>
-                </a:schemeClr>
-              </a:solidFill>
-              <a:prstDash val="solid"/>
-              <a:miter lim="800000"/>
-              <a:headEnd type="none" w="med" len="med"/>
-              <a:tailEnd type="none" w="med" len="med"/>
-            </a:ln>
-          </p:spPr>
-          <p:txBody>
-            <a:bodyPr anchor="ctr"/>
-            <a:lstStyle/>
-            <a:p>
-              <a:pPr algn="ctr"/>
-              <a:endParaRPr noProof="1"/>
-            </a:p>
-          </p:txBody>
-        </p:sp>
-      </p:grpSp>
-      <p:sp>
-        <p:nvSpPr>
-          <p:cNvPr id="20519" name="îşḷïďê">
-            <a:extLst>
-              <a:ext uri="{FF2B5EF4-FFF2-40B4-BE49-F238E27FC236}">
-                <a16:creationId xmlns:a16="http://schemas.microsoft.com/office/drawing/2014/main" id="{E56E51B2-9B51-41FD-BC8C-9C8759B8906B}"/>
-              </a:ext>
-            </a:extLst>
-          </p:cNvPr>
-          <p:cNvSpPr>
-            <a:spLocks noChangeArrowheads="1"/>
-          </p:cNvSpPr>
-          <p:nvPr/>
-        </p:nvSpPr>
-        <p:spPr bwMode="auto">
-          <a:xfrm>
-            <a:off x="7181850" y="5775325"/>
-            <a:ext cx="1289050" cy="1289050"/>
-          </a:xfrm>
-          <a:prstGeom prst="ellipse">
-            <a:avLst/>
-          </a:prstGeom>
-          <a:solidFill>
-            <a:srgbClr val="E6E6E6"/>
-          </a:solidFill>
-          <a:ln w="25400">
-            <a:solidFill>
-              <a:schemeClr val="tx1">
-                <a:alpha val="0"/>
-              </a:schemeClr>
-            </a:solidFill>
-            <a:miter lim="800000"/>
-            <a:headEnd/>
-            <a:tailEnd/>
-          </a:ln>
-        </p:spPr>
-        <p:txBody>
-          <a:bodyPr anchor="ctr"/>
-          <a:lstStyle/>
-          <a:p>
-            <a:pPr algn="ctr"/>
-            <a:endParaRPr lang="zh-CN" altLang="zh-CN"/>
-          </a:p>
-        </p:txBody>
-      </p:sp>
-      <p:sp>
-        <p:nvSpPr>
-          <p:cNvPr id="20520" name="îSḻíḓê">
-            <a:extLst>
-              <a:ext uri="{FF2B5EF4-FFF2-40B4-BE49-F238E27FC236}">
-                <a16:creationId xmlns:a16="http://schemas.microsoft.com/office/drawing/2014/main" id="{8BD781BD-4C9B-4A84-8E8E-2D3702AB055D}"/>
-              </a:ext>
-            </a:extLst>
-          </p:cNvPr>
-          <p:cNvSpPr>
-            <a:spLocks noChangeArrowheads="1"/>
-          </p:cNvSpPr>
-          <p:nvPr/>
-        </p:nvSpPr>
-        <p:spPr bwMode="auto">
-          <a:xfrm>
-            <a:off x="6648450" y="6296025"/>
-            <a:ext cx="1054100" cy="1054100"/>
-          </a:xfrm>
-          <a:prstGeom prst="ellipse">
-            <a:avLst/>
-          </a:prstGeom>
-          <a:solidFill>
-            <a:srgbClr val="E6E6E6"/>
-          </a:solidFill>
-          <a:ln w="25400">
-            <a:solidFill>
-              <a:schemeClr val="tx1">
-                <a:alpha val="0"/>
-              </a:schemeClr>
-            </a:solidFill>
-            <a:miter lim="800000"/>
-            <a:headEnd/>
-            <a:tailEnd/>
-          </a:ln>
-        </p:spPr>
-        <p:txBody>
-          <a:bodyPr anchor="ctr"/>
-          <a:lstStyle/>
-          <a:p>
-            <a:pPr algn="ctr"/>
-            <a:endParaRPr lang="zh-CN" altLang="zh-CN"/>
-          </a:p>
-        </p:txBody>
-      </p:sp>
-      <p:sp>
-        <p:nvSpPr>
-          <p:cNvPr id="20521" name="iS1íḋê">
-            <a:extLst>
-              <a:ext uri="{FF2B5EF4-FFF2-40B4-BE49-F238E27FC236}">
-                <a16:creationId xmlns:a16="http://schemas.microsoft.com/office/drawing/2014/main" id="{2BD98374-B520-4D9C-A10F-7457819AB040}"/>
-              </a:ext>
-            </a:extLst>
-          </p:cNvPr>
-          <p:cNvSpPr>
-            <a:spLocks noChangeArrowheads="1"/>
-          </p:cNvSpPr>
-          <p:nvPr/>
-        </p:nvSpPr>
-        <p:spPr bwMode="auto">
-          <a:xfrm>
-            <a:off x="9531350" y="4727575"/>
-            <a:ext cx="2501900" cy="2501900"/>
-          </a:xfrm>
-          <a:prstGeom prst="ellipse">
-            <a:avLst/>
-          </a:prstGeom>
-          <a:solidFill>
-            <a:srgbClr val="E6E6E6"/>
-          </a:solidFill>
-          <a:ln w="25400">
-            <a:solidFill>
-              <a:schemeClr val="tx1">
-                <a:alpha val="0"/>
-              </a:schemeClr>
-            </a:solidFill>
-            <a:miter lim="800000"/>
-            <a:headEnd/>
-            <a:tailEnd/>
-          </a:ln>
-        </p:spPr>
-        <p:txBody>
-          <a:bodyPr anchor="ctr"/>
-          <a:lstStyle/>
-          <a:p>
-            <a:pPr algn="ctr"/>
-            <a:endParaRPr lang="zh-CN" altLang="zh-CN"/>
-          </a:p>
-        </p:txBody>
-      </p:sp>
-      <p:sp>
-        <p:nvSpPr>
-          <p:cNvPr id="20522" name="işliḑè">
-            <a:extLst>
-              <a:ext uri="{FF2B5EF4-FFF2-40B4-BE49-F238E27FC236}">
-                <a16:creationId xmlns:a16="http://schemas.microsoft.com/office/drawing/2014/main" id="{C9D932F4-93DB-43DE-A332-249B0CFD40A9}"/>
-              </a:ext>
-            </a:extLst>
-          </p:cNvPr>
-          <p:cNvSpPr>
-            <a:spLocks noChangeArrowheads="1"/>
-          </p:cNvSpPr>
-          <p:nvPr/>
-        </p:nvSpPr>
-        <p:spPr bwMode="auto">
-          <a:xfrm>
-            <a:off x="5873750" y="6677025"/>
-            <a:ext cx="1054100" cy="1054100"/>
-          </a:xfrm>
-          <a:prstGeom prst="ellipse">
-            <a:avLst/>
-          </a:prstGeom>
-          <a:solidFill>
-            <a:srgbClr val="E6E6E6"/>
-          </a:solidFill>
-          <a:ln w="25400">
-            <a:solidFill>
-              <a:schemeClr val="tx1">
-                <a:alpha val="0"/>
-              </a:schemeClr>
-            </a:solidFill>
-            <a:miter lim="800000"/>
-            <a:headEnd/>
-            <a:tailEnd/>
-          </a:ln>
-        </p:spPr>
-        <p:txBody>
-          <a:bodyPr anchor="ctr"/>
-          <a:lstStyle/>
-          <a:p>
-            <a:pPr algn="ctr"/>
-            <a:endParaRPr lang="zh-CN" altLang="zh-CN"/>
-          </a:p>
-        </p:txBody>
-      </p:sp>
-      <p:sp>
-        <p:nvSpPr>
-          <p:cNvPr id="20523" name="íṥḷîḍê">
-            <a:extLst>
-              <a:ext uri="{FF2B5EF4-FFF2-40B4-BE49-F238E27FC236}">
-                <a16:creationId xmlns:a16="http://schemas.microsoft.com/office/drawing/2014/main" id="{34B7ED98-78F0-4828-A035-ADA33C5DC6C7}"/>
-              </a:ext>
-            </a:extLst>
-          </p:cNvPr>
-          <p:cNvSpPr>
-            <a:spLocks noChangeArrowheads="1"/>
-          </p:cNvSpPr>
-          <p:nvPr/>
-        </p:nvSpPr>
-        <p:spPr bwMode="auto">
-          <a:xfrm>
-            <a:off x="8489950" y="5495925"/>
-            <a:ext cx="1714500" cy="1428750"/>
-          </a:xfrm>
-          <a:prstGeom prst="ellipse">
-            <a:avLst/>
-          </a:prstGeom>
-          <a:solidFill>
-            <a:srgbClr val="FFFEFE"/>
-          </a:solidFill>
-          <a:ln w="25400">
-            <a:solidFill>
-              <a:schemeClr val="tx1">
-                <a:alpha val="0"/>
-              </a:schemeClr>
-            </a:solidFill>
-            <a:miter lim="800000"/>
-            <a:headEnd/>
-            <a:tailEnd/>
-          </a:ln>
-        </p:spPr>
-        <p:txBody>
-          <a:bodyPr anchor="ctr"/>
-          <a:lstStyle/>
-          <a:p>
-            <a:pPr algn="ctr"/>
-            <a:endParaRPr lang="zh-CN" altLang="zh-CN"/>
-          </a:p>
-        </p:txBody>
-      </p:sp>
-      <p:sp>
-        <p:nvSpPr>
-          <p:cNvPr id="20524" name="íṩlídé">
-            <a:extLst>
-              <a:ext uri="{FF2B5EF4-FFF2-40B4-BE49-F238E27FC236}">
-                <a16:creationId xmlns:a16="http://schemas.microsoft.com/office/drawing/2014/main" id="{692431BB-3B2D-4134-BC18-6F17376D8F53}"/>
-              </a:ext>
-            </a:extLst>
-          </p:cNvPr>
-          <p:cNvSpPr>
-            <a:spLocks noChangeArrowheads="1"/>
-          </p:cNvSpPr>
-          <p:nvPr/>
-        </p:nvSpPr>
-        <p:spPr bwMode="auto">
-          <a:xfrm>
-            <a:off x="7969250" y="6308725"/>
-            <a:ext cx="1549400" cy="1289050"/>
-          </a:xfrm>
-          <a:prstGeom prst="ellipse">
-            <a:avLst/>
-          </a:prstGeom>
-          <a:solidFill>
-            <a:srgbClr val="FFFEFE"/>
-          </a:solidFill>
-          <a:ln w="25400">
-            <a:solidFill>
-              <a:schemeClr val="tx1">
-                <a:alpha val="0"/>
-              </a:schemeClr>
-            </a:solidFill>
-            <a:miter lim="800000"/>
-            <a:headEnd/>
-            <a:tailEnd/>
-          </a:ln>
-        </p:spPr>
-        <p:txBody>
-          <a:bodyPr anchor="ctr"/>
-          <a:lstStyle/>
-          <a:p>
-            <a:pPr algn="ctr"/>
-            <a:endParaRPr lang="zh-CN" altLang="zh-CN"/>
-          </a:p>
-        </p:txBody>
-      </p:sp>
-      <p:sp>
-        <p:nvSpPr>
-          <p:cNvPr id="20525" name="ïŝļïďe">
-            <a:extLst>
-              <a:ext uri="{FF2B5EF4-FFF2-40B4-BE49-F238E27FC236}">
-                <a16:creationId xmlns:a16="http://schemas.microsoft.com/office/drawing/2014/main" id="{B1262AFE-2F34-47E9-AC7E-F0C9246573DB}"/>
-              </a:ext>
-            </a:extLst>
-          </p:cNvPr>
-          <p:cNvSpPr>
-            <a:spLocks noChangeArrowheads="1"/>
-          </p:cNvSpPr>
-          <p:nvPr/>
-        </p:nvSpPr>
-        <p:spPr bwMode="auto">
-          <a:xfrm>
-            <a:off x="8559800" y="5591175"/>
-            <a:ext cx="1714500" cy="1714500"/>
-          </a:xfrm>
-          <a:prstGeom prst="ellipse">
-            <a:avLst/>
-          </a:prstGeom>
-          <a:solidFill>
-            <a:srgbClr val="E6E6E6"/>
-          </a:solidFill>
-          <a:ln w="25400">
-            <a:solidFill>
-              <a:schemeClr val="tx1">
-                <a:alpha val="0"/>
-              </a:schemeClr>
-            </a:solidFill>
-            <a:miter lim="800000"/>
-            <a:headEnd/>
-            <a:tailEnd/>
-          </a:ln>
-        </p:spPr>
-        <p:txBody>
-          <a:bodyPr anchor="ctr"/>
-          <a:lstStyle/>
-          <a:p>
-            <a:pPr algn="ctr"/>
-            <a:endParaRPr lang="zh-CN" altLang="zh-CN"/>
-          </a:p>
-        </p:txBody>
-      </p:sp>
-      <p:sp>
-        <p:nvSpPr>
-          <p:cNvPr id="20526" name="iSļïḍé">
-            <a:extLst>
-              <a:ext uri="{FF2B5EF4-FFF2-40B4-BE49-F238E27FC236}">
-                <a16:creationId xmlns:a16="http://schemas.microsoft.com/office/drawing/2014/main" id="{E701A3EE-1562-47F7-8659-78C941476369}"/>
-              </a:ext>
-            </a:extLst>
-          </p:cNvPr>
-          <p:cNvSpPr>
-            <a:spLocks noChangeArrowheads="1"/>
-          </p:cNvSpPr>
-          <p:nvPr/>
-        </p:nvSpPr>
-        <p:spPr bwMode="auto">
-          <a:xfrm>
-            <a:off x="7975600" y="6454775"/>
-            <a:ext cx="1054100" cy="1054100"/>
-          </a:xfrm>
-          <a:prstGeom prst="ellipse">
-            <a:avLst/>
-          </a:prstGeom>
-          <a:solidFill>
-            <a:srgbClr val="E6E6E6"/>
-          </a:solidFill>
-          <a:ln w="25400">
-            <a:solidFill>
-              <a:schemeClr val="tx1">
-                <a:alpha val="0"/>
-              </a:schemeClr>
-            </a:solidFill>
-            <a:miter lim="800000"/>
-            <a:headEnd/>
-            <a:tailEnd/>
-          </a:ln>
-        </p:spPr>
-        <p:txBody>
-          <a:bodyPr anchor="ctr"/>
-          <a:lstStyle/>
-          <a:p>
-            <a:pPr algn="ctr"/>
-            <a:endParaRPr lang="zh-CN" altLang="zh-CN"/>
-          </a:p>
-        </p:txBody>
-      </p:sp>
-      <p:sp>
-        <p:nvSpPr>
-          <p:cNvPr id="20527" name="išḻîḑê">
-            <a:extLst>
-              <a:ext uri="{FF2B5EF4-FFF2-40B4-BE49-F238E27FC236}">
-                <a16:creationId xmlns:a16="http://schemas.microsoft.com/office/drawing/2014/main" id="{5180F2FB-AF96-4892-9576-2CDE9EA84024}"/>
-              </a:ext>
-            </a:extLst>
-          </p:cNvPr>
-          <p:cNvSpPr>
-            <a:spLocks noChangeArrowheads="1"/>
-          </p:cNvSpPr>
-          <p:nvPr/>
-        </p:nvSpPr>
-        <p:spPr bwMode="auto">
-          <a:xfrm>
-            <a:off x="11131550" y="5133975"/>
-            <a:ext cx="2012950" cy="1676400"/>
-          </a:xfrm>
-          <a:prstGeom prst="ellipse">
-            <a:avLst/>
-          </a:prstGeom>
-          <a:solidFill>
-            <a:srgbClr val="FFFEFE"/>
-          </a:solidFill>
-          <a:ln w="25400">
-            <a:solidFill>
-              <a:schemeClr val="tx1">
-                <a:alpha val="0"/>
-              </a:schemeClr>
-            </a:solidFill>
-            <a:miter lim="800000"/>
-            <a:headEnd/>
-            <a:tailEnd/>
-          </a:ln>
-        </p:spPr>
-        <p:txBody>
-          <a:bodyPr anchor="ctr"/>
-          <a:lstStyle/>
-          <a:p>
-            <a:pPr algn="ctr"/>
-            <a:endParaRPr lang="zh-CN" altLang="zh-CN"/>
-          </a:p>
-        </p:txBody>
-      </p:sp>
-      <p:sp>
-        <p:nvSpPr>
-          <p:cNvPr id="20528" name="íṡľíḑè">
-            <a:extLst>
-              <a:ext uri="{FF2B5EF4-FFF2-40B4-BE49-F238E27FC236}">
-                <a16:creationId xmlns:a16="http://schemas.microsoft.com/office/drawing/2014/main" id="{FA346715-552B-4E64-B339-492F5B8D1F2D}"/>
-              </a:ext>
-            </a:extLst>
-          </p:cNvPr>
-          <p:cNvSpPr>
-            <a:spLocks noChangeArrowheads="1"/>
-          </p:cNvSpPr>
-          <p:nvPr/>
-        </p:nvSpPr>
-        <p:spPr bwMode="auto">
-          <a:xfrm>
-            <a:off x="10826750" y="5286375"/>
-            <a:ext cx="2171700" cy="2171700"/>
-          </a:xfrm>
-          <a:prstGeom prst="ellipse">
-            <a:avLst/>
-          </a:prstGeom>
-          <a:solidFill>
-            <a:srgbClr val="E6E6E6"/>
-          </a:solidFill>
-          <a:ln w="25400">
-            <a:solidFill>
-              <a:schemeClr val="tx1">
-                <a:alpha val="0"/>
-              </a:schemeClr>
-            </a:solidFill>
-            <a:miter lim="800000"/>
-            <a:headEnd/>
-            <a:tailEnd/>
-          </a:ln>
-        </p:spPr>
-        <p:txBody>
-          <a:bodyPr anchor="ctr"/>
-          <a:lstStyle/>
-          <a:p>
-            <a:pPr algn="ctr"/>
-            <a:endParaRPr lang="zh-CN" altLang="zh-CN"/>
-          </a:p>
-        </p:txBody>
-      </p:sp>
-      <p:grpSp>
-        <p:nvGrpSpPr>
-          <p:cNvPr id="20529" name="ïṩ1ïďé">
-            <a:extLst>
-              <a:ext uri="{FF2B5EF4-FFF2-40B4-BE49-F238E27FC236}">
-                <a16:creationId xmlns:a16="http://schemas.microsoft.com/office/drawing/2014/main" id="{E79B16EB-5EF8-4EB6-8F7C-E9C9371E581A}"/>
-              </a:ext>
-            </a:extLst>
-          </p:cNvPr>
-          <p:cNvGrpSpPr>
-            <a:grpSpLocks/>
-          </p:cNvGrpSpPr>
-          <p:nvPr/>
-        </p:nvGrpSpPr>
-        <p:grpSpPr bwMode="auto">
-          <a:xfrm>
-            <a:off x="8997950" y="3662363"/>
-            <a:ext cx="944563" cy="625475"/>
-            <a:chOff x="0" y="0"/>
-            <a:chExt cx="5983" cy="3960"/>
-          </a:xfrm>
-        </p:grpSpPr>
-        <p:sp>
-          <p:nvSpPr>
-            <p:cNvPr id="20530" name="ïşļidè">
-              <a:extLst>
-                <a:ext uri="{FF2B5EF4-FFF2-40B4-BE49-F238E27FC236}">
-                  <a16:creationId xmlns:a16="http://schemas.microsoft.com/office/drawing/2014/main" id="{2B659949-89C0-4E9D-8C74-C4C072655D7D}"/>
-                </a:ext>
-              </a:extLst>
-            </p:cNvPr>
-            <p:cNvSpPr>
-              <a:spLocks noChangeArrowheads="1"/>
-            </p:cNvSpPr>
-            <p:nvPr/>
-          </p:nvSpPr>
-          <p:spPr bwMode="auto">
-            <a:xfrm>
-              <a:off x="1890" y="90"/>
-              <a:ext cx="3957" cy="3402"/>
-            </a:xfrm>
-            <a:custGeom>
-              <a:avLst/>
-              <a:gdLst>
-                <a:gd name="T0" fmla="*/ 577 w 21600"/>
-                <a:gd name="T1" fmla="*/ 11364 h 21600"/>
-                <a:gd name="T2" fmla="*/ 0 w 21600"/>
-                <a:gd name="T3" fmla="*/ 21600 h 21600"/>
-                <a:gd name="T4" fmla="*/ 21600 w 21600"/>
-                <a:gd name="T5" fmla="*/ 0 h 21600"/>
-                <a:gd name="T6" fmla="*/ 577 w 21600"/>
-                <a:gd name="T7" fmla="*/ 11364 h 21600"/>
-                <a:gd name="T8" fmla="*/ 577 w 21600"/>
-                <a:gd name="T9" fmla="*/ 11364 h 21600"/>
-              </a:gdLst>
-              <a:ahLst/>
-              <a:cxnLst>
-                <a:cxn ang="0">
-                  <a:pos x="T0" y="T1"/>
-                </a:cxn>
-                <a:cxn ang="0">
-                  <a:pos x="T2" y="T3"/>
-                </a:cxn>
-                <a:cxn ang="0">
-                  <a:pos x="T4" y="T5"/>
-                </a:cxn>
-                <a:cxn ang="0">
-                  <a:pos x="T6" y="T7"/>
-                </a:cxn>
-                <a:cxn ang="0">
-                  <a:pos x="T8" y="T9"/>
-                </a:cxn>
-              </a:cxnLst>
-              <a:rect l="0" t="0" r="r" b="b"/>
-              <a:pathLst>
-                <a:path w="21600" h="21600">
-                  <a:moveTo>
-                    <a:pt x="577" y="11364"/>
-                  </a:moveTo>
-                  <a:lnTo>
-                    <a:pt x="0" y="21600"/>
-                  </a:lnTo>
-                  <a:lnTo>
-                    <a:pt x="21600" y="0"/>
-                  </a:lnTo>
-                  <a:lnTo>
-                    <a:pt x="577" y="11364"/>
-                  </a:lnTo>
-                  <a:close/>
-                  <a:moveTo>
-                    <a:pt x="577" y="11364"/>
-                  </a:moveTo>
-                </a:path>
-              </a:pathLst>
-            </a:custGeom>
-            <a:solidFill>
-              <a:srgbClr val="000712"/>
-            </a:solidFill>
-            <a:ln w="25400">
-              <a:solidFill>
-                <a:schemeClr val="tx1">
-                  <a:alpha val="0"/>
-                </a:schemeClr>
-              </a:solidFill>
-              <a:miter lim="800000"/>
-              <a:headEnd/>
-              <a:tailEnd/>
-            </a:ln>
-          </p:spPr>
-          <p:txBody>
-            <a:bodyPr anchor="ctr"/>
-            <a:lstStyle/>
-            <a:p>
-              <a:pPr algn="ctr"/>
-              <a:endParaRPr lang="zh-CN" altLang="zh-CN"/>
-            </a:p>
-          </p:txBody>
-        </p:sp>
-        <p:sp>
-          <p:nvSpPr>
-            <p:cNvPr id="20531" name="îšḻíḍé">
-              <a:extLst>
-                <a:ext uri="{FF2B5EF4-FFF2-40B4-BE49-F238E27FC236}">
-                  <a16:creationId xmlns:a16="http://schemas.microsoft.com/office/drawing/2014/main" id="{416B1AA5-1A3F-4FA4-AC6E-E8A99DDE8BB5}"/>
-                </a:ext>
-              </a:extLst>
-            </p:cNvPr>
-            <p:cNvSpPr>
-              <a:spLocks noChangeArrowheads="1"/>
-            </p:cNvSpPr>
-            <p:nvPr/>
-          </p:nvSpPr>
-          <p:spPr bwMode="auto">
-            <a:xfrm>
-              <a:off x="1860" y="80"/>
-              <a:ext cx="4052" cy="3473"/>
-            </a:xfrm>
-            <a:custGeom>
-              <a:avLst/>
-              <a:gdLst>
-                <a:gd name="T0" fmla="*/ 338 w 21600"/>
-                <a:gd name="T1" fmla="*/ 10512 h 21600"/>
-                <a:gd name="T2" fmla="*/ 0 w 21600"/>
-                <a:gd name="T3" fmla="*/ 21600 h 21600"/>
-                <a:gd name="T4" fmla="*/ 2612 w 21600"/>
-                <a:gd name="T5" fmla="*/ 12113 h 21600"/>
-                <a:gd name="T6" fmla="*/ 21600 w 21600"/>
-                <a:gd name="T7" fmla="*/ 0 h 21600"/>
-                <a:gd name="T8" fmla="*/ 14474 w 21600"/>
-                <a:gd name="T9" fmla="*/ 1859 h 21600"/>
-                <a:gd name="T10" fmla="*/ 338 w 21600"/>
-                <a:gd name="T11" fmla="*/ 10512 h 21600"/>
-                <a:gd name="T12" fmla="*/ 338 w 21600"/>
-                <a:gd name="T13" fmla="*/ 10512 h 21600"/>
-              </a:gdLst>
-              <a:ahLst/>
-              <a:cxnLst>
-                <a:cxn ang="0">
-                  <a:pos x="T0" y="T1"/>
-                </a:cxn>
-                <a:cxn ang="0">
-                  <a:pos x="T2" y="T3"/>
-                </a:cxn>
-                <a:cxn ang="0">
-                  <a:pos x="T4" y="T5"/>
-                </a:cxn>
-                <a:cxn ang="0">
-                  <a:pos x="T6" y="T7"/>
-                </a:cxn>
-                <a:cxn ang="0">
-                  <a:pos x="T8" y="T9"/>
-                </a:cxn>
-                <a:cxn ang="0">
-                  <a:pos x="T10" y="T11"/>
-                </a:cxn>
-                <a:cxn ang="0">
-                  <a:pos x="T12" y="T13"/>
-                </a:cxn>
-              </a:cxnLst>
-              <a:rect l="0" t="0" r="r" b="b"/>
-              <a:pathLst>
-                <a:path w="21600" h="21600">
-                  <a:moveTo>
-                    <a:pt x="338" y="10512"/>
-                  </a:moveTo>
-                  <a:lnTo>
-                    <a:pt x="0" y="21600"/>
-                  </a:lnTo>
-                  <a:lnTo>
-                    <a:pt x="2612" y="12113"/>
-                  </a:lnTo>
-                  <a:lnTo>
-                    <a:pt x="21600" y="0"/>
-                  </a:lnTo>
-                  <a:lnTo>
-                    <a:pt x="14474" y="1859"/>
-                  </a:lnTo>
-                  <a:lnTo>
-                    <a:pt x="338" y="10512"/>
-                  </a:lnTo>
-                  <a:close/>
-                  <a:moveTo>
-                    <a:pt x="338" y="10512"/>
-                  </a:moveTo>
-                </a:path>
-              </a:pathLst>
-            </a:custGeom>
-            <a:solidFill>
-              <a:srgbClr val="010A1A"/>
-            </a:solidFill>
-            <a:ln w="25400">
-              <a:solidFill>
-                <a:schemeClr val="tx1">
-                  <a:alpha val="0"/>
-                </a:schemeClr>
-              </a:solidFill>
-              <a:miter lim="800000"/>
-              <a:headEnd/>
-              <a:tailEnd/>
-            </a:ln>
-          </p:spPr>
-          <p:txBody>
-            <a:bodyPr anchor="ctr"/>
-            <a:lstStyle/>
-            <a:p>
-              <a:pPr algn="ctr"/>
-              <a:endParaRPr lang="zh-CN" altLang="zh-CN"/>
-            </a:p>
-          </p:txBody>
-        </p:sp>
-        <p:sp>
-          <p:nvSpPr>
-            <p:cNvPr id="20532" name="íS1idè">
-              <a:extLst>
-                <a:ext uri="{FF2B5EF4-FFF2-40B4-BE49-F238E27FC236}">
-                  <a16:creationId xmlns:a16="http://schemas.microsoft.com/office/drawing/2014/main" id="{FC3107DF-9C43-4055-9B71-1A74C5FCB5AC}"/>
-                </a:ext>
-              </a:extLst>
-            </p:cNvPr>
-            <p:cNvSpPr>
-              <a:spLocks noChangeArrowheads="1"/>
-            </p:cNvSpPr>
-            <p:nvPr/>
-          </p:nvSpPr>
-          <p:spPr bwMode="auto">
-            <a:xfrm>
-              <a:off x="0" y="0"/>
-              <a:ext cx="5983" cy="1874"/>
-            </a:xfrm>
-            <a:custGeom>
-              <a:avLst/>
-              <a:gdLst>
-                <a:gd name="T0" fmla="*/ 0 w 21600"/>
-                <a:gd name="T1" fmla="*/ 12991 h 21600"/>
-                <a:gd name="T2" fmla="*/ 6723 w 21600"/>
-                <a:gd name="T3" fmla="*/ 21600 h 21600"/>
-                <a:gd name="T4" fmla="*/ 21600 w 21600"/>
-                <a:gd name="T5" fmla="*/ 0 h 21600"/>
-                <a:gd name="T6" fmla="*/ 0 w 21600"/>
-                <a:gd name="T7" fmla="*/ 12991 h 21600"/>
-                <a:gd name="T8" fmla="*/ 0 w 21600"/>
-                <a:gd name="T9" fmla="*/ 12991 h 21600"/>
-              </a:gdLst>
-              <a:ahLst/>
-              <a:cxnLst>
-                <a:cxn ang="0">
-                  <a:pos x="T0" y="T1"/>
-                </a:cxn>
-                <a:cxn ang="0">
-                  <a:pos x="T2" y="T3"/>
-                </a:cxn>
-                <a:cxn ang="0">
-                  <a:pos x="T4" y="T5"/>
-                </a:cxn>
-                <a:cxn ang="0">
-                  <a:pos x="T6" y="T7"/>
-                </a:cxn>
-                <a:cxn ang="0">
-                  <a:pos x="T8" y="T9"/>
-                </a:cxn>
-              </a:cxnLst>
-              <a:rect l="0" t="0" r="r" b="b"/>
-              <a:pathLst>
-                <a:path w="21600" h="21600">
-                  <a:moveTo>
-                    <a:pt x="0" y="12991"/>
-                  </a:moveTo>
-                  <a:lnTo>
-                    <a:pt x="6723" y="21600"/>
-                  </a:lnTo>
-                  <a:lnTo>
-                    <a:pt x="21600" y="0"/>
-                  </a:lnTo>
-                  <a:lnTo>
-                    <a:pt x="0" y="12991"/>
-                  </a:lnTo>
-                  <a:close/>
-                  <a:moveTo>
-                    <a:pt x="0" y="12991"/>
-                  </a:moveTo>
-                </a:path>
-              </a:pathLst>
-            </a:custGeom>
-            <a:solidFill>
-              <a:schemeClr val="accent1"/>
-            </a:solidFill>
-            <a:ln w="25400">
-              <a:solidFill>
-                <a:schemeClr val="tx1">
-                  <a:alpha val="0"/>
-                </a:schemeClr>
-              </a:solidFill>
-              <a:miter lim="800000"/>
-              <a:headEnd/>
-              <a:tailEnd/>
-            </a:ln>
-          </p:spPr>
-          <p:txBody>
-            <a:bodyPr anchor="ctr"/>
-            <a:lstStyle/>
-            <a:p>
-              <a:pPr algn="ctr"/>
-              <a:endParaRPr lang="zh-CN" altLang="zh-CN"/>
-            </a:p>
-          </p:txBody>
-        </p:sp>
-        <p:sp>
-          <p:nvSpPr>
-            <p:cNvPr id="20533" name="ïṩ1íḍé">
-              <a:extLst>
-                <a:ext uri="{FF2B5EF4-FFF2-40B4-BE49-F238E27FC236}">
-                  <a16:creationId xmlns:a16="http://schemas.microsoft.com/office/drawing/2014/main" id="{0DE3111F-BAC2-4BD5-BBAB-79BBB7389A56}"/>
-                </a:ext>
-              </a:extLst>
-            </p:cNvPr>
-            <p:cNvSpPr>
-              <a:spLocks noChangeArrowheads="1"/>
-            </p:cNvSpPr>
-            <p:nvPr/>
-          </p:nvSpPr>
-          <p:spPr bwMode="auto">
-            <a:xfrm>
-              <a:off x="2341" y="30"/>
-              <a:ext cx="3565" cy="3930"/>
-            </a:xfrm>
-            <a:custGeom>
-              <a:avLst/>
-              <a:gdLst>
-                <a:gd name="T0" fmla="*/ 0 w 21600"/>
-                <a:gd name="T1" fmla="*/ 10747 h 21600"/>
-                <a:gd name="T2" fmla="*/ 21600 w 21600"/>
-                <a:gd name="T3" fmla="*/ 0 h 21600"/>
-                <a:gd name="T4" fmla="*/ 7562 w 21600"/>
-                <a:gd name="T5" fmla="*/ 21600 h 21600"/>
-                <a:gd name="T6" fmla="*/ 0 w 21600"/>
-                <a:gd name="T7" fmla="*/ 10747 h 21600"/>
-                <a:gd name="T8" fmla="*/ 0 w 21600"/>
-                <a:gd name="T9" fmla="*/ 10747 h 21600"/>
-              </a:gdLst>
-              <a:ahLst/>
-              <a:cxnLst>
-                <a:cxn ang="0">
-                  <a:pos x="T0" y="T1"/>
-                </a:cxn>
-                <a:cxn ang="0">
-                  <a:pos x="T2" y="T3"/>
-                </a:cxn>
-                <a:cxn ang="0">
-                  <a:pos x="T4" y="T5"/>
-                </a:cxn>
-                <a:cxn ang="0">
-                  <a:pos x="T6" y="T7"/>
-                </a:cxn>
-                <a:cxn ang="0">
-                  <a:pos x="T8" y="T9"/>
-                </a:cxn>
-              </a:cxnLst>
-              <a:rect l="0" t="0" r="r" b="b"/>
-              <a:pathLst>
-                <a:path w="21600" h="21600">
-                  <a:moveTo>
-                    <a:pt x="0" y="10747"/>
-                  </a:moveTo>
-                  <a:lnTo>
-                    <a:pt x="21600" y="0"/>
-                  </a:lnTo>
-                  <a:lnTo>
-                    <a:pt x="7562" y="21600"/>
-                  </a:lnTo>
-                  <a:lnTo>
-                    <a:pt x="0" y="10747"/>
-                  </a:lnTo>
-                  <a:close/>
-                  <a:moveTo>
-                    <a:pt x="0" y="10747"/>
-                  </a:moveTo>
-                </a:path>
-              </a:pathLst>
-            </a:custGeom>
-            <a:solidFill>
-              <a:schemeClr val="accent1"/>
-            </a:solidFill>
-            <a:ln w="25400">
-              <a:solidFill>
-                <a:schemeClr val="tx1">
-                  <a:alpha val="0"/>
-                </a:schemeClr>
-              </a:solidFill>
-              <a:miter lim="800000"/>
-              <a:headEnd/>
-              <a:tailEnd/>
-            </a:ln>
-          </p:spPr>
-          <p:txBody>
-            <a:bodyPr anchor="ctr"/>
-            <a:lstStyle/>
-            <a:p>
-              <a:pPr algn="ctr"/>
-              <a:endParaRPr lang="zh-CN" altLang="zh-CN"/>
-            </a:p>
-          </p:txBody>
-        </p:sp>
-      </p:grpSp>
-      <p:sp>
-        <p:nvSpPr>
-          <p:cNvPr id="27" name="ïṣḻíďê">
-            <a:extLst>
-              <a:ext uri="{FF2B5EF4-FFF2-40B4-BE49-F238E27FC236}">
-                <a16:creationId xmlns:a16="http://schemas.microsoft.com/office/drawing/2014/main" id="{FBCC1EF3-74F6-4CB8-BA90-46E76636B27E}"/>
-              </a:ext>
-            </a:extLst>
-          </p:cNvPr>
-          <p:cNvSpPr txBox="1"/>
-          <p:nvPr/>
-        </p:nvSpPr>
-        <p:spPr bwMode="auto">
-          <a:xfrm>
-            <a:off x="5770563" y="166688"/>
-            <a:ext cx="169862" cy="184150"/>
-          </a:xfrm>
-          <a:prstGeom prst="rect">
-            <a:avLst/>
-          </a:prstGeom>
-          <a:noFill/>
-        </p:spPr>
-        <p:txBody>
-          <a:bodyPr wrap="none" anchor="ctr">
-            <a:normAutofit fontScale="55000" lnSpcReduction="20000"/>
-          </a:bodyPr>
-          <a:lstStyle/>
-          <a:p>
-            <a:r>
-              <a:rPr lang="en-US" altLang="zh-CN" sz="1200" noProof="1">
-                <a:solidFill>
-                  <a:schemeClr val="bg1"/>
-                </a:solidFill>
-              </a:rPr>
-              <a:t>2312</a:t>
-            </a:r>
-          </a:p>
-        </p:txBody>
-      </p:sp>
-      <p:sp>
-        <p:nvSpPr>
-          <p:cNvPr id="34" name="iŝļidè">
-            <a:extLst>
-              <a:ext uri="{FF2B5EF4-FFF2-40B4-BE49-F238E27FC236}">
-                <a16:creationId xmlns:a16="http://schemas.microsoft.com/office/drawing/2014/main" id="{9195ABD6-6745-42B0-A13A-4EB3665C0D73}"/>
-              </a:ext>
-            </a:extLst>
-          </p:cNvPr>
-          <p:cNvSpPr txBox="1">
-            <a:spLocks noChangeArrowheads="1"/>
-          </p:cNvSpPr>
-          <p:nvPr/>
-        </p:nvSpPr>
-        <p:spPr bwMode="auto">
-          <a:xfrm>
-            <a:off x="9921875" y="3227388"/>
-            <a:ext cx="2130425" cy="309562"/>
-          </a:xfrm>
-          <a:prstGeom prst="rect">
-            <a:avLst/>
-          </a:prstGeom>
-          <a:noFill/>
-          <a:ln>
-            <a:noFill/>
-          </a:ln>
-          <a:extLst>
-            <a:ext uri="{909E8E84-426E-40DD-AFC4-6F175D3DCCD1}">
-              <a14:hiddenFill xmlns:a14="http://schemas.microsoft.com/office/drawing/2010/main">
-                <a:solidFill>
-                  <a:srgbClr val="FFFFFF"/>
-                </a:solidFill>
-              </a14:hiddenFill>
-            </a:ext>
-            <a:ext uri="{91240B29-F687-4F45-9708-019B960494DF}">
-              <a14:hiddenLine xmlns:a14="http://schemas.microsoft.com/office/drawing/2010/main" w="9525">
-                <a:solidFill>
-                  <a:srgbClr val="000000"/>
-                </a:solidFill>
-                <a:miter lim="800000"/>
-                <a:headEnd/>
-                <a:tailEnd/>
-              </a14:hiddenLine>
-            </a:ext>
-          </a:extLst>
-        </p:spPr>
-        <p:txBody>
-          <a:bodyPr wrap="none" lIns="90000" tIns="46800" rIns="90000" bIns="46800" anchor="ctr"/>
-          <a:lstStyle/>
-          <a:p>
-            <a:r>
-              <a:rPr lang="en-US" altLang="zh-CN" sz="3500">
-                <a:latin typeface="黑体" panose="02010609060101010101" pitchFamily="49" charset="-122"/>
-                <a:ea typeface="黑体" panose="02010609060101010101" pitchFamily="49" charset="-122"/>
-              </a:rPr>
-              <a:t>安全可靠</a:t>
-            </a:r>
-          </a:p>
-        </p:txBody>
-      </p:sp>
-      <p:sp>
-        <p:nvSpPr>
-          <p:cNvPr id="32" name="î$1iḑê">
-            <a:extLst>
-              <a:ext uri="{FF2B5EF4-FFF2-40B4-BE49-F238E27FC236}">
-                <a16:creationId xmlns:a16="http://schemas.microsoft.com/office/drawing/2014/main" id="{3F7530BE-F08C-4200-AFB8-E58C18BFF58E}"/>
-              </a:ext>
-            </a:extLst>
-          </p:cNvPr>
-          <p:cNvSpPr txBox="1">
-            <a:spLocks noChangeArrowheads="1"/>
-          </p:cNvSpPr>
-          <p:nvPr/>
-        </p:nvSpPr>
-        <p:spPr bwMode="auto">
-          <a:xfrm>
-            <a:off x="1528763" y="1538288"/>
-            <a:ext cx="2449512" cy="700087"/>
-          </a:xfrm>
-          <a:prstGeom prst="rect">
-            <a:avLst/>
-          </a:prstGeom>
-          <a:noFill/>
-          <a:ln>
-            <a:noFill/>
-          </a:ln>
-          <a:extLst>
-            <a:ext uri="{909E8E84-426E-40DD-AFC4-6F175D3DCCD1}">
-              <a14:hiddenFill xmlns:a14="http://schemas.microsoft.com/office/drawing/2010/main">
-                <a:solidFill>
-                  <a:srgbClr val="FFFFFF"/>
-                </a:solidFill>
-              </a14:hiddenFill>
-            </a:ext>
-            <a:ext uri="{91240B29-F687-4F45-9708-019B960494DF}">
-              <a14:hiddenLine xmlns:a14="http://schemas.microsoft.com/office/drawing/2010/main" w="9525">
-                <a:solidFill>
-                  <a:srgbClr val="000000"/>
-                </a:solidFill>
-                <a:miter lim="800000"/>
-                <a:headEnd/>
-                <a:tailEnd/>
-              </a14:hiddenLine>
-            </a:ext>
-          </a:extLst>
-        </p:spPr>
-        <p:txBody>
-          <a:bodyPr wrap="none" lIns="90000" tIns="46800" rIns="90000" bIns="46800" anchor="ctr"/>
-          <a:lstStyle/>
-          <a:p>
-            <a:r>
-              <a:rPr lang="en-US" altLang="zh-CN" sz="3600">
-                <a:latin typeface="黑体" panose="02010609060101010101" pitchFamily="49" charset="-122"/>
-                <a:ea typeface="黑体" panose="02010609060101010101" pitchFamily="49" charset="-122"/>
-              </a:rPr>
-              <a:t>低资源占用</a:t>
-            </a:r>
-          </a:p>
-        </p:txBody>
-      </p:sp>
-      <p:sp>
-        <p:nvSpPr>
-          <p:cNvPr id="69" name="iŝļidè">
-            <a:extLst>
-              <a:ext uri="{FF2B5EF4-FFF2-40B4-BE49-F238E27FC236}">
-                <a16:creationId xmlns:a16="http://schemas.microsoft.com/office/drawing/2014/main" id="{B2221E0C-889C-48CA-8E81-7F0BAA1162A7}"/>
-              </a:ext>
-            </a:extLst>
-          </p:cNvPr>
-          <p:cNvSpPr txBox="1">
-            <a:spLocks noChangeArrowheads="1"/>
-          </p:cNvSpPr>
-          <p:nvPr/>
-        </p:nvSpPr>
-        <p:spPr bwMode="auto">
-          <a:xfrm>
-            <a:off x="9390063" y="2003425"/>
-            <a:ext cx="2130425" cy="309563"/>
-          </a:xfrm>
-          <a:prstGeom prst="rect">
-            <a:avLst/>
-          </a:prstGeom>
-          <a:noFill/>
-          <a:ln>
-            <a:noFill/>
-          </a:ln>
-          <a:extLst>
-            <a:ext uri="{909E8E84-426E-40DD-AFC4-6F175D3DCCD1}">
-              <a14:hiddenFill xmlns:a14="http://schemas.microsoft.com/office/drawing/2010/main">
-                <a:solidFill>
-                  <a:srgbClr val="FFFFFF"/>
-                </a:solidFill>
-              </a14:hiddenFill>
-            </a:ext>
-            <a:ext uri="{91240B29-F687-4F45-9708-019B960494DF}">
-              <a14:hiddenLine xmlns:a14="http://schemas.microsoft.com/office/drawing/2010/main" w="9525">
-                <a:solidFill>
-                  <a:srgbClr val="000000"/>
-                </a:solidFill>
-                <a:miter lim="800000"/>
-                <a:headEnd/>
-                <a:tailEnd/>
-              </a14:hiddenLine>
-            </a:ext>
-          </a:extLst>
-        </p:spPr>
-        <p:txBody>
-          <a:bodyPr wrap="none" lIns="90000" tIns="46800" rIns="90000" bIns="46800" anchor="ctr"/>
-          <a:lstStyle/>
-          <a:p>
-            <a:r>
-              <a:rPr lang="en-US" altLang="zh-CN" sz="3500">
-                <a:latin typeface="黑体" panose="02010609060101010101" pitchFamily="49" charset="-122"/>
-                <a:ea typeface="黑体" panose="02010609060101010101" pitchFamily="49" charset="-122"/>
-              </a:rPr>
-              <a:t>错误处理</a:t>
-            </a:r>
-          </a:p>
-        </p:txBody>
-      </p:sp>
-      <p:sp>
-        <p:nvSpPr>
-          <p:cNvPr id="70" name="iŝļidè">
-            <a:extLst>
-              <a:ext uri="{FF2B5EF4-FFF2-40B4-BE49-F238E27FC236}">
-                <a16:creationId xmlns:a16="http://schemas.microsoft.com/office/drawing/2014/main" id="{F92C1888-DD04-43CA-B8C5-F1556AC8C5BF}"/>
-              </a:ext>
-            </a:extLst>
-          </p:cNvPr>
-          <p:cNvSpPr txBox="1">
-            <a:spLocks noChangeArrowheads="1"/>
-          </p:cNvSpPr>
-          <p:nvPr/>
-        </p:nvSpPr>
-        <p:spPr bwMode="auto">
-          <a:xfrm>
-            <a:off x="7386638" y="5138738"/>
-            <a:ext cx="2132012" cy="309562"/>
-          </a:xfrm>
-          <a:prstGeom prst="rect">
-            <a:avLst/>
-          </a:prstGeom>
-          <a:noFill/>
-          <a:ln>
-            <a:noFill/>
-          </a:ln>
-          <a:extLst>
-            <a:ext uri="{909E8E84-426E-40DD-AFC4-6F175D3DCCD1}">
-              <a14:hiddenFill xmlns:a14="http://schemas.microsoft.com/office/drawing/2010/main">
-                <a:solidFill>
-                  <a:srgbClr val="FFFFFF"/>
-                </a:solidFill>
-              </a14:hiddenFill>
-            </a:ext>
-            <a:ext uri="{91240B29-F687-4F45-9708-019B960494DF}">
-              <a14:hiddenLine xmlns:a14="http://schemas.microsoft.com/office/drawing/2010/main" w="9525">
-                <a:solidFill>
-                  <a:srgbClr val="000000"/>
-                </a:solidFill>
-                <a:miter lim="800000"/>
-                <a:headEnd/>
-                <a:tailEnd/>
-              </a14:hiddenLine>
-            </a:ext>
-          </a:extLst>
-        </p:spPr>
-        <p:txBody>
-          <a:bodyPr wrap="none" lIns="90000" tIns="46800" rIns="90000" bIns="46800" anchor="ctr"/>
-          <a:lstStyle/>
-          <a:p>
-            <a:r>
-              <a:rPr lang="en-US" altLang="zh-CN" sz="3500">
-                <a:latin typeface="黑体" panose="02010609060101010101" pitchFamily="49" charset="-122"/>
-                <a:ea typeface="黑体" panose="02010609060101010101" pitchFamily="49" charset="-122"/>
-              </a:rPr>
-              <a:t>生命周期及所有权规则</a:t>
-            </a:r>
-          </a:p>
-        </p:txBody>
-      </p:sp>
-      <p:sp>
-        <p:nvSpPr>
-          <p:cNvPr id="71" name="iŝļidè">
-            <a:extLst>
-              <a:ext uri="{FF2B5EF4-FFF2-40B4-BE49-F238E27FC236}">
-                <a16:creationId xmlns:a16="http://schemas.microsoft.com/office/drawing/2014/main" id="{5B45806E-9444-4FB6-B422-D3A0654C59EF}"/>
-              </a:ext>
-            </a:extLst>
-          </p:cNvPr>
-          <p:cNvSpPr txBox="1">
-            <a:spLocks noChangeArrowheads="1"/>
-          </p:cNvSpPr>
-          <p:nvPr/>
-        </p:nvSpPr>
-        <p:spPr bwMode="auto">
-          <a:xfrm>
-            <a:off x="5694363" y="2971800"/>
-            <a:ext cx="2130425" cy="309563"/>
-          </a:xfrm>
-          <a:prstGeom prst="rect">
-            <a:avLst/>
-          </a:prstGeom>
-          <a:noFill/>
-          <a:ln>
-            <a:noFill/>
-          </a:ln>
-          <a:extLst>
-            <a:ext uri="{909E8E84-426E-40DD-AFC4-6F175D3DCCD1}">
-              <a14:hiddenFill xmlns:a14="http://schemas.microsoft.com/office/drawing/2010/main">
-                <a:solidFill>
-                  <a:srgbClr val="FFFFFF"/>
-                </a:solidFill>
-              </a14:hiddenFill>
-            </a:ext>
-            <a:ext uri="{91240B29-F687-4F45-9708-019B960494DF}">
-              <a14:hiddenLine xmlns:a14="http://schemas.microsoft.com/office/drawing/2010/main" w="9525">
-                <a:solidFill>
-                  <a:srgbClr val="000000"/>
-                </a:solidFill>
-                <a:miter lim="800000"/>
-                <a:headEnd/>
-                <a:tailEnd/>
-              </a14:hiddenLine>
-            </a:ext>
-          </a:extLst>
-        </p:spPr>
-        <p:txBody>
-          <a:bodyPr wrap="none" lIns="90000" tIns="46800" rIns="90000" bIns="46800" anchor="ctr"/>
-          <a:lstStyle/>
-          <a:p>
-            <a:r>
-              <a:rPr lang="en-US" altLang="zh-CN" sz="3500">
-                <a:latin typeface="黑体" panose="02010609060101010101" pitchFamily="49" charset="-122"/>
-                <a:ea typeface="黑体" panose="02010609060101010101" pitchFamily="49" charset="-122"/>
-              </a:rPr>
-              <a:t>优秀的鲁棒性</a:t>
-            </a:r>
-          </a:p>
-        </p:txBody>
-      </p:sp>
-    </p:spTree>
-  </p:cSld>
-  <p:clrMapOvr>
-    <a:masterClrMapping/>
-  </p:clrMapOvr>
-  <p:timing>
-    <p:tnLst>
-      <p:par>
-        <p:cTn id="1" dur="indefinite" restart="never" nodeType="tmRoot">
-          <p:childTnLst>
-            <p:seq concurrent="1" nextAc="seek">
-              <p:cTn id="2" dur="indefinite" nodeType="mainSeq">
-                <p:childTnLst>
-                  <p:par>
-                    <p:cTn id="3" fill="hold" nodeType="clickPar">
-                      <p:stCondLst>
-                        <p:cond delay="indefinite"/>
-                      </p:stCondLst>
-                      <p:childTnLst>
-                        <p:par>
-                          <p:cTn id="4" fill="hold" nodeType="withGroup">
-                            <p:stCondLst>
-                              <p:cond delay="0"/>
-                            </p:stCondLst>
-                            <p:childTnLst>
-                              <p:par>
-                                <p:cTn id="5" presetID="1" presetClass="entr" presetSubtype="0" fill="hold" grpId="0" nodeType="clickEffect">
-                                  <p:stCondLst>
-                                    <p:cond delay="0"/>
-                                  </p:stCondLst>
-                                  <p:childTnLst>
-                                    <p:set>
-                                      <p:cBhvr>
-                                        <p:cTn id="6" dur="1" fill="hold">
-                                          <p:stCondLst>
-                                            <p:cond delay="0"/>
-                                          </p:stCondLst>
-                                        </p:cTn>
-                                        <p:tgtEl>
-                                          <p:spTgt spid="32"/>
-                                        </p:tgtEl>
-                                        <p:attrNameLst>
-                                          <p:attrName>style.visibility</p:attrName>
-                                        </p:attrNameLst>
-                                      </p:cBhvr>
-                                      <p:to>
-                                        <p:strVal val="visible"/>
-                                      </p:to>
-                                    </p:set>
-                                  </p:childTnLst>
-                                </p:cTn>
-                              </p:par>
-                            </p:childTnLst>
-                          </p:cTn>
-                        </p:par>
-                      </p:childTnLst>
-                    </p:cTn>
-                  </p:par>
-                  <p:par>
-                    <p:cTn id="7" fill="hold" nodeType="clickPar">
-                      <p:stCondLst>
-                        <p:cond delay="indefinite"/>
-                      </p:stCondLst>
-                      <p:childTnLst>
-                        <p:par>
-                          <p:cTn id="8" fill="hold" nodeType="withGroup">
-                            <p:stCondLst>
-                              <p:cond delay="0"/>
-                            </p:stCondLst>
-                            <p:childTnLst>
-                              <p:par>
-                                <p:cTn id="9" presetID="1" presetClass="entr" presetSubtype="0" fill="hold" grpId="0" nodeType="clickEffect">
-                                  <p:stCondLst>
-                                    <p:cond delay="0"/>
-                                  </p:stCondLst>
-                                  <p:childTnLst>
-                                    <p:set>
-                                      <p:cBhvr>
-                                        <p:cTn id="10" dur="1" fill="hold">
-                                          <p:stCondLst>
-                                            <p:cond delay="0"/>
-                                          </p:stCondLst>
-                                        </p:cTn>
-                                        <p:tgtEl>
-                                          <p:spTgt spid="34"/>
-                                        </p:tgtEl>
-                                        <p:attrNameLst>
-                                          <p:attrName>style.visibility</p:attrName>
-                                        </p:attrNameLst>
-                                      </p:cBhvr>
-                                      <p:to>
-                                        <p:strVal val="visible"/>
-                                      </p:to>
-                                    </p:set>
-                                  </p:childTnLst>
-                                </p:cTn>
-                              </p:par>
-                            </p:childTnLst>
-                          </p:cTn>
-                        </p:par>
-                      </p:childTnLst>
-                    </p:cTn>
-                  </p:par>
-                  <p:par>
-                    <p:cTn id="11" fill="hold" nodeType="clickPar">
-                      <p:stCondLst>
-                        <p:cond delay="indefinite"/>
-                      </p:stCondLst>
-                      <p:childTnLst>
-                        <p:par>
-                          <p:cTn id="12" fill="hold" nodeType="withGroup">
-                            <p:stCondLst>
-                              <p:cond delay="0"/>
-                            </p:stCondLst>
-                            <p:childTnLst>
-                              <p:par>
-                                <p:cTn id="13" presetID="1" presetClass="entr" presetSubtype="0" fill="hold" grpId="0" nodeType="clickEffect">
-                                  <p:stCondLst>
-                                    <p:cond delay="0"/>
-                                  </p:stCondLst>
-                                  <p:childTnLst>
-                                    <p:set>
-                                      <p:cBhvr>
-                                        <p:cTn id="14" dur="1" fill="hold">
-                                          <p:stCondLst>
-                                            <p:cond delay="0"/>
-                                          </p:stCondLst>
-                                        </p:cTn>
-                                        <p:tgtEl>
-                                          <p:spTgt spid="70"/>
-                                        </p:tgtEl>
-                                        <p:attrNameLst>
-                                          <p:attrName>style.visibility</p:attrName>
-                                        </p:attrNameLst>
-                                      </p:cBhvr>
-                                      <p:to>
-                                        <p:strVal val="visible"/>
-                                      </p:to>
-                                    </p:set>
-                                  </p:childTnLst>
-                                </p:cTn>
-                              </p:par>
-                            </p:childTnLst>
-                          </p:cTn>
-                        </p:par>
-                      </p:childTnLst>
-                    </p:cTn>
-                  </p:par>
-                  <p:par>
-                    <p:cTn id="15" fill="hold" nodeType="clickPar">
-                      <p:stCondLst>
-                        <p:cond delay="indefinite"/>
-                      </p:stCondLst>
-                      <p:childTnLst>
-                        <p:par>
-                          <p:cTn id="16" fill="hold" nodeType="withGroup">
-                            <p:stCondLst>
-                              <p:cond delay="0"/>
-                            </p:stCondLst>
-                            <p:childTnLst>
-                              <p:par>
-                                <p:cTn id="17" presetID="1" presetClass="entr" presetSubtype="0" fill="hold" grpId="0" nodeType="clickEffect">
-                                  <p:stCondLst>
-                                    <p:cond delay="0"/>
-                                  </p:stCondLst>
-                                  <p:childTnLst>
-                                    <p:set>
-                                      <p:cBhvr>
-                                        <p:cTn id="18" dur="1" fill="hold">
-                                          <p:stCondLst>
-                                            <p:cond delay="0"/>
-                                          </p:stCondLst>
-                                        </p:cTn>
-                                        <p:tgtEl>
-                                          <p:spTgt spid="71"/>
-                                        </p:tgtEl>
-                                        <p:attrNameLst>
-                                          <p:attrName>style.visibility</p:attrName>
-                                        </p:attrNameLst>
-                                      </p:cBhvr>
-                                      <p:to>
-                                        <p:strVal val="visible"/>
-                                      </p:to>
-                                    </p:set>
-                                  </p:childTnLst>
-                                </p:cTn>
-                              </p:par>
-                            </p:childTnLst>
-                          </p:cTn>
-                        </p:par>
-                      </p:childTnLst>
-                    </p:cTn>
-                  </p:par>
-                  <p:par>
-                    <p:cTn id="19" fill="hold" nodeType="clickPar">
-                      <p:stCondLst>
-                        <p:cond delay="indefinite"/>
-                      </p:stCondLst>
-                      <p:childTnLst>
-                        <p:par>
-                          <p:cTn id="20" fill="hold" nodeType="withGroup">
-                            <p:stCondLst>
-                              <p:cond delay="0"/>
-                            </p:stCondLst>
-                            <p:childTnLst>
-                              <p:par>
-                                <p:cTn id="21" presetID="1" presetClass="entr" presetSubtype="0" fill="hold" grpId="0" nodeType="clickEffect">
-                                  <p:stCondLst>
-                                    <p:cond delay="0"/>
-                                  </p:stCondLst>
-                                  <p:childTnLst>
-                                    <p:set>
-                                      <p:cBhvr>
-                                        <p:cTn id="22" dur="1" fill="hold">
-                                          <p:stCondLst>
-                                            <p:cond delay="0"/>
-                                          </p:stCondLst>
-                                        </p:cTn>
-                                        <p:tgtEl>
-                                          <p:spTgt spid="69"/>
-                                        </p:tgtEl>
-                                        <p:attrNameLst>
-                                          <p:attrName>style.visibility</p:attrName>
-                                        </p:attrNameLst>
-                                      </p:cBhvr>
-                                      <p:to>
-                                        <p:strVal val="visible"/>
-                                      </p:to>
-                                    </p:set>
-                                  </p:childTnLst>
-                                </p:cTn>
-                              </p:par>
-                            </p:childTnLst>
-                          </p:cTn>
-                        </p:par>
-                      </p:childTnLst>
-                    </p:cTn>
-                  </p:par>
-                </p:childTnLst>
-              </p:cTn>
-              <p:prevCondLst>
-                <p:cond evt="onPrev" delay="0">
-                  <p:tgtEl>
-                    <p:sldTgt/>
-                  </p:tgtEl>
-                </p:cond>
-              </p:prevCondLst>
-              <p:nextCondLst>
-                <p:cond evt="onNext" delay="0">
-                  <p:tgtEl>
-                    <p:sldTgt/>
-                  </p:tgtEl>
-                </p:cond>
-              </p:nextCondLst>
-            </p:seq>
-          </p:childTnLst>
-        </p:cTn>
-      </p:par>
-    </p:tnLst>
-    <p:bldLst>
-      <p:bldP spid="34" grpId="0"/>
-      <p:bldP spid="32" grpId="0"/>
-      <p:bldP spid="69" grpId="0"/>
-      <p:bldP spid="70" grpId="0"/>
-      <p:bldP spid="71" grpId="0"/>
-    </p:bldLst>
-  </p:timing>
-</p:sld>
-</file>
-
-<file path=ppt/slides/slide7.xml><?xml version="1.0" encoding="utf-8"?>
-<p:sld xmlns:a="http://schemas.openxmlformats.org/drawingml/2006/main" xmlns:r="http://schemas.openxmlformats.org/officeDocument/2006/relationships" xmlns:p="http://schemas.openxmlformats.org/presentationml/2006/main">
-  <p:cSld>
-    <p:spTree>
-      <p:nvGrpSpPr>
-        <p:cNvPr id="1" name=""/>
-        <p:cNvGrpSpPr/>
-        <p:nvPr/>
-      </p:nvGrpSpPr>
-      <p:grpSpPr>
-        <a:xfrm>
-          <a:off x="0" y="0"/>
-          <a:ext cx="0" cy="0"/>
-          <a:chOff x="0" y="0"/>
-          <a:chExt cx="0" cy="0"/>
-        </a:xfrm>
-      </p:grpSpPr>
-      <p:sp>
-        <p:nvSpPr>
           <p:cNvPr id="23553" name="标题 1">
             <a:extLst>
               <a:ext uri="{FF2B5EF4-FFF2-40B4-BE49-F238E27FC236}">
@@ -23669,7 +20056,7 @@
             <a:fld id="{5753CC48-F7F1-43F8-8B48-437C792664B6}" type="slidenum">
               <a:rPr lang="zh-CN" altLang="en-US"/>
               <a:pPr/>
-              <a:t>7</a:t>
+              <a:t>6</a:t>
             </a:fld>
             <a:endParaRPr lang="zh-CN" altLang="en-US"/>
           </a:p>
@@ -27617,7 +24004,7 @@
 </p:sld>
 </file>
 
-<file path=ppt/slides/slide8.xml><?xml version="1.0" encoding="utf-8"?>
+<file path=ppt/slides/slide7.xml><?xml version="1.0" encoding="utf-8"?>
 <p:sld xmlns:a="http://schemas.openxmlformats.org/drawingml/2006/main" xmlns:r="http://schemas.openxmlformats.org/officeDocument/2006/relationships" xmlns:p="http://schemas.openxmlformats.org/presentationml/2006/main">
   <p:cSld>
     <p:spTree>
@@ -27770,7 +24157,7 @@
             <a:fld id="{C963F810-7EED-4C5E-BDD7-623AC0830A33}" type="slidenum">
               <a:rPr lang="zh-CN" altLang="en-US"/>
               <a:pPr/>
-              <a:t>8</a:t>
+              <a:t>7</a:t>
             </a:fld>
             <a:endParaRPr lang="zh-CN" altLang="en-US"/>
           </a:p>
